--- a/presentation/Poster_Template.pptx
+++ b/presentation/Poster_Template.pptx
@@ -3494,38 +3494,6 @@
           <a:chExt cx="0" cy="0"/>
         </a:xfrm>
       </p:grpSpPr>
-      <p:pic>
-        <p:nvPicPr>
-          <p:cNvPr id="21" name="Picture 20"/>
-          <p:cNvPicPr>
-            <a:picLocks noChangeAspect="1"/>
-          </p:cNvPicPr>
-          <p:nvPr/>
-        </p:nvPicPr>
-        <p:blipFill>
-          <a:blip r:embed="rId2"/>
-          <a:stretch>
-            <a:fillRect/>
-          </a:stretch>
-        </p:blipFill>
-        <p:spPr>
-          <a:xfrm>
-            <a:off x="25429267" y="15579324"/>
-            <a:ext cx="5147080" cy="5147080"/>
-          </a:xfrm>
-          <a:prstGeom prst="rect">
-            <a:avLst/>
-          </a:prstGeom>
-          <a:noFill/>
-          <a:ln>
-            <a:solidFill>
-              <a:sysClr val="windowText" lastClr="000000">
-                <a:alpha val="60000"/>
-              </a:sysClr>
-            </a:solidFill>
-          </a:ln>
-        </p:spPr>
-      </p:pic>
       <p:sp>
         <p:nvSpPr>
           <p:cNvPr id="2" name="Text Placeholder 1"/>
@@ -3538,14 +3506,15 @@
         </p:nvSpPr>
         <p:spPr>
           <a:xfrm>
-            <a:off x="1600199" y="6996551"/>
-            <a:ext cx="30115019" cy="6674698"/>
+            <a:off x="1594578" y="6795197"/>
+            <a:ext cx="14448720" cy="6551588"/>
           </a:xfrm>
         </p:spPr>
         <p:txBody>
           <a:bodyPr/>
           <a:lstStyle/>
           <a:p>
+            <a:pPr algn="just"/>
             <a:r>
               <a:rPr lang="en-US" dirty="0"/>
               <a:t>In recent years, more and more industrial control systems, which were created before </a:t>
@@ -3556,16 +3525,80 @@
             </a:r>
             <a:r>
               <a:rPr lang="en-US" dirty="0"/>
-              <a:t>are connected to the network. It becomes very crucial for us to understand, analyze and improve the security of these industrial control systems when they are connected to the network. As the core in an industrial control system, programmable logic controllers (PLCs) are controlling the industrial process given some inputs. </a:t>
-            </a:r>
-            <a:endParaRPr lang="en-US" dirty="0"/>
-          </a:p>
-          <a:p>
+              <a:t>are connected to the network. </a:t>
+            </a:r>
+            <a:r>
+              <a:rPr lang="en-US" dirty="0" smtClean="0"/>
+              <a:t>Therefore, to understand, </a:t>
+            </a:r>
             <a:r>
               <a:rPr lang="en-US" dirty="0"/>
-              <a:t>In this project, we investigate the attacking scenario that the malicious adversaries are connected in the network, and submit any malicious logic to the PLCs to generate some wrong outputs from the PLCs to further hurt the industrial processes. We suggest to use stealthy logging mechanism in this scenario to send the status of the PLCs to a central monitoring server in a secure and stealthy way periodically. This method can verify the integrity of the log and the adversary is not able figure out whether he gets caught or not. After an intrusion is detected, the server will restart the infected PLCs with a known clean state. This will carry on the normal operation of the industrial processes. </a:t>
-            </a:r>
-            <a:endParaRPr lang="en-US" dirty="0"/>
+              <a:t>analyze and improve the security of </a:t>
+            </a:r>
+            <a:r>
+              <a:rPr lang="en-US" dirty="0" smtClean="0"/>
+              <a:t>such systems in the Internet era is a crucial task. Programmable </a:t>
+            </a:r>
+            <a:r>
+              <a:rPr lang="en-US" dirty="0"/>
+              <a:t>logic controllers (PLCs) are </a:t>
+            </a:r>
+            <a:r>
+              <a:rPr lang="en-US" dirty="0" smtClean="0"/>
+              <a:t>one class of such devices mainly used for controlling </a:t>
+            </a:r>
+            <a:r>
+              <a:rPr lang="en-US" dirty="0"/>
+              <a:t>the industrial </a:t>
+            </a:r>
+            <a:r>
+              <a:rPr lang="en-US" dirty="0" smtClean="0"/>
+              <a:t>processes.</a:t>
+            </a:r>
+            <a:r>
+              <a:rPr lang="en-US" dirty="0"/>
+              <a:t> </a:t>
+            </a:r>
+            <a:r>
+              <a:rPr lang="en-US" dirty="0" smtClean="0"/>
+              <a:t>We </a:t>
+            </a:r>
+            <a:r>
+              <a:rPr lang="en-US" dirty="0"/>
+              <a:t>investigate </a:t>
+            </a:r>
+            <a:r>
+              <a:rPr lang="en-US" dirty="0" smtClean="0"/>
+              <a:t>an attack </a:t>
+            </a:r>
+            <a:r>
+              <a:rPr lang="en-US" dirty="0"/>
+              <a:t>scenario </a:t>
+            </a:r>
+            <a:r>
+              <a:rPr lang="en-US" dirty="0" smtClean="0"/>
+              <a:t>in which </a:t>
+            </a:r>
+            <a:r>
+              <a:rPr lang="en-US" dirty="0"/>
+              <a:t>the malicious adversaries </a:t>
+            </a:r>
+            <a:r>
+              <a:rPr lang="en-US" dirty="0" smtClean="0"/>
+              <a:t>have gained access to PLCs, </a:t>
+            </a:r>
+            <a:r>
+              <a:rPr lang="en-US" dirty="0"/>
+              <a:t>and submit any malicious logic to the PLCs to generate </a:t>
+            </a:r>
+            <a:r>
+              <a:rPr lang="en-US" dirty="0" smtClean="0"/>
+              <a:t>arbitrary </a:t>
+            </a:r>
+            <a:r>
+              <a:rPr lang="en-US" dirty="0"/>
+              <a:t>outputs from the PLCs to further hurt the industrial processes. </a:t>
+            </a:r>
           </a:p>
         </p:txBody>
       </p:sp>
@@ -3592,7 +3625,11 @@
             <a:pPr algn="l"/>
             <a:r>
               <a:rPr lang="en-US" sz="6000" dirty="0" smtClean="0"/>
-              <a:t>1. INTRODUCTION</a:t>
+              <a:t>1. </a:t>
+            </a:r>
+            <a:r>
+              <a:rPr lang="en-US" sz="6000" dirty="0" smtClean="0"/>
+              <a:t>Motivation</a:t>
             </a:r>
             <a:endParaRPr lang="en-US" sz="6000" dirty="0"/>
           </a:p>
@@ -3610,7 +3647,7 @@
         </p:nvSpPr>
         <p:spPr>
           <a:xfrm>
-            <a:off x="2604439" y="35864797"/>
+            <a:off x="16043298" y="37032119"/>
             <a:ext cx="12571741" cy="1081754"/>
           </a:xfrm>
         </p:spPr>
@@ -3621,36 +3658,13 @@
             <a:pPr algn="l"/>
             <a:r>
               <a:rPr lang="en-US" sz="6000" dirty="0" smtClean="0"/>
-              <a:t>3. CONCLUSION</a:t>
+              <a:t>4. </a:t>
+            </a:r>
+            <a:r>
+              <a:rPr lang="en-US" sz="6000" dirty="0" smtClean="0"/>
+              <a:t>CONCLUSION</a:t>
             </a:r>
             <a:endParaRPr lang="en-US" sz="6000" dirty="0"/>
-          </a:p>
-        </p:txBody>
-      </p:sp>
-      <p:sp>
-        <p:nvSpPr>
-          <p:cNvPr id="6" name="Text Placeholder 5"/>
-          <p:cNvSpPr>
-            <a:spLocks noGrp="1"/>
-          </p:cNvSpPr>
-          <p:nvPr>
-            <p:ph type="body" sz="quarter" idx="26"/>
-          </p:nvPr>
-        </p:nvSpPr>
-        <p:spPr>
-          <a:xfrm>
-            <a:off x="1381274" y="36961832"/>
-            <a:ext cx="27228294" cy="1504052"/>
-          </a:xfrm>
-        </p:spPr>
-        <p:txBody>
-          <a:bodyPr/>
-          <a:lstStyle/>
-          <a:p>
-            <a:r>
-              <a:rPr lang="en-US" sz="3600" dirty="0" smtClean="0"/>
-              <a:t>The security of embedded systems can be greatly improved by using simple and practical techniques. This vision has been published in Circuit Cellar Magazine, issue # 297, p. 80, April 2015</a:t>
-            </a:r>
           </a:p>
         </p:txBody>
       </p:sp>
@@ -3666,7 +3680,7 @@
         </p:nvSpPr>
         <p:spPr>
           <a:xfrm>
-            <a:off x="2604439" y="38353331"/>
+            <a:off x="1647684" y="40231958"/>
             <a:ext cx="14824907" cy="1081754"/>
           </a:xfrm>
         </p:spPr>
@@ -3695,8 +3709,8 @@
         </p:nvSpPr>
         <p:spPr>
           <a:xfrm>
-            <a:off x="1600199" y="39504929"/>
-            <a:ext cx="29756029" cy="1996494"/>
+            <a:off x="1594577" y="41059086"/>
+            <a:ext cx="29756029" cy="1257831"/>
           </a:xfrm>
         </p:spPr>
         <p:txBody>
@@ -3740,23 +3754,6 @@
               <a:rPr lang="en-US" sz="2800" dirty="0" smtClean="0"/>
               <a:t>2014.</a:t>
             </a:r>
-            <a:endParaRPr lang="en-US" sz="2800" dirty="0"/>
-          </a:p>
-          <a:p>
-            <a:pPr>
-              <a:spcBef>
-                <a:spcPts val="2400"/>
-              </a:spcBef>
-            </a:pPr>
-            <a:r>
-              <a:rPr lang="en-US" sz="2800" dirty="0"/>
-              <a:t>[2] </a:t>
-            </a:r>
-            <a:r>
-              <a:rPr lang="en-US" sz="2800" dirty="0" smtClean="0"/>
-              <a:t>???</a:t>
-            </a:r>
-            <a:endParaRPr lang="en-US" sz="2800" dirty="0"/>
           </a:p>
         </p:txBody>
       </p:sp>
@@ -3772,7 +3769,7 @@
         </p:nvSpPr>
         <p:spPr>
           <a:xfrm>
-            <a:off x="1594577" y="14032046"/>
+            <a:off x="1594577" y="20070337"/>
             <a:ext cx="15301308" cy="1081754"/>
           </a:xfrm>
         </p:spPr>
@@ -3782,8 +3779,12 @@
           <a:p>
             <a:pPr algn="l"/>
             <a:r>
+              <a:rPr lang="en-US" sz="6000" dirty="0"/>
+              <a:t>3</a:t>
+            </a:r>
+            <a:r>
               <a:rPr lang="en-US" sz="6000" dirty="0" smtClean="0"/>
-              <a:t>2. </a:t>
+              <a:t>. </a:t>
             </a:r>
             <a:r>
               <a:rPr lang="en-US" sz="6000" dirty="0" err="1" smtClean="0"/>
@@ -3805,7 +3806,7 @@
         </p:nvSpPr>
         <p:spPr>
           <a:xfrm>
-            <a:off x="1401520" y="14901312"/>
+            <a:off x="1505996" y="21109776"/>
             <a:ext cx="13586559" cy="9506243"/>
           </a:xfrm>
         </p:spPr>
@@ -3813,6 +3814,7 @@
           <a:bodyPr/>
           <a:lstStyle/>
           <a:p>
+            <a:pPr algn="just"/>
             <a:r>
               <a:rPr lang="en-US" dirty="0"/>
               <a:t>Our defense mechanism can be summarized in security related information gathering and secure logging, sending the logs to a server for the purpose of analysis, incident identification and taking effective actions by the server to foil such </a:t>
@@ -3868,15 +3870,15 @@
             </a:r>
             <a:r>
               <a:rPr lang="en-US" dirty="0"/>
-              <a:t>server verifies the </a:t>
-            </a:r>
-            <a:r>
-              <a:rPr lang="en-US" dirty="0" smtClean="0"/>
-              <a:t>received log and the </a:t>
-            </a:r>
-            <a:r>
-              <a:rPr lang="en-US" dirty="0" smtClean="0"/>
-              <a:t>operation integrity</a:t>
+              <a:t>server verifies </a:t>
+            </a:r>
+            <a:r>
+              <a:rPr lang="en-US" dirty="0" smtClean="0"/>
+              <a:t>the received </a:t>
+            </a:r>
+            <a:r>
+              <a:rPr lang="en-US" dirty="0" smtClean="0"/>
+              <a:t>log and the operation integrity</a:t>
             </a:r>
           </a:p>
           <a:p>
@@ -3899,8 +3901,8 @@
               <a:t>In case of an </a:t>
             </a:r>
             <a:r>
-              <a:rPr lang="en-US" dirty="0" err="1" smtClean="0"/>
-              <a:t>intrusin</a:t>
+              <a:rPr lang="en-US" dirty="0" smtClean="0"/>
+              <a:t>intrusion</a:t>
             </a:r>
             <a:r>
               <a:rPr lang="en-US" dirty="0" smtClean="0"/>
@@ -4262,75 +4264,9 @@
               <a:rPr lang="en-US" dirty="0"/>
               <a:t> </a:t>
             </a:r>
+          </a:p>
+          <a:p>
             <a:endParaRPr lang="en-US" dirty="0"/>
-          </a:p>
-          <a:p>
-            <a:endParaRPr lang="en-US" dirty="0"/>
-          </a:p>
-        </p:txBody>
-      </p:sp>
-      <p:sp>
-        <p:nvSpPr>
-          <p:cNvPr id="125" name="Isosceles Triangle 124"/>
-          <p:cNvSpPr/>
-          <p:nvPr/>
-        </p:nvSpPr>
-        <p:spPr>
-          <a:xfrm rot="5400000">
-            <a:off x="17122157" y="16760233"/>
-            <a:ext cx="4034745" cy="2369595"/>
-          </a:xfrm>
-          <a:prstGeom prst="triangle">
-            <a:avLst/>
-          </a:prstGeom>
-          <a:solidFill>
-            <a:srgbClr val="5B9BD5">
-              <a:lumMod val="20000"/>
-              <a:lumOff val="80000"/>
-            </a:srgbClr>
-          </a:solidFill>
-          <a:ln w="22225" cap="flat" cmpd="sng" algn="ctr">
-            <a:noFill/>
-            <a:prstDash val="dash"/>
-            <a:miter lim="800000"/>
-          </a:ln>
-          <a:effectLst/>
-        </p:spPr>
-        <p:txBody>
-          <a:bodyPr rtlCol="0" anchor="ctr"/>
-          <a:lstStyle/>
-          <a:p>
-            <a:pPr marL="0" marR="0" lvl="0" indent="0" algn="ctr" defTabSz="914400" eaLnBrk="1" fontAlgn="auto" latinLnBrk="0" hangingPunct="1">
-              <a:lnSpc>
-                <a:spcPct val="100000"/>
-              </a:lnSpc>
-              <a:spcBef>
-                <a:spcPts val="0"/>
-              </a:spcBef>
-              <a:spcAft>
-                <a:spcPts val="0"/>
-              </a:spcAft>
-              <a:buClrTx/>
-              <a:buSzTx/>
-              <a:buFontTx/>
-              <a:buNone/>
-              <a:tabLst/>
-              <a:defRPr/>
-            </a:pPr>
-            <a:endParaRPr kumimoji="0" lang="en-US" sz="2800" b="0" i="0" u="none" strike="noStrike" kern="0" cap="none" spc="0" normalizeH="0" baseline="0" noProof="0" smtClean="0">
-              <a:ln>
-                <a:noFill/>
-              </a:ln>
-              <a:solidFill>
-                <a:prstClr val="white"/>
-              </a:solidFill>
-              <a:effectLst/>
-              <a:uLnTx/>
-              <a:uFillTx/>
-              <a:latin typeface="Calibri"/>
-              <a:ea typeface="+mn-ea"/>
-              <a:cs typeface="+mn-cs"/>
-            </a:endParaRPr>
           </a:p>
         </p:txBody>
       </p:sp>
@@ -4346,8 +4282,8 @@
         </p:nvSpPr>
         <p:spPr>
           <a:xfrm>
-            <a:off x="1381274" y="23861882"/>
-            <a:ext cx="28282636" cy="12992441"/>
+            <a:off x="15954716" y="37989242"/>
+            <a:ext cx="15758342" cy="2242716"/>
           </a:xfrm>
         </p:spPr>
         <p:txBody>
@@ -4356,329 +4292,46 @@
           <a:p>
             <a:pPr algn="just"/>
             <a:r>
-              <a:rPr lang="en-US" sz="4400" b="1" dirty="0" smtClean="0"/>
-              <a:t>Lower </a:t>
-            </a:r>
-            <a:r>
-              <a:rPr lang="en-US" sz="4400" b="1" dirty="0" smtClean="0"/>
-              <a:t>Complexity and performance overhead</a:t>
+              <a:rPr lang="en-US" dirty="0" smtClean="0"/>
+              <a:t>We </a:t>
+            </a:r>
+            <a:r>
+              <a:rPr lang="en-US" dirty="0"/>
+              <a:t>have implemented a </a:t>
+            </a:r>
+            <a:r>
+              <a:rPr lang="en-US" dirty="0" smtClean="0"/>
+              <a:t>lightweight intrusion detection system to secure PLC </a:t>
+            </a:r>
+            <a:r>
+              <a:rPr lang="en-US" dirty="0"/>
+              <a:t>systems </a:t>
+            </a:r>
+            <a:r>
+              <a:rPr lang="en-US" dirty="0" smtClean="0"/>
+              <a:t>by </a:t>
+            </a:r>
+            <a:r>
+              <a:rPr lang="en-US" dirty="0"/>
+              <a:t>using simple and practical </a:t>
+            </a:r>
+            <a:r>
+              <a:rPr lang="en-US" dirty="0" smtClean="0"/>
+              <a:t>techniques such as </a:t>
+            </a:r>
+            <a:r>
+              <a:rPr lang="en-US" dirty="0" err="1"/>
+              <a:t>PillarBox</a:t>
+            </a:r>
+            <a:r>
+              <a:rPr lang="en-US" dirty="0"/>
+              <a:t> </a:t>
+            </a:r>
+            <a:r>
+              <a:rPr lang="en-US" dirty="0" smtClean="0"/>
+              <a:t>[1] .</a:t>
             </a:r>
             <a:endParaRPr lang="en-US" sz="3600" b="1" dirty="0" smtClean="0"/>
-          </a:p>
-          <a:p>
-            <a:pPr algn="just"/>
-            <a:r>
-              <a:rPr lang="en-US" dirty="0" smtClean="0"/>
-              <a:t>In </a:t>
-            </a:r>
-            <a:r>
-              <a:rPr lang="en-US" dirty="0"/>
-              <a:t>contrast to </a:t>
-            </a:r>
-            <a:r>
-              <a:rPr lang="en-US" dirty="0" err="1" smtClean="0"/>
-              <a:t>Symbiote</a:t>
-            </a:r>
-            <a:r>
-              <a:rPr lang="en-US" dirty="0" smtClean="0"/>
-              <a:t> [1] (</a:t>
-            </a:r>
-            <a:r>
-              <a:rPr lang="en-US" dirty="0"/>
-              <a:t>a piece of software </a:t>
-            </a:r>
-            <a:r>
-              <a:rPr lang="en-US" dirty="0" smtClean="0"/>
-              <a:t>injected </a:t>
-            </a:r>
-            <a:r>
-              <a:rPr lang="en-US" dirty="0"/>
-              <a:t>into </a:t>
-            </a:r>
-            <a:endParaRPr lang="en-US" dirty="0" smtClean="0"/>
-          </a:p>
-          <a:p>
-            <a:pPr algn="just"/>
-            <a:r>
-              <a:rPr lang="en-US" dirty="0" smtClean="0"/>
-              <a:t>the </a:t>
-            </a:r>
-            <a:r>
-              <a:rPr lang="en-US" dirty="0"/>
-              <a:t>device’s </a:t>
-            </a:r>
-            <a:r>
-              <a:rPr lang="en-US" dirty="0" smtClean="0"/>
-              <a:t>firmware </a:t>
-            </a:r>
-            <a:r>
-              <a:rPr lang="en-US" dirty="0"/>
-              <a:t>to detect any malicious intrusions</a:t>
-            </a:r>
-            <a:r>
-              <a:rPr lang="en-US" dirty="0" smtClean="0"/>
-              <a:t>), </a:t>
-            </a:r>
-            <a:r>
-              <a:rPr lang="en-US" dirty="0"/>
-              <a:t>we exploit light weight checker agents at devices </a:t>
-            </a:r>
-            <a:r>
-              <a:rPr lang="en-US" dirty="0" smtClean="0"/>
-              <a:t>that:</a:t>
-            </a:r>
-          </a:p>
-          <a:p>
-            <a:pPr marL="571500" indent="-571500" algn="just">
-              <a:buFont typeface="Arial" panose="020B0604020202020204" pitchFamily="34" charset="0"/>
-              <a:buChar char="•"/>
-            </a:pPr>
-            <a:r>
-              <a:rPr lang="en-US" dirty="0" smtClean="0"/>
-              <a:t>Merely </a:t>
-            </a:r>
-            <a:r>
-              <a:rPr lang="en-US" dirty="0"/>
-              <a:t>forward </a:t>
-            </a:r>
-            <a:r>
-              <a:rPr lang="en-US" dirty="0" smtClean="0"/>
-              <a:t>the device </a:t>
-            </a:r>
-            <a:r>
-              <a:rPr lang="en-US" dirty="0"/>
-              <a:t>status to the server </a:t>
-            </a:r>
-            <a:endParaRPr lang="en-US" dirty="0" smtClean="0"/>
-          </a:p>
-          <a:p>
-            <a:pPr marL="571500" indent="-571500" algn="just">
-              <a:buFont typeface="Arial" panose="020B0604020202020204" pitchFamily="34" charset="0"/>
-              <a:buChar char="•"/>
-            </a:pPr>
-            <a:r>
-              <a:rPr lang="en-US" dirty="0"/>
-              <a:t>A</a:t>
-            </a:r>
-            <a:r>
-              <a:rPr lang="en-US" dirty="0" smtClean="0"/>
-              <a:t>ll </a:t>
-            </a:r>
-            <a:r>
-              <a:rPr lang="en-US" dirty="0"/>
-              <a:t>the related heavy computations are offloaded to the proxy </a:t>
-            </a:r>
-            <a:r>
-              <a:rPr lang="en-US" dirty="0" smtClean="0"/>
-              <a:t>server</a:t>
-            </a:r>
-          </a:p>
-          <a:p>
-            <a:pPr marL="571500" indent="-571500" algn="just">
-              <a:buFont typeface="Arial" panose="020B0604020202020204" pitchFamily="34" charset="0"/>
-              <a:buChar char="•"/>
-            </a:pPr>
-            <a:r>
-              <a:rPr lang="en-US" dirty="0" smtClean="0">
-                <a:solidFill>
-                  <a:srgbClr val="00B050"/>
-                </a:solidFill>
-              </a:rPr>
-              <a:t>Very </a:t>
-            </a:r>
-            <a:r>
-              <a:rPr lang="en-US" dirty="0">
-                <a:solidFill>
-                  <a:srgbClr val="00B050"/>
-                </a:solidFill>
-              </a:rPr>
-              <a:t>small computational overhead in gathering and reporting critical device status messages to the </a:t>
-            </a:r>
-            <a:r>
-              <a:rPr lang="en-US" dirty="0" smtClean="0">
-                <a:solidFill>
-                  <a:srgbClr val="00B050"/>
-                </a:solidFill>
-              </a:rPr>
-              <a:t>server</a:t>
-            </a:r>
-            <a:endParaRPr lang="en-US" dirty="0">
-              <a:solidFill>
-                <a:srgbClr val="00B050"/>
-              </a:solidFill>
-            </a:endParaRPr>
-          </a:p>
-          <a:p>
-            <a:pPr marL="571500" indent="-571500" algn="just">
-              <a:buFont typeface="Arial" panose="020B0604020202020204" pitchFamily="34" charset="0"/>
-              <a:buChar char="•"/>
-            </a:pPr>
-            <a:r>
-              <a:rPr lang="en-US" dirty="0" smtClean="0"/>
-              <a:t>Communication </a:t>
-            </a:r>
-            <a:r>
-              <a:rPr lang="en-US" dirty="0"/>
-              <a:t>overhead can be amortized </a:t>
-            </a:r>
-            <a:r>
-              <a:rPr lang="en-US" dirty="0" smtClean="0"/>
-              <a:t>as </a:t>
-            </a:r>
-            <a:r>
-              <a:rPr lang="en-US" dirty="0"/>
-              <a:t>the sensor data from the checker agents can be piggybacked to the original data messages being transferred between the device and the </a:t>
-            </a:r>
-            <a:r>
-              <a:rPr lang="en-US" dirty="0" smtClean="0"/>
-              <a:t>server</a:t>
-            </a:r>
-            <a:endParaRPr lang="en-US" dirty="0"/>
-          </a:p>
-          <a:p>
-            <a:pPr algn="just"/>
-            <a:r>
-              <a:rPr lang="en-US" b="1" dirty="0" smtClean="0"/>
-              <a:t>Guaranteed Reporting of Malicious Activity</a:t>
-            </a:r>
-            <a:endParaRPr lang="en-US" dirty="0" smtClean="0"/>
-          </a:p>
-          <a:p>
-            <a:pPr algn="just"/>
-            <a:r>
-              <a:rPr lang="en-US" dirty="0" smtClean="0"/>
-              <a:t>We </a:t>
-            </a:r>
-            <a:r>
-              <a:rPr lang="en-US" dirty="0"/>
-              <a:t>propose an additional layer of security for modern embedded devices by </a:t>
-            </a:r>
-            <a:r>
-              <a:rPr lang="en-US" dirty="0" smtClean="0"/>
-              <a:t>using </a:t>
-            </a:r>
-            <a:r>
-              <a:rPr lang="en-US" dirty="0" err="1" smtClean="0"/>
-              <a:t>PillarBox</a:t>
-            </a:r>
-            <a:r>
-              <a:rPr lang="en-US" dirty="0" smtClean="0"/>
-              <a:t> </a:t>
-            </a:r>
-            <a:r>
-              <a:rPr lang="en-US" dirty="0"/>
-              <a:t>[2</a:t>
-            </a:r>
-            <a:r>
-              <a:rPr lang="en-US" dirty="0" smtClean="0"/>
-              <a:t>] that:</a:t>
-            </a:r>
-          </a:p>
-          <a:p>
-            <a:pPr marL="571500" indent="-571500" algn="just">
-              <a:buFont typeface="Arial" panose="020B0604020202020204" pitchFamily="34" charset="0"/>
-              <a:buChar char="•"/>
-            </a:pPr>
-            <a:r>
-              <a:rPr lang="en-US" dirty="0" smtClean="0"/>
-              <a:t>Keeps </a:t>
-            </a:r>
-            <a:r>
-              <a:rPr lang="en-US" dirty="0"/>
-              <a:t>an obfuscated log of malicious events taking place at the device </a:t>
-            </a:r>
-            <a:endParaRPr lang="en-US" dirty="0" smtClean="0"/>
-          </a:p>
-          <a:p>
-            <a:pPr marL="571500" indent="-571500" algn="just">
-              <a:buFont typeface="Arial" panose="020B0604020202020204" pitchFamily="34" charset="0"/>
-              <a:buChar char="•"/>
-            </a:pPr>
-            <a:r>
-              <a:rPr lang="en-US" dirty="0" smtClean="0"/>
-              <a:t>The log is reported </a:t>
-            </a:r>
-            <a:r>
-              <a:rPr lang="en-US" dirty="0"/>
-              <a:t>back to the server at pre-defined time </a:t>
-            </a:r>
-            <a:r>
-              <a:rPr lang="en-US" dirty="0" smtClean="0"/>
-              <a:t>intervals</a:t>
-            </a:r>
-          </a:p>
-          <a:p>
-            <a:pPr algn="just"/>
-            <a:r>
-              <a:rPr lang="en-US" dirty="0" smtClean="0"/>
-              <a:t>This </a:t>
-            </a:r>
-            <a:r>
-              <a:rPr lang="en-US" dirty="0"/>
-              <a:t>enables our server to act accordingly by either revoking the device from the network or by restoring it to a safe state. </a:t>
-            </a:r>
-            <a:endParaRPr lang="en-US" dirty="0" smtClean="0"/>
-          </a:p>
-          <a:p>
-            <a:pPr algn="just"/>
-            <a:r>
-              <a:rPr lang="en-US" dirty="0" err="1" smtClean="0"/>
-              <a:t>PillarBox</a:t>
-            </a:r>
-            <a:r>
-              <a:rPr lang="en-US" dirty="0" smtClean="0"/>
-              <a:t>, by exploiting </a:t>
-            </a:r>
-            <a:r>
-              <a:rPr lang="en-US" dirty="0"/>
-              <a:t>the concept of forward secure key </a:t>
-            </a:r>
-            <a:r>
-              <a:rPr lang="en-US" dirty="0" smtClean="0"/>
-              <a:t>generation in a novel way, enforces:</a:t>
-            </a:r>
-          </a:p>
-          <a:p>
-            <a:pPr marL="742950" indent="-742950" algn="just">
-              <a:buFont typeface="+mj-lt"/>
-              <a:buAutoNum type="arabicPeriod"/>
-            </a:pPr>
-            <a:r>
-              <a:rPr lang="en-US" dirty="0"/>
-              <a:t>I</a:t>
-            </a:r>
-            <a:r>
-              <a:rPr lang="en-US" dirty="0" smtClean="0"/>
-              <a:t>ntegrity </a:t>
-            </a:r>
-            <a:r>
-              <a:rPr lang="en-US" dirty="0"/>
-              <a:t>by being able to verify whether the logs at the device have been tampered with by an adversary who is in control of the device </a:t>
-            </a:r>
-            <a:endParaRPr lang="en-US" dirty="0" smtClean="0"/>
-          </a:p>
-          <a:p>
-            <a:pPr marL="742950" indent="-742950" algn="just">
-              <a:buFont typeface="+mj-lt"/>
-              <a:buAutoNum type="arabicPeriod"/>
-            </a:pPr>
-            <a:r>
-              <a:rPr lang="en-US" dirty="0"/>
-              <a:t>C</a:t>
-            </a:r>
-            <a:r>
-              <a:rPr lang="en-US" dirty="0" smtClean="0"/>
-              <a:t>overtness </a:t>
-            </a:r>
-            <a:r>
-              <a:rPr lang="en-US" dirty="0"/>
-              <a:t>by hiding from an attacker with access to the device whether the log reports detection of malicious </a:t>
-            </a:r>
-            <a:r>
-              <a:rPr lang="en-US" dirty="0" smtClean="0"/>
-              <a:t>behavior</a:t>
-            </a:r>
-            <a:endParaRPr lang="en-US" dirty="0"/>
           </a:p>
         </p:txBody>
       </p:sp>
@@ -4691,7 +4344,7 @@
           <p:nvPr/>
         </p:nvPicPr>
         <p:blipFill>
-          <a:blip r:embed="rId3" cstate="print">
+          <a:blip r:embed="rId2" cstate="print">
             <a:extLst>
               <a:ext uri="{28A0092B-C50C-407E-A947-70E740481C1C}">
                 <a14:useLocalDpi xmlns:a14="http://schemas.microsoft.com/office/drawing/2010/main" val="0"/>
@@ -4721,7 +4374,7 @@
           <p:nvPr/>
         </p:nvPicPr>
         <p:blipFill>
-          <a:blip r:embed="rId4"/>
+          <a:blip r:embed="rId3"/>
           <a:stretch>
             <a:fillRect/>
           </a:stretch>
@@ -4738,104 +4391,41 @@
       </p:pic>
       <p:grpSp>
         <p:nvGrpSpPr>
-          <p:cNvPr id="98" name="Group 97"/>
+          <p:cNvPr id="9" name="Group 8"/>
           <p:cNvGrpSpPr/>
           <p:nvPr/>
         </p:nvGrpSpPr>
         <p:grpSpPr>
           <a:xfrm>
-            <a:off x="15863551" y="15068317"/>
-            <a:ext cx="13376288" cy="5656383"/>
-            <a:chOff x="1321329" y="1830571"/>
-            <a:chExt cx="5065893" cy="2129554"/>
+            <a:off x="16734720" y="6001407"/>
+            <a:ext cx="14735235" cy="6010730"/>
+            <a:chOff x="16718391" y="6649752"/>
+            <a:chExt cx="14735235" cy="6010730"/>
           </a:xfrm>
         </p:grpSpPr>
-        <p:sp>
-          <p:nvSpPr>
-            <p:cNvPr id="99" name="Left-Right Arrow 98"/>
-            <p:cNvSpPr/>
-            <p:nvPr/>
-          </p:nvSpPr>
-          <p:spPr>
-            <a:xfrm rot="10800000">
-              <a:off x="4142513" y="3673130"/>
-              <a:ext cx="749141" cy="238807"/>
-            </a:xfrm>
-            <a:prstGeom prst="leftRightArrow">
-              <a:avLst/>
-            </a:prstGeom>
-            <a:solidFill>
-              <a:srgbClr val="FB8537"/>
-            </a:solidFill>
-            <a:ln w="12700" cap="flat" cmpd="sng" algn="ctr">
-              <a:solidFill>
-                <a:srgbClr val="5B9BD5"/>
-              </a:solidFill>
-              <a:prstDash val="solid"/>
-              <a:miter lim="800000"/>
-            </a:ln>
-            <a:effectLst/>
-          </p:spPr>
-          <p:txBody>
-            <a:bodyPr rtlCol="0" anchor="ctr"/>
-            <a:lstStyle/>
-            <a:p>
-              <a:pPr marL="0" marR="0" lvl="0" indent="0" algn="ctr" defTabSz="914400" eaLnBrk="1" fontAlgn="auto" latinLnBrk="0" hangingPunct="1">
-                <a:lnSpc>
-                  <a:spcPct val="100000"/>
-                </a:lnSpc>
-                <a:spcBef>
-                  <a:spcPts val="0"/>
-                </a:spcBef>
-                <a:spcAft>
-                  <a:spcPts val="0"/>
-                </a:spcAft>
-                <a:buClrTx/>
-                <a:buSzTx/>
-                <a:buFontTx/>
-                <a:buNone/>
-                <a:tabLst/>
-                <a:defRPr/>
-              </a:pPr>
-              <a:endParaRPr kumimoji="0" lang="en-US" sz="1800" b="0" i="0" u="none" strike="noStrike" kern="0" cap="none" spc="0" normalizeH="0" baseline="0" noProof="0" smtClean="0">
-                <a:ln>
-                  <a:noFill/>
-                </a:ln>
-                <a:solidFill>
-                  <a:prstClr val="white"/>
-                </a:solidFill>
-                <a:effectLst/>
-                <a:uLnTx/>
-                <a:uFillTx/>
-                <a:latin typeface="Calibri"/>
-                <a:ea typeface=""/>
-                <a:cs typeface=""/>
-              </a:endParaRPr>
-            </a:p>
-          </p:txBody>
-        </p:sp>
         <p:pic>
           <p:nvPicPr>
-            <p:cNvPr id="100" name="Picture 99"/>
+            <p:cNvPr id="21" name="Picture 20"/>
             <p:cNvPicPr>
               <a:picLocks noChangeAspect="1"/>
             </p:cNvPicPr>
             <p:nvPr/>
           </p:nvPicPr>
           <p:blipFill>
-            <a:blip r:embed="rId5"/>
+            <a:blip r:embed="rId4"/>
             <a:stretch>
               <a:fillRect/>
             </a:stretch>
           </p:blipFill>
           <p:spPr>
             <a:xfrm>
-              <a:off x="1321329" y="2043288"/>
-              <a:ext cx="3142774" cy="1130129"/>
+              <a:off x="26306546" y="7513402"/>
+              <a:ext cx="5147080" cy="5147080"/>
             </a:xfrm>
             <a:prstGeom prst="rect">
               <a:avLst/>
             </a:prstGeom>
+            <a:noFill/>
             <a:ln>
               <a:solidFill>
                 <a:sysClr val="windowText" lastClr="000000">
@@ -4845,131 +4435,255 @@
             </a:ln>
           </p:spPr>
         </p:pic>
-        <p:sp>
-          <p:nvSpPr>
-            <p:cNvPr id="102" name="Rectangle 101"/>
-            <p:cNvSpPr/>
+        <p:grpSp>
+          <p:nvGrpSpPr>
+            <p:cNvPr id="98" name="Group 97"/>
+            <p:cNvGrpSpPr/>
             <p:nvPr/>
-          </p:nvSpPr>
-          <p:spPr>
+          </p:nvGrpSpPr>
+          <p:grpSpPr>
             <a:xfrm>
-              <a:off x="1744188" y="3516837"/>
-              <a:ext cx="2297056" cy="443288"/>
+              <a:off x="16718391" y="6649752"/>
+              <a:ext cx="13528500" cy="5955028"/>
+              <a:chOff x="1321329" y="1718135"/>
+              <a:chExt cx="5123539" cy="2241990"/>
             </a:xfrm>
-            <a:prstGeom prst="rect">
-              <a:avLst/>
-            </a:prstGeom>
-            <a:noFill/>
-            <a:ln w="47625" cap="flat" cmpd="sng" algn="ctr">
+          </p:grpSpPr>
+          <p:sp>
+            <p:nvSpPr>
+              <p:cNvPr id="99" name="Left-Right Arrow 98"/>
+              <p:cNvSpPr/>
+              <p:nvPr/>
+            </p:nvSpPr>
+            <p:spPr>
+              <a:xfrm rot="10800000">
+                <a:off x="4071704" y="3579469"/>
+                <a:ext cx="850410" cy="347334"/>
+              </a:xfrm>
+              <a:prstGeom prst="leftRightArrow">
+                <a:avLst/>
+              </a:prstGeom>
               <a:solidFill>
-                <a:sysClr val="windowText" lastClr="000000"/>
+                <a:srgbClr val="FB8537"/>
               </a:solidFill>
-              <a:prstDash val="lgDashDot"/>
-              <a:miter lim="800000"/>
-            </a:ln>
-            <a:effectLst>
-              <a:softEdge rad="0"/>
-            </a:effectLst>
-          </p:spPr>
-          <p:txBody>
-            <a:bodyPr bIns="91440" rtlCol="0" anchor="ctr"/>
-            <a:lstStyle/>
-            <a:p>
-              <a:pPr marL="0" marR="0" lvl="0" indent="0" algn="ctr" defTabSz="914400" eaLnBrk="1" fontAlgn="auto" latinLnBrk="0" hangingPunct="1">
-                <a:lnSpc>
-                  <a:spcPct val="100000"/>
-                </a:lnSpc>
-                <a:spcBef>
-                  <a:spcPts val="0"/>
-                </a:spcBef>
-                <a:spcAft>
-                  <a:spcPts val="0"/>
-                </a:spcAft>
-                <a:buClrTx/>
-                <a:buSzTx/>
-                <a:buFontTx/>
-                <a:buNone/>
-                <a:tabLst/>
-                <a:defRPr/>
-              </a:pPr>
-              <a:r>
-                <a:rPr kumimoji="0" lang="en-US" sz="3600" b="0" i="0" u="none" strike="noStrike" kern="0" cap="none" spc="0" normalizeH="0" baseline="0" noProof="0" dirty="0" err="1" smtClean="0">
+              <a:ln w="12700" cap="flat" cmpd="sng" algn="ctr">
+                <a:solidFill>
+                  <a:srgbClr val="5B9BD5"/>
+                </a:solidFill>
+                <a:prstDash val="solid"/>
+                <a:miter lim="800000"/>
+              </a:ln>
+              <a:effectLst/>
+            </p:spPr>
+            <p:txBody>
+              <a:bodyPr rtlCol="0" anchor="ctr"/>
+              <a:lstStyle/>
+              <a:p>
+                <a:pPr marL="0" marR="0" lvl="0" indent="0" algn="ctr" defTabSz="914400" eaLnBrk="1" fontAlgn="auto" latinLnBrk="0" hangingPunct="1">
+                  <a:lnSpc>
+                    <a:spcPct val="100000"/>
+                  </a:lnSpc>
+                  <a:spcBef>
+                    <a:spcPts val="0"/>
+                  </a:spcBef>
+                  <a:spcAft>
+                    <a:spcPts val="0"/>
+                  </a:spcAft>
+                  <a:buClrTx/>
+                  <a:buSzTx/>
+                  <a:buFontTx/>
+                  <a:buNone/>
+                  <a:tabLst/>
+                  <a:defRPr/>
+                </a:pPr>
+                <a:endParaRPr kumimoji="0" lang="en-US" sz="1800" b="0" i="0" u="none" strike="noStrike" kern="0" cap="none" spc="0" normalizeH="0" baseline="0" noProof="0" smtClean="0">
                   <a:ln>
                     <a:noFill/>
                   </a:ln>
                   <a:solidFill>
-                    <a:sysClr val="windowText" lastClr="000000"/>
+                    <a:prstClr val="white"/>
                   </a:solidFill>
                   <a:effectLst/>
                   <a:uLnTx/>
                   <a:uFillTx/>
-                  <a:latin typeface="Arial Narrow" pitchFamily="34" charset="0"/>
+                  <a:latin typeface="Calibri"/>
                   <a:ea typeface=""/>
                   <a:cs typeface=""/>
-                </a:rPr>
-                <a:t>SnapShotter</a:t>
-              </a:r>
-              <a:r>
-                <a:rPr kumimoji="0" lang="en-US" sz="3600" b="0" i="0" u="none" strike="noStrike" kern="0" cap="none" spc="0" normalizeH="0" baseline="0" noProof="0" dirty="0" smtClean="0">
-                  <a:ln>
-                    <a:noFill/>
-                  </a:ln>
-                  <a:solidFill>
-                    <a:sysClr val="windowText" lastClr="000000"/>
-                  </a:solidFill>
-                  <a:effectLst/>
-                  <a:uLnTx/>
-                  <a:uFillTx/>
-                  <a:latin typeface="Arial Narrow" pitchFamily="34" charset="0"/>
-                  <a:ea typeface=""/>
-                  <a:cs typeface=""/>
-                </a:rPr>
-                <a:t> Agent</a:t>
-              </a:r>
-            </a:p>
-          </p:txBody>
-        </p:sp>
-        <p:sp>
-          <p:nvSpPr>
-            <p:cNvPr id="105" name="TextBox 104"/>
-            <p:cNvSpPr txBox="1"/>
-            <p:nvPr/>
-          </p:nvSpPr>
-          <p:spPr>
-            <a:xfrm>
-              <a:off x="2207298" y="1830571"/>
-              <a:ext cx="1532903" cy="243335"/>
-            </a:xfrm>
-            <a:prstGeom prst="rect">
-              <a:avLst/>
-            </a:prstGeom>
-            <a:noFill/>
-          </p:spPr>
-          <p:txBody>
-            <a:bodyPr wrap="square" rtlCol="0">
-              <a:spAutoFit/>
-            </a:bodyPr>
-            <a:lstStyle/>
-            <a:p>
-              <a:pPr marL="0" marR="0" lvl="0" indent="0" algn="ctr" defTabSz="914400" eaLnBrk="1" fontAlgn="auto" latinLnBrk="0" hangingPunct="1">
-                <a:lnSpc>
-                  <a:spcPct val="100000"/>
-                </a:lnSpc>
-                <a:spcBef>
-                  <a:spcPts val="0"/>
-                </a:spcBef>
-                <a:spcAft>
-                  <a:spcPts val="0"/>
-                </a:spcAft>
-                <a:buClrTx/>
-                <a:buSzTx/>
-                <a:buFontTx/>
-                <a:buNone/>
-                <a:tabLst/>
-                <a:defRPr/>
-              </a:pPr>
-              <a:r>
-                <a:rPr kumimoji="0" lang="en-US" sz="3600" b="0" i="0" u="none" strike="noStrike" kern="0" cap="none" spc="0" normalizeH="0" baseline="0" noProof="0" dirty="0" smtClean="0">
+                </a:endParaRPr>
+              </a:p>
+            </p:txBody>
+          </p:sp>
+          <p:pic>
+            <p:nvPicPr>
+              <p:cNvPr id="100" name="Picture 99"/>
+              <p:cNvPicPr>
+                <a:picLocks noChangeAspect="1"/>
+              </p:cNvPicPr>
+              <p:nvPr/>
+            </p:nvPicPr>
+            <p:blipFill>
+              <a:blip r:embed="rId5"/>
+              <a:stretch>
+                <a:fillRect/>
+              </a:stretch>
+            </p:blipFill>
+            <p:spPr>
+              <a:xfrm>
+                <a:off x="1321329" y="2043288"/>
+                <a:ext cx="3142774" cy="1130129"/>
+              </a:xfrm>
+              <a:prstGeom prst="rect">
+                <a:avLst/>
+              </a:prstGeom>
+              <a:ln>
+                <a:solidFill>
+                  <a:sysClr val="windowText" lastClr="000000">
+                    <a:alpha val="60000"/>
+                  </a:sysClr>
+                </a:solidFill>
+              </a:ln>
+            </p:spPr>
+          </p:pic>
+          <p:sp>
+            <p:nvSpPr>
+              <p:cNvPr id="102" name="Rectangle 101"/>
+              <p:cNvSpPr/>
+              <p:nvPr/>
+            </p:nvSpPr>
+            <p:spPr>
+              <a:xfrm>
+                <a:off x="1744188" y="3516837"/>
+                <a:ext cx="2297056" cy="443288"/>
+              </a:xfrm>
+              <a:prstGeom prst="rect">
+                <a:avLst/>
+              </a:prstGeom>
+              <a:noFill/>
+              <a:ln w="47625" cap="flat" cmpd="sng" algn="ctr">
+                <a:solidFill>
+                  <a:sysClr val="windowText" lastClr="000000"/>
+                </a:solidFill>
+                <a:prstDash val="lgDashDot"/>
+                <a:miter lim="800000"/>
+              </a:ln>
+              <a:effectLst>
+                <a:softEdge rad="0"/>
+              </a:effectLst>
+            </p:spPr>
+            <p:txBody>
+              <a:bodyPr bIns="91440" rtlCol="0" anchor="ctr"/>
+              <a:lstStyle/>
+              <a:p>
+                <a:pPr marL="0" marR="0" lvl="0" indent="0" algn="ctr" defTabSz="914400" eaLnBrk="1" fontAlgn="auto" latinLnBrk="0" hangingPunct="1">
+                  <a:lnSpc>
+                    <a:spcPct val="100000"/>
+                  </a:lnSpc>
+                  <a:spcBef>
+                    <a:spcPts val="0"/>
+                  </a:spcBef>
+                  <a:spcAft>
+                    <a:spcPts val="0"/>
+                  </a:spcAft>
+                  <a:buClrTx/>
+                  <a:buSzTx/>
+                  <a:buFontTx/>
+                  <a:buNone/>
+                  <a:tabLst/>
+                  <a:defRPr/>
+                </a:pPr>
+                <a:r>
+                  <a:rPr kumimoji="0" lang="en-US" sz="5400" b="0" i="0" u="none" strike="noStrike" kern="0" cap="none" spc="0" normalizeH="0" baseline="0" noProof="0" dirty="0" err="1" smtClean="0">
+                    <a:ln>
+                      <a:noFill/>
+                    </a:ln>
+                    <a:solidFill>
+                      <a:sysClr val="windowText" lastClr="000000"/>
+                    </a:solidFill>
+                    <a:effectLst/>
+                    <a:uLnTx/>
+                    <a:uFillTx/>
+                    <a:latin typeface="Arial Narrow" pitchFamily="34" charset="0"/>
+                    <a:ea typeface=""/>
+                    <a:cs typeface=""/>
+                  </a:rPr>
+                  <a:t>SnapShotter</a:t>
+                </a:r>
+                <a:r>
+                  <a:rPr kumimoji="0" lang="en-US" sz="5400" b="0" i="0" u="none" strike="noStrike" kern="0" cap="none" spc="0" normalizeH="0" baseline="0" noProof="0" dirty="0" smtClean="0">
+                    <a:ln>
+                      <a:noFill/>
+                    </a:ln>
+                    <a:solidFill>
+                      <a:sysClr val="windowText" lastClr="000000"/>
+                    </a:solidFill>
+                    <a:effectLst/>
+                    <a:uLnTx/>
+                    <a:uFillTx/>
+                    <a:latin typeface="Arial Narrow" pitchFamily="34" charset="0"/>
+                    <a:ea typeface=""/>
+                    <a:cs typeface=""/>
+                  </a:rPr>
+                  <a:t> Agent</a:t>
+                </a:r>
+              </a:p>
+            </p:txBody>
+          </p:sp>
+          <p:sp>
+            <p:nvSpPr>
+              <p:cNvPr id="105" name="TextBox 104"/>
+              <p:cNvSpPr txBox="1"/>
+              <p:nvPr/>
+            </p:nvSpPr>
+            <p:spPr>
+              <a:xfrm>
+                <a:off x="2126264" y="1718135"/>
+                <a:ext cx="1532903" cy="289684"/>
+              </a:xfrm>
+              <a:prstGeom prst="rect">
+                <a:avLst/>
+              </a:prstGeom>
+              <a:noFill/>
+            </p:spPr>
+            <p:txBody>
+              <a:bodyPr wrap="square" rtlCol="0">
+                <a:spAutoFit/>
+              </a:bodyPr>
+              <a:lstStyle/>
+              <a:p>
+                <a:pPr marL="0" marR="0" lvl="0" indent="0" algn="ctr" defTabSz="914400" eaLnBrk="1" fontAlgn="auto" latinLnBrk="0" hangingPunct="1">
+                  <a:lnSpc>
+                    <a:spcPct val="100000"/>
+                  </a:lnSpc>
+                  <a:spcBef>
+                    <a:spcPts val="0"/>
+                  </a:spcBef>
+                  <a:spcAft>
+                    <a:spcPts val="0"/>
+                  </a:spcAft>
+                  <a:buClrTx/>
+                  <a:buSzTx/>
+                  <a:buFontTx/>
+                  <a:buNone/>
+                  <a:tabLst/>
+                  <a:defRPr/>
+                </a:pPr>
+                <a:r>
+                  <a:rPr kumimoji="0" lang="en-US" sz="4400" b="0" i="0" u="none" strike="noStrike" kern="0" cap="none" spc="0" normalizeH="0" baseline="0" noProof="0" dirty="0" smtClean="0">
+                    <a:ln>
+                      <a:noFill/>
+                    </a:ln>
+                    <a:solidFill>
+                      <a:prstClr val="black"/>
+                    </a:solidFill>
+                    <a:effectLst/>
+                    <a:uLnTx/>
+                    <a:uFillTx/>
+                    <a:latin typeface="Arial" panose="020B0604020202020204" pitchFamily="34" charset="0"/>
+                    <a:cs typeface="Arial" panose="020B0604020202020204" pitchFamily="34" charset="0"/>
+                  </a:rPr>
+                  <a:t>PLC</a:t>
+                </a:r>
+                <a:endParaRPr kumimoji="0" lang="en-US" sz="3600" b="0" i="0" u="none" strike="noStrike" kern="0" cap="none" spc="0" normalizeH="0" baseline="0" noProof="0" dirty="0" smtClean="0">
                   <a:ln>
                     <a:noFill/>
                   </a:ln>
@@ -4981,103 +4695,151 @@
                   <a:uFillTx/>
                   <a:latin typeface="Arial" panose="020B0604020202020204" pitchFamily="34" charset="0"/>
                   <a:cs typeface="Arial" panose="020B0604020202020204" pitchFamily="34" charset="0"/>
-                </a:rPr>
-                <a:t>PLC</a:t>
-              </a:r>
-            </a:p>
-          </p:txBody>
-        </p:sp>
-        <p:cxnSp>
-          <p:nvCxnSpPr>
-            <p:cNvPr id="106" name="Straight Connector 105"/>
-            <p:cNvCxnSpPr/>
-            <p:nvPr/>
-          </p:nvCxnSpPr>
-          <p:spPr>
-            <a:xfrm flipH="1">
-              <a:off x="2480734" y="3142465"/>
-              <a:ext cx="196" cy="374372"/>
-            </a:xfrm>
-            <a:prstGeom prst="line">
-              <a:avLst/>
-            </a:prstGeom>
-            <a:noFill/>
-            <a:ln w="19050" cap="flat" cmpd="sng" algn="ctr">
-              <a:solidFill>
-                <a:sysClr val="windowText" lastClr="000000"/>
-              </a:solidFill>
-              <a:prstDash val="solid"/>
-              <a:miter lim="800000"/>
-            </a:ln>
-            <a:effectLst/>
-          </p:spPr>
-        </p:cxnSp>
-        <p:cxnSp>
-          <p:nvCxnSpPr>
-            <p:cNvPr id="107" name="Straight Connector 106"/>
-            <p:cNvCxnSpPr/>
-            <p:nvPr/>
-          </p:nvCxnSpPr>
-          <p:spPr>
-            <a:xfrm flipH="1">
-              <a:off x="3466745" y="3142465"/>
-              <a:ext cx="196" cy="374372"/>
-            </a:xfrm>
-            <a:prstGeom prst="line">
-              <a:avLst/>
-            </a:prstGeom>
-            <a:noFill/>
-            <a:ln w="19050" cap="flat" cmpd="sng" algn="ctr">
-              <a:solidFill>
-                <a:sysClr val="windowText" lastClr="000000"/>
-              </a:solidFill>
-              <a:prstDash val="solid"/>
-              <a:miter lim="800000"/>
-            </a:ln>
-            <a:effectLst/>
-          </p:spPr>
-        </p:cxnSp>
-        <p:sp>
-          <p:nvSpPr>
-            <p:cNvPr id="104" name="TextBox 103"/>
-            <p:cNvSpPr txBox="1"/>
-            <p:nvPr/>
-          </p:nvSpPr>
-          <p:spPr>
-            <a:xfrm>
-              <a:off x="5507812" y="3373275"/>
-              <a:ext cx="879410" cy="451908"/>
-            </a:xfrm>
-            <a:prstGeom prst="rect">
-              <a:avLst/>
-            </a:prstGeom>
-            <a:noFill/>
-          </p:spPr>
-          <p:txBody>
-            <a:bodyPr wrap="square" rtlCol="0">
-              <a:spAutoFit/>
-            </a:bodyPr>
-            <a:lstStyle/>
-            <a:p>
-              <a:pPr marL="0" marR="0" lvl="0" indent="0" algn="ctr" defTabSz="914400" eaLnBrk="1" fontAlgn="auto" latinLnBrk="0" hangingPunct="1">
-                <a:lnSpc>
-                  <a:spcPct val="100000"/>
-                </a:lnSpc>
-                <a:spcBef>
-                  <a:spcPts val="0"/>
-                </a:spcBef>
-                <a:spcAft>
-                  <a:spcPts val="0"/>
-                </a:spcAft>
-                <a:buClrTx/>
-                <a:buSzTx/>
-                <a:buFontTx/>
-                <a:buNone/>
-                <a:tabLst/>
-                <a:defRPr/>
-              </a:pPr>
-              <a:r>
-                <a:rPr kumimoji="0" lang="en-US" sz="3600" b="0" i="0" u="none" strike="noStrike" kern="0" cap="none" spc="0" normalizeH="0" baseline="0" noProof="0" dirty="0" smtClean="0">
+                </a:endParaRPr>
+              </a:p>
+            </p:txBody>
+          </p:sp>
+          <p:cxnSp>
+            <p:nvCxnSpPr>
+              <p:cNvPr id="106" name="Straight Connector 105"/>
+              <p:cNvCxnSpPr/>
+              <p:nvPr/>
+            </p:nvCxnSpPr>
+            <p:spPr>
+              <a:xfrm flipH="1">
+                <a:off x="2480734" y="3142465"/>
+                <a:ext cx="196" cy="374372"/>
+              </a:xfrm>
+              <a:prstGeom prst="line">
+                <a:avLst/>
+              </a:prstGeom>
+              <a:noFill/>
+              <a:ln w="19050" cap="flat" cmpd="sng" algn="ctr">
+                <a:solidFill>
+                  <a:sysClr val="windowText" lastClr="000000"/>
+                </a:solidFill>
+                <a:prstDash val="solid"/>
+                <a:miter lim="800000"/>
+              </a:ln>
+              <a:effectLst/>
+            </p:spPr>
+          </p:cxnSp>
+          <p:cxnSp>
+            <p:nvCxnSpPr>
+              <p:cNvPr id="107" name="Straight Connector 106"/>
+              <p:cNvCxnSpPr/>
+              <p:nvPr/>
+            </p:nvCxnSpPr>
+            <p:spPr>
+              <a:xfrm flipH="1">
+                <a:off x="3466745" y="3142465"/>
+                <a:ext cx="196" cy="374372"/>
+              </a:xfrm>
+              <a:prstGeom prst="line">
+                <a:avLst/>
+              </a:prstGeom>
+              <a:noFill/>
+              <a:ln w="19050" cap="flat" cmpd="sng" algn="ctr">
+                <a:solidFill>
+                  <a:sysClr val="windowText" lastClr="000000"/>
+                </a:solidFill>
+                <a:prstDash val="solid"/>
+                <a:miter lim="800000"/>
+              </a:ln>
+              <a:effectLst/>
+            </p:spPr>
+          </p:cxnSp>
+          <p:sp>
+            <p:nvSpPr>
+              <p:cNvPr id="104" name="TextBox 103"/>
+              <p:cNvSpPr txBox="1"/>
+              <p:nvPr/>
+            </p:nvSpPr>
+            <p:spPr>
+              <a:xfrm>
+                <a:off x="5437770" y="3330340"/>
+                <a:ext cx="1007098" cy="498257"/>
+              </a:xfrm>
+              <a:prstGeom prst="rect">
+                <a:avLst/>
+              </a:prstGeom>
+              <a:noFill/>
+            </p:spPr>
+            <p:txBody>
+              <a:bodyPr wrap="square" rtlCol="0">
+                <a:spAutoFit/>
+              </a:bodyPr>
+              <a:lstStyle/>
+              <a:p>
+                <a:pPr marL="0" marR="0" lvl="0" indent="0" algn="ctr" defTabSz="914400" eaLnBrk="1" fontAlgn="auto" latinLnBrk="0" hangingPunct="1">
+                  <a:lnSpc>
+                    <a:spcPct val="100000"/>
+                  </a:lnSpc>
+                  <a:spcBef>
+                    <a:spcPts val="0"/>
+                  </a:spcBef>
+                  <a:spcAft>
+                    <a:spcPts val="0"/>
+                  </a:spcAft>
+                  <a:buClrTx/>
+                  <a:buSzTx/>
+                  <a:buFontTx/>
+                  <a:buNone/>
+                  <a:tabLst/>
+                  <a:defRPr/>
+                </a:pPr>
+                <a:r>
+                  <a:rPr kumimoji="0" lang="en-US" sz="4000" b="0" i="0" u="none" strike="noStrike" kern="0" cap="none" spc="0" normalizeH="0" baseline="0" noProof="0" dirty="0" smtClean="0">
+                    <a:ln>
+                      <a:noFill/>
+                    </a:ln>
+                    <a:solidFill>
+                      <a:prstClr val="black"/>
+                    </a:solidFill>
+                    <a:effectLst/>
+                    <a:uLnTx/>
+                    <a:uFillTx/>
+                    <a:latin typeface="Arial" panose="020B0604020202020204" pitchFamily="34" charset="0"/>
+                    <a:cs typeface="Arial" panose="020B0604020202020204" pitchFamily="34" charset="0"/>
+                  </a:rPr>
+                  <a:t>Monitoring </a:t>
+                </a:r>
+              </a:p>
+              <a:p>
+                <a:pPr marL="0" marR="0" lvl="0" indent="0" algn="ctr" defTabSz="914400" eaLnBrk="1" fontAlgn="auto" latinLnBrk="0" hangingPunct="1">
+                  <a:lnSpc>
+                    <a:spcPct val="100000"/>
+                  </a:lnSpc>
+                  <a:spcBef>
+                    <a:spcPts val="0"/>
+                  </a:spcBef>
+                  <a:spcAft>
+                    <a:spcPts val="0"/>
+                  </a:spcAft>
+                  <a:buClrTx/>
+                  <a:buSzTx/>
+                  <a:buFontTx/>
+                  <a:buNone/>
+                  <a:tabLst/>
+                  <a:defRPr/>
+                </a:pPr>
+                <a:r>
+                  <a:rPr kumimoji="0" lang="en-US" sz="4000" b="0" i="0" u="none" strike="noStrike" kern="0" cap="none" spc="0" normalizeH="0" baseline="0" noProof="0" dirty="0" smtClean="0">
+                    <a:ln>
+                      <a:noFill/>
+                    </a:ln>
+                    <a:solidFill>
+                      <a:prstClr val="black"/>
+                    </a:solidFill>
+                    <a:effectLst/>
+                    <a:uLnTx/>
+                    <a:uFillTx/>
+                    <a:latin typeface="Arial" panose="020B0604020202020204" pitchFamily="34" charset="0"/>
+                    <a:cs typeface="Arial" panose="020B0604020202020204" pitchFamily="34" charset="0"/>
+                  </a:rPr>
+                  <a:t>Server</a:t>
+                </a:r>
+                <a:endParaRPr kumimoji="0" lang="en-US" sz="2000" b="0" i="0" u="none" strike="noStrike" kern="0" cap="none" spc="0" normalizeH="0" baseline="0" noProof="0" dirty="0" smtClean="0">
                   <a:ln>
                     <a:noFill/>
                   </a:ln>
@@ -5089,61 +4851,504 @@
                   <a:uFillTx/>
                   <a:latin typeface="Arial" panose="020B0604020202020204" pitchFamily="34" charset="0"/>
                   <a:cs typeface="Arial" panose="020B0604020202020204" pitchFamily="34" charset="0"/>
-                </a:rPr>
-                <a:t>Monitoring </a:t>
-              </a:r>
-            </a:p>
-            <a:p>
-              <a:pPr marL="0" marR="0" lvl="0" indent="0" algn="ctr" defTabSz="914400" eaLnBrk="1" fontAlgn="auto" latinLnBrk="0" hangingPunct="1">
-                <a:lnSpc>
-                  <a:spcPct val="100000"/>
-                </a:lnSpc>
-                <a:spcBef>
-                  <a:spcPts val="0"/>
-                </a:spcBef>
-                <a:spcAft>
-                  <a:spcPts val="0"/>
-                </a:spcAft>
-                <a:buClrTx/>
-                <a:buSzTx/>
-                <a:buFontTx/>
-                <a:buNone/>
-                <a:tabLst/>
-                <a:defRPr/>
-              </a:pPr>
-              <a:r>
-                <a:rPr kumimoji="0" lang="en-US" sz="3600" b="0" i="0" u="none" strike="noStrike" kern="0" cap="none" spc="0" normalizeH="0" baseline="0" noProof="0" dirty="0" smtClean="0">
-                  <a:ln>
-                    <a:noFill/>
-                  </a:ln>
-                  <a:solidFill>
-                    <a:prstClr val="black"/>
-                  </a:solidFill>
-                  <a:effectLst/>
-                  <a:uLnTx/>
-                  <a:uFillTx/>
-                  <a:latin typeface="Arial" panose="020B0604020202020204" pitchFamily="34" charset="0"/>
-                  <a:cs typeface="Arial" panose="020B0604020202020204" pitchFamily="34" charset="0"/>
-                </a:rPr>
-                <a:t>Server</a:t>
-              </a:r>
-              <a:endParaRPr kumimoji="0" lang="en-US" sz="1800" b="0" i="0" u="none" strike="noStrike" kern="0" cap="none" spc="0" normalizeH="0" baseline="0" noProof="0" dirty="0" smtClean="0">
-                <a:ln>
-                  <a:noFill/>
-                </a:ln>
-                <a:solidFill>
-                  <a:prstClr val="black"/>
-                </a:solidFill>
-                <a:effectLst/>
-                <a:uLnTx/>
-                <a:uFillTx/>
-                <a:latin typeface="Arial" panose="020B0604020202020204" pitchFamily="34" charset="0"/>
-                <a:cs typeface="Arial" panose="020B0604020202020204" pitchFamily="34" charset="0"/>
-              </a:endParaRPr>
-            </a:p>
-          </p:txBody>
-        </p:sp>
+                </a:endParaRPr>
+              </a:p>
+            </p:txBody>
+          </p:sp>
+        </p:grpSp>
       </p:grpSp>
+      <p:sp>
+        <p:nvSpPr>
+          <p:cNvPr id="27" name="Text Placeholder 1"/>
+          <p:cNvSpPr>
+            <a:spLocks noGrp="1"/>
+          </p:cNvSpPr>
+          <p:nvPr>
+            <p:ph type="body" sz="quarter" idx="10"/>
+          </p:nvPr>
+        </p:nvSpPr>
+        <p:spPr>
+          <a:xfrm>
+            <a:off x="1505996" y="14318474"/>
+            <a:ext cx="14448720" cy="5936034"/>
+          </a:xfrm>
+        </p:spPr>
+        <p:txBody>
+          <a:bodyPr/>
+          <a:lstStyle/>
+          <a:p>
+            <a:pPr algn="just"/>
+            <a:r>
+              <a:rPr lang="en-US" dirty="0"/>
+              <a:t>We </a:t>
+            </a:r>
+            <a:r>
+              <a:rPr lang="en-US" dirty="0" smtClean="0"/>
+              <a:t>propose an </a:t>
+            </a:r>
+            <a:r>
+              <a:rPr lang="en-US" dirty="0"/>
+              <a:t>stealthy logging mechanism </a:t>
+            </a:r>
+            <a:r>
+              <a:rPr lang="en-US" dirty="0" smtClean="0"/>
+              <a:t>to protect PLCs in such adversarial environments. The </a:t>
+            </a:r>
+            <a:r>
+              <a:rPr lang="en-US" dirty="0"/>
+              <a:t>status of </a:t>
+            </a:r>
+            <a:r>
+              <a:rPr lang="en-US" dirty="0" smtClean="0"/>
+              <a:t>each PLC is logged and sent </a:t>
+            </a:r>
+            <a:r>
+              <a:rPr lang="en-US" dirty="0"/>
+              <a:t>to a central monitoring server in a secure and stealthy way periodically. </a:t>
+            </a:r>
+            <a:r>
+              <a:rPr lang="en-US" dirty="0" smtClean="0"/>
+              <a:t>By means of the proposed scheme, the </a:t>
+            </a:r>
+            <a:r>
+              <a:rPr lang="en-US" dirty="0"/>
+              <a:t>integrity of the </a:t>
+            </a:r>
+            <a:r>
+              <a:rPr lang="en-US" dirty="0" smtClean="0"/>
+              <a:t>logs can be verified by the server. In addition, </a:t>
+            </a:r>
+            <a:r>
+              <a:rPr lang="en-US" dirty="0"/>
+              <a:t>and the adversary is not able </a:t>
+            </a:r>
+            <a:r>
+              <a:rPr lang="en-US" dirty="0" smtClean="0"/>
+              <a:t>to infer </a:t>
+            </a:r>
+            <a:r>
+              <a:rPr lang="en-US" dirty="0"/>
+              <a:t>whether he gets caught or not. After an intrusion is detected, the server will restart the infected PLCs with a known clean state. This will carry on the normal operation of the industrial processes.</a:t>
+            </a:r>
+            <a:endParaRPr lang="en-US" dirty="0"/>
+          </a:p>
+        </p:txBody>
+      </p:sp>
+      <p:sp>
+        <p:nvSpPr>
+          <p:cNvPr id="28" name="Text Placeholder 2"/>
+          <p:cNvSpPr>
+            <a:spLocks noGrp="1"/>
+          </p:cNvSpPr>
+          <p:nvPr>
+            <p:ph type="body" sz="quarter" idx="11"/>
+          </p:nvPr>
+        </p:nvSpPr>
+        <p:spPr>
+          <a:xfrm>
+            <a:off x="1594578" y="13119581"/>
+            <a:ext cx="12601108" cy="1081754"/>
+          </a:xfrm>
+        </p:spPr>
+        <p:txBody>
+          <a:bodyPr/>
+          <a:lstStyle/>
+          <a:p>
+            <a:pPr algn="l"/>
+            <a:r>
+              <a:rPr lang="en-US" sz="6000" dirty="0" smtClean="0"/>
+              <a:t>2. Proposal</a:t>
+            </a:r>
+            <a:endParaRPr lang="en-US" sz="6000" dirty="0"/>
+          </a:p>
+        </p:txBody>
+      </p:sp>
+      <p:sp>
+        <p:nvSpPr>
+          <p:cNvPr id="29" name="Text Placeholder 4"/>
+          <p:cNvSpPr>
+            <a:spLocks noGrp="1"/>
+          </p:cNvSpPr>
+          <p:nvPr>
+            <p:ph type="body" sz="quarter" idx="25"/>
+          </p:nvPr>
+        </p:nvSpPr>
+        <p:spPr>
+          <a:xfrm>
+            <a:off x="16587422" y="12540807"/>
+            <a:ext cx="12571741" cy="1081754"/>
+          </a:xfrm>
+        </p:spPr>
+        <p:txBody>
+          <a:bodyPr/>
+          <a:lstStyle/>
+          <a:p>
+            <a:pPr algn="l"/>
+            <a:r>
+              <a:rPr lang="en-US" sz="6000" dirty="0" smtClean="0"/>
+              <a:t>5. Performance Overhead</a:t>
+            </a:r>
+            <a:endParaRPr lang="en-US" sz="6000" dirty="0"/>
+          </a:p>
+        </p:txBody>
+      </p:sp>
+      <p:pic>
+        <p:nvPicPr>
+          <p:cNvPr id="10" name="Picture 9"/>
+          <p:cNvPicPr>
+            <a:picLocks noChangeAspect="1"/>
+          </p:cNvPicPr>
+          <p:nvPr/>
+        </p:nvPicPr>
+        <p:blipFill>
+          <a:blip r:embed="rId6">
+            <a:extLst>
+              <a:ext uri="{28A0092B-C50C-407E-A947-70E740481C1C}">
+                <a14:useLocalDpi xmlns:a14="http://schemas.microsoft.com/office/drawing/2010/main" val="0"/>
+              </a:ext>
+            </a:extLst>
+          </a:blip>
+          <a:stretch>
+            <a:fillRect/>
+          </a:stretch>
+        </p:blipFill>
+        <p:spPr>
+          <a:xfrm>
+            <a:off x="16315160" y="20814479"/>
+            <a:ext cx="14575976" cy="5003385"/>
+          </a:xfrm>
+          <a:prstGeom prst="rect">
+            <a:avLst/>
+          </a:prstGeom>
+        </p:spPr>
+      </p:pic>
+      <p:sp>
+        <p:nvSpPr>
+          <p:cNvPr id="32" name="Text Placeholder 4"/>
+          <p:cNvSpPr>
+            <a:spLocks noGrp="1"/>
+          </p:cNvSpPr>
+          <p:nvPr>
+            <p:ph type="body" sz="quarter" idx="25"/>
+          </p:nvPr>
+        </p:nvSpPr>
+        <p:spPr>
+          <a:xfrm>
+            <a:off x="15954716" y="26265092"/>
+            <a:ext cx="12571741" cy="1081754"/>
+          </a:xfrm>
+        </p:spPr>
+        <p:txBody>
+          <a:bodyPr/>
+          <a:lstStyle/>
+          <a:p>
+            <a:pPr algn="l"/>
+            <a:r>
+              <a:rPr lang="en-US" sz="6000" dirty="0" smtClean="0"/>
+              <a:t>6. </a:t>
+            </a:r>
+            <a:r>
+              <a:rPr lang="en-US" sz="6000" dirty="0"/>
+              <a:t>Security </a:t>
+            </a:r>
+            <a:r>
+              <a:rPr lang="en-US" sz="6000" dirty="0" smtClean="0"/>
+              <a:t>Guarantees </a:t>
+            </a:r>
+            <a:endParaRPr lang="en-US" sz="6000" dirty="0"/>
+          </a:p>
+        </p:txBody>
+      </p:sp>
+      <p:sp>
+        <p:nvSpPr>
+          <p:cNvPr id="33" name="Text Placeholder 15"/>
+          <p:cNvSpPr>
+            <a:spLocks noGrp="1"/>
+          </p:cNvSpPr>
+          <p:nvPr>
+            <p:ph type="body" sz="quarter" idx="155"/>
+          </p:nvPr>
+        </p:nvSpPr>
+        <p:spPr>
+          <a:xfrm>
+            <a:off x="15687244" y="27223345"/>
+            <a:ext cx="13586559" cy="9938769"/>
+          </a:xfrm>
+        </p:spPr>
+        <p:txBody>
+          <a:bodyPr/>
+          <a:lstStyle/>
+          <a:p>
+            <a:pPr algn="just"/>
+            <a:r>
+              <a:rPr lang="en-US" dirty="0" smtClean="0"/>
+              <a:t>The implemented defense mechanism can guarantee detection of malicious incidents with very small false positives through:</a:t>
+            </a:r>
+            <a:endParaRPr lang="en-US" dirty="0"/>
+          </a:p>
+          <a:p>
+            <a:pPr marL="742950" indent="-742950" algn="just">
+              <a:buFont typeface="Arial" panose="020B0604020202020204" pitchFamily="34" charset="0"/>
+              <a:buChar char="•"/>
+            </a:pPr>
+            <a:r>
+              <a:rPr lang="en-US" dirty="0" smtClean="0"/>
+              <a:t>Keeping </a:t>
+            </a:r>
+            <a:r>
+              <a:rPr lang="en-US" dirty="0"/>
+              <a:t>an obfuscated log of all events (normal or malicious) taking place at the device </a:t>
+            </a:r>
+            <a:endParaRPr lang="en-US" dirty="0" smtClean="0"/>
+          </a:p>
+          <a:p>
+            <a:pPr marL="742950" indent="-742950" algn="just">
+              <a:buFont typeface="Arial" panose="020B0604020202020204" pitchFamily="34" charset="0"/>
+              <a:buChar char="•"/>
+            </a:pPr>
+            <a:r>
+              <a:rPr lang="en-US" dirty="0" smtClean="0"/>
+              <a:t>Exploiting the concept of forward secure key generation [1], integrity of the logs can be verified, i.e., </a:t>
+            </a:r>
+            <a:r>
+              <a:rPr lang="en-US" dirty="0"/>
+              <a:t>whether the logs at the device have been tampered with by an adversary who is in control of the device </a:t>
+            </a:r>
+            <a:endParaRPr lang="en-US" dirty="0" smtClean="0"/>
+          </a:p>
+          <a:p>
+            <a:pPr marL="742950" indent="-742950" algn="just">
+              <a:buFont typeface="Arial" panose="020B0604020202020204" pitchFamily="34" charset="0"/>
+              <a:buChar char="•"/>
+            </a:pPr>
+            <a:r>
+              <a:rPr lang="en-US" dirty="0" smtClean="0"/>
+              <a:t>Hiding </a:t>
+            </a:r>
+            <a:r>
+              <a:rPr lang="en-US" dirty="0"/>
+              <a:t>from an attacker with access to the device whether the log reports detection of malicious behavior</a:t>
+            </a:r>
+          </a:p>
+          <a:p>
+            <a:pPr marL="742950" indent="-742950" algn="just">
+              <a:buFont typeface="Arial" panose="020B0604020202020204" pitchFamily="34" charset="0"/>
+              <a:buChar char="•"/>
+            </a:pPr>
+            <a:r>
+              <a:rPr lang="en-US" dirty="0" smtClean="0"/>
+              <a:t>The </a:t>
+            </a:r>
+            <a:r>
+              <a:rPr lang="en-US" dirty="0"/>
+              <a:t>log is reported back to the server at pre-defined time </a:t>
+            </a:r>
+            <a:r>
+              <a:rPr lang="en-US" dirty="0" smtClean="0"/>
+              <a:t>intervals </a:t>
+            </a:r>
+            <a:r>
+              <a:rPr lang="en-US" dirty="0"/>
+              <a:t>This enables </a:t>
+            </a:r>
+            <a:r>
+              <a:rPr lang="en-US" dirty="0" smtClean="0"/>
+              <a:t>the server </a:t>
+            </a:r>
+            <a:r>
+              <a:rPr lang="en-US" dirty="0"/>
+              <a:t>to act accordingly by either revoking the device from the network or by restoring it to a safe state. </a:t>
+            </a:r>
+          </a:p>
+          <a:p>
+            <a:pPr marL="742950" indent="-742950" algn="just">
+              <a:buFont typeface="Arial" panose="020B0604020202020204" pitchFamily="34" charset="0"/>
+              <a:buChar char="•"/>
+            </a:pPr>
+            <a:endParaRPr lang="en-US" dirty="0"/>
+          </a:p>
+          <a:p>
+            <a:pPr marL="742950" indent="-742950" algn="just">
+              <a:buFont typeface="Arial" panose="020B0604020202020204" pitchFamily="34" charset="0"/>
+              <a:buChar char="•"/>
+            </a:pPr>
+            <a:endParaRPr lang="en-US" dirty="0" smtClean="0"/>
+          </a:p>
+        </p:txBody>
+      </p:sp>
+      <p:sp>
+        <p:nvSpPr>
+          <p:cNvPr id="34" name="Text Placeholder 15"/>
+          <p:cNvSpPr>
+            <a:spLocks noGrp="1"/>
+          </p:cNvSpPr>
+          <p:nvPr>
+            <p:ph type="body" sz="quarter" idx="155"/>
+          </p:nvPr>
+        </p:nvSpPr>
+        <p:spPr>
+          <a:xfrm>
+            <a:off x="16043298" y="13744373"/>
+            <a:ext cx="15758342" cy="7044030"/>
+          </a:xfrm>
+        </p:spPr>
+        <p:txBody>
+          <a:bodyPr/>
+          <a:lstStyle/>
+          <a:p>
+            <a:pPr algn="just"/>
+            <a:r>
+              <a:rPr lang="en-US" dirty="0" smtClean="0"/>
+              <a:t>We </a:t>
+            </a:r>
+            <a:r>
+              <a:rPr lang="en-US" dirty="0"/>
+              <a:t>have implemented a </a:t>
+            </a:r>
+            <a:r>
+              <a:rPr lang="en-US" dirty="0" smtClean="0"/>
+              <a:t>lightweight intrusion detection system to secure PLC </a:t>
+            </a:r>
+            <a:r>
+              <a:rPr lang="en-US" dirty="0"/>
+              <a:t>systems </a:t>
+            </a:r>
+            <a:r>
+              <a:rPr lang="en-US" dirty="0" smtClean="0"/>
+              <a:t>by </a:t>
+            </a:r>
+            <a:r>
+              <a:rPr lang="en-US" dirty="0"/>
+              <a:t>using simple and practical </a:t>
+            </a:r>
+            <a:r>
+              <a:rPr lang="en-US" dirty="0" smtClean="0"/>
+              <a:t>techniques such as </a:t>
+            </a:r>
+            <a:r>
+              <a:rPr lang="en-US" dirty="0" err="1"/>
+              <a:t>PillarBox</a:t>
+            </a:r>
+            <a:r>
+              <a:rPr lang="en-US" dirty="0"/>
+              <a:t> </a:t>
+            </a:r>
+            <a:r>
+              <a:rPr lang="en-US" dirty="0" smtClean="0"/>
+              <a:t>[1] .</a:t>
+            </a:r>
+            <a:endParaRPr lang="en-US" sz="3600" b="1" dirty="0" smtClean="0"/>
+          </a:p>
+          <a:p>
+            <a:pPr marL="571500" indent="-571500" algn="just">
+              <a:buFont typeface="Arial" panose="020B0604020202020204" pitchFamily="34" charset="0"/>
+              <a:buChar char="•"/>
+            </a:pPr>
+            <a:r>
+              <a:rPr lang="en-US" dirty="0" smtClean="0"/>
+              <a:t>Lower complexity and performance overhead can be reached with comparison to techniques which require software injection to the device firmware</a:t>
+            </a:r>
+          </a:p>
+          <a:p>
+            <a:pPr marL="571500" indent="-571500" algn="just">
+              <a:buFont typeface="Arial" panose="020B0604020202020204" pitchFamily="34" charset="0"/>
+              <a:buChar char="•"/>
+            </a:pPr>
+            <a:r>
+              <a:rPr lang="en-US" dirty="0" smtClean="0"/>
+              <a:t>IDS agents Merely forward the device status to the server </a:t>
+            </a:r>
+            <a:endParaRPr lang="en-US" dirty="0" smtClean="0"/>
+          </a:p>
+          <a:p>
+            <a:pPr marL="571500" indent="-571500" algn="just">
+              <a:buFont typeface="Arial" panose="020B0604020202020204" pitchFamily="34" charset="0"/>
+              <a:buChar char="•"/>
+            </a:pPr>
+            <a:r>
+              <a:rPr lang="en-US" dirty="0" smtClean="0"/>
+              <a:t>All the related heavy computations are offloaded to the server</a:t>
+            </a:r>
+          </a:p>
+          <a:p>
+            <a:pPr marL="571500" indent="-571500" algn="just">
+              <a:buFont typeface="Arial" panose="020B0604020202020204" pitchFamily="34" charset="0"/>
+              <a:buChar char="•"/>
+            </a:pPr>
+            <a:r>
+              <a:rPr lang="en-US" dirty="0" smtClean="0"/>
+              <a:t>Very small computational overhead in gathering and reporting critical device status messages to server</a:t>
+            </a:r>
+            <a:endParaRPr lang="en-US" dirty="0"/>
+          </a:p>
+        </p:txBody>
+      </p:sp>
+      <p:sp>
+        <p:nvSpPr>
+          <p:cNvPr id="36" name="Text Placeholder 14"/>
+          <p:cNvSpPr>
+            <a:spLocks noGrp="1"/>
+          </p:cNvSpPr>
+          <p:nvPr>
+            <p:ph type="body" sz="quarter" idx="154"/>
+          </p:nvPr>
+        </p:nvSpPr>
+        <p:spPr>
+          <a:xfrm>
+            <a:off x="1505996" y="30679098"/>
+            <a:ext cx="15301308" cy="1081754"/>
+          </a:xfrm>
+        </p:spPr>
+        <p:txBody>
+          <a:bodyPr/>
+          <a:lstStyle/>
+          <a:p>
+            <a:pPr algn="l"/>
+            <a:r>
+              <a:rPr lang="en-US" sz="6000" dirty="0" smtClean="0"/>
+              <a:t>4</a:t>
+            </a:r>
+            <a:r>
+              <a:rPr lang="en-US" sz="6000" dirty="0" smtClean="0"/>
+              <a:t>. Agents and logging mechanism</a:t>
+            </a:r>
+            <a:endParaRPr lang="en-US" sz="6000" dirty="0"/>
+          </a:p>
+        </p:txBody>
+      </p:sp>
+      <p:sp>
+        <p:nvSpPr>
+          <p:cNvPr id="37" name="Text Placeholder 15"/>
+          <p:cNvSpPr>
+            <a:spLocks noGrp="1"/>
+          </p:cNvSpPr>
+          <p:nvPr>
+            <p:ph type="body" sz="quarter" idx="155"/>
+          </p:nvPr>
+        </p:nvSpPr>
+        <p:spPr>
+          <a:xfrm>
+            <a:off x="1282000" y="31760852"/>
+            <a:ext cx="13586559" cy="1627163"/>
+          </a:xfrm>
+        </p:spPr>
+        <p:txBody>
+          <a:bodyPr/>
+          <a:lstStyle/>
+          <a:p>
+            <a:pPr algn="just"/>
+            <a:r>
+              <a:rPr lang="en-US" dirty="0" smtClean="0"/>
+              <a:t>Here we should explain more what the agent is doing </a:t>
+            </a:r>
+            <a:r>
+              <a:rPr lang="en-US" smtClean="0"/>
+              <a:t>and possibly a figure would be nice</a:t>
+            </a:r>
+            <a:endParaRPr lang="en-US" dirty="0"/>
+          </a:p>
+        </p:txBody>
+      </p:sp>
     </p:spTree>
     <p:extLst>
       <p:ext uri="{BB962C8B-B14F-4D97-AF65-F5344CB8AC3E}">

--- a/presentation/Poster_Template.pptx
+++ b/presentation/Poster_Template.pptx
@@ -183,6 +183,10 @@
 </p:cmAuthorLst>
 </file>
 
+<file path=ppt/revisionInfo.xml><?xml version="1.0" encoding="utf-8"?>
+<p1510:revInfo xmlns:a="http://schemas.openxmlformats.org/drawingml/2006/main" xmlns:r="http://schemas.openxmlformats.org/officeDocument/2006/relationships" xmlns:p1510="http://schemas.microsoft.com/office/powerpoint/2015/10/main"/>
+</file>
+
 <file path=ppt/handoutMasters/handoutMaster1.xml><?xml version="1.0" encoding="utf-8"?>
 <p:handoutMaster xmlns:a="http://schemas.openxmlformats.org/drawingml/2006/main" xmlns:r="http://schemas.openxmlformats.org/officeDocument/2006/relationships" xmlns:p="http://schemas.openxmlformats.org/presentationml/2006/main">
   <p:cSld>
@@ -266,7 +270,7 @@
             <a:fld id="{0158C5BC-9A70-462C-B28D-9600239EAC64}" type="datetimeFigureOut">
               <a:rPr lang="en-US" smtClean="0"/>
               <a:pPr/>
-              <a:t>11/7/17</a:t>
+              <a:t>11/8/2017</a:t>
             </a:fld>
             <a:endParaRPr lang="en-US" dirty="0"/>
           </a:p>
@@ -433,7 +437,7 @@
             <a:fld id="{E6CC2317-6751-4CD4-9995-8782DD78E936}" type="datetimeFigureOut">
               <a:rPr lang="en-US" smtClean="0"/>
               <a:pPr/>
-              <a:t>11/7/17</a:t>
+              <a:t>11/8/2017</a:t>
             </a:fld>
             <a:endParaRPr lang="en-US" dirty="0"/>
           </a:p>
@@ -499,38 +503,37 @@
           <a:p>
             <a:pPr lvl="0"/>
             <a:r>
-              <a:rPr lang="en-US" smtClean="0"/>
+              <a:rPr lang="en-US"/>
               <a:t>Click to edit Master text styles</a:t>
             </a:r>
           </a:p>
           <a:p>
             <a:pPr lvl="1"/>
             <a:r>
-              <a:rPr lang="en-US" smtClean="0"/>
+              <a:rPr lang="en-US"/>
               <a:t>Second level</a:t>
             </a:r>
           </a:p>
           <a:p>
             <a:pPr lvl="2"/>
             <a:r>
-              <a:rPr lang="en-US" smtClean="0"/>
+              <a:rPr lang="en-US"/>
               <a:t>Third level</a:t>
             </a:r>
           </a:p>
           <a:p>
             <a:pPr lvl="3"/>
             <a:r>
-              <a:rPr lang="en-US" smtClean="0"/>
+              <a:rPr lang="en-US"/>
               <a:t>Fourth level</a:t>
             </a:r>
           </a:p>
           <a:p>
             <a:pPr lvl="4"/>
             <a:r>
-              <a:rPr lang="en-US" smtClean="0"/>
+              <a:rPr lang="en-US"/>
               <a:t>Fifth level</a:t>
             </a:r>
-            <a:endParaRPr lang="en-US"/>
           </a:p>
         </p:txBody>
       </p:sp>
@@ -780,10 +783,9 @@
           <a:p>
             <a:pPr lvl="0"/>
             <a:r>
-              <a:rPr lang="en-US" dirty="0" smtClean="0"/>
+              <a:rPr lang="en-US" dirty="0"/>
               <a:t>Type in or paste your text here</a:t>
             </a:r>
-            <a:endParaRPr lang="en-US" dirty="0"/>
           </a:p>
         </p:txBody>
       </p:sp>
@@ -826,10 +828,9 @@
           <a:p>
             <a:pPr lvl="0"/>
             <a:r>
-              <a:rPr lang="en-US" dirty="0" smtClean="0"/>
+              <a:rPr lang="en-US" dirty="0"/>
               <a:t>(click to edit) INTRODUCTION</a:t>
             </a:r>
-            <a:endParaRPr lang="en-US" dirty="0"/>
           </a:p>
         </p:txBody>
       </p:sp>
@@ -872,10 +873,9 @@
           <a:p>
             <a:pPr lvl="0"/>
             <a:r>
-              <a:rPr lang="en-US" dirty="0" smtClean="0"/>
+              <a:rPr lang="en-US" dirty="0"/>
               <a:t>(click to edit)  OBJECTIVES</a:t>
             </a:r>
-            <a:endParaRPr lang="en-US" dirty="0"/>
           </a:p>
         </p:txBody>
       </p:sp>
@@ -918,10 +918,9 @@
           <a:p>
             <a:pPr lvl="0"/>
             <a:r>
-              <a:rPr lang="en-US" dirty="0" smtClean="0"/>
+              <a:rPr lang="en-US" dirty="0"/>
               <a:t>(click to edit)  CONCLUSIONS</a:t>
             </a:r>
-            <a:endParaRPr lang="en-US" dirty="0"/>
           </a:p>
         </p:txBody>
       </p:sp>
@@ -984,10 +983,9 @@
           <a:p>
             <a:pPr lvl="0"/>
             <a:r>
-              <a:rPr lang="en-US" dirty="0" smtClean="0"/>
+              <a:rPr lang="en-US" dirty="0"/>
               <a:t>Type in or paste your text here</a:t>
             </a:r>
-            <a:endParaRPr lang="en-US" dirty="0"/>
           </a:p>
         </p:txBody>
       </p:sp>
@@ -1030,10 +1028,9 @@
           <a:p>
             <a:pPr lvl="0"/>
             <a:r>
-              <a:rPr lang="en-US" dirty="0" smtClean="0"/>
+              <a:rPr lang="en-US" dirty="0"/>
               <a:t>(click to edit)  REFERENCES</a:t>
             </a:r>
-            <a:endParaRPr lang="en-US" dirty="0"/>
           </a:p>
         </p:txBody>
       </p:sp>
@@ -1096,10 +1093,9 @@
           <a:p>
             <a:pPr lvl="0"/>
             <a:r>
-              <a:rPr lang="en-US" dirty="0" smtClean="0"/>
+              <a:rPr lang="en-US" dirty="0"/>
               <a:t>Type in or paste your text here</a:t>
             </a:r>
-            <a:endParaRPr lang="en-US" dirty="0"/>
           </a:p>
         </p:txBody>
       </p:sp>
@@ -1143,10 +1139,9 @@
           <a:p>
             <a:pPr lvl="0"/>
             <a:r>
-              <a:rPr lang="en-US" dirty="0" smtClean="0"/>
+              <a:rPr lang="en-US" dirty="0"/>
               <a:t>ACKNOWLEDGEMENTS</a:t>
             </a:r>
-            <a:endParaRPr lang="en-US" dirty="0"/>
           </a:p>
         </p:txBody>
       </p:sp>
@@ -1209,10 +1204,9 @@
           <a:p>
             <a:pPr lvl="0"/>
             <a:r>
-              <a:rPr lang="en-US" dirty="0" smtClean="0"/>
+              <a:rPr lang="en-US" dirty="0"/>
               <a:t>Type in or paste your text here</a:t>
             </a:r>
-            <a:endParaRPr lang="en-US" dirty="0"/>
           </a:p>
         </p:txBody>
       </p:sp>
@@ -1275,10 +1269,9 @@
           <a:p>
             <a:pPr lvl="0"/>
             <a:r>
-              <a:rPr lang="en-US" dirty="0" smtClean="0"/>
+              <a:rPr lang="en-US" dirty="0"/>
               <a:t>Type in or paste your text here</a:t>
             </a:r>
-            <a:endParaRPr lang="en-US" dirty="0"/>
           </a:p>
         </p:txBody>
       </p:sp>
@@ -1340,10 +1333,9 @@
           <a:p>
             <a:pPr lvl="0"/>
             <a:r>
-              <a:rPr lang="en-US" dirty="0" smtClean="0"/>
+              <a:rPr lang="en-US" dirty="0"/>
               <a:t>Click here to add affiliations</a:t>
             </a:r>
-            <a:endParaRPr lang="en-US" dirty="0"/>
           </a:p>
         </p:txBody>
       </p:sp>
@@ -1405,10 +1397,9 @@
           <a:p>
             <a:pPr lvl="0"/>
             <a:r>
-              <a:rPr lang="en-US" dirty="0" smtClean="0"/>
+              <a:rPr lang="en-US" dirty="0"/>
               <a:t>Click here to add authors</a:t>
             </a:r>
-            <a:endParaRPr lang="en-US" dirty="0"/>
           </a:p>
         </p:txBody>
       </p:sp>
@@ -1470,10 +1461,9 @@
           <a:p>
             <a:pPr lvl="0"/>
             <a:r>
-              <a:rPr lang="en-US" dirty="0" smtClean="0"/>
+              <a:rPr lang="en-US" dirty="0"/>
               <a:t>Click here to add title</a:t>
             </a:r>
-            <a:endParaRPr lang="en-US" dirty="0"/>
           </a:p>
         </p:txBody>
       </p:sp>
@@ -1516,10 +1506,9 @@
           <a:p>
             <a:pPr lvl="0"/>
             <a:r>
-              <a:rPr lang="en-US" dirty="0" smtClean="0"/>
+              <a:rPr lang="en-US" dirty="0"/>
               <a:t>(click to edit)  METHODOLOGY</a:t>
             </a:r>
-            <a:endParaRPr lang="en-US" dirty="0"/>
           </a:p>
         </p:txBody>
       </p:sp>
@@ -1582,10 +1571,9 @@
           <a:p>
             <a:pPr lvl="0"/>
             <a:r>
-              <a:rPr lang="en-US" dirty="0" smtClean="0"/>
+              <a:rPr lang="en-US" dirty="0"/>
               <a:t>Type in or paste your text here</a:t>
             </a:r>
-            <a:endParaRPr lang="en-US" dirty="0"/>
           </a:p>
         </p:txBody>
       </p:sp>
@@ -1594,13 +1582,6 @@
   <p:clrMapOvr>
     <a:masterClrMapping/>
   </p:clrMapOvr>
-  <p:timing>
-    <p:tnLst>
-      <p:par>
-        <p:cTn id="1" dur="indefinite" restart="never" nodeType="tmRoot"/>
-      </p:par>
-    </p:tnLst>
-  </p:timing>
 </p:sldLayout>
 </file>
 
@@ -1680,10 +1661,9 @@
           <a:p>
             <a:pPr lvl="0"/>
             <a:r>
-              <a:rPr lang="en-US" dirty="0" smtClean="0"/>
+              <a:rPr lang="en-US" dirty="0"/>
               <a:t>Type in or paste your text here</a:t>
             </a:r>
-            <a:endParaRPr lang="en-US" dirty="0"/>
           </a:p>
         </p:txBody>
       </p:sp>
@@ -1726,10 +1706,9 @@
           <a:p>
             <a:pPr lvl="0"/>
             <a:r>
-              <a:rPr lang="en-US" dirty="0" smtClean="0"/>
+              <a:rPr lang="en-US" dirty="0"/>
               <a:t>(click to edit) INTRODUCTION</a:t>
             </a:r>
-            <a:endParaRPr lang="en-US" dirty="0"/>
           </a:p>
         </p:txBody>
       </p:sp>
@@ -1772,10 +1751,9 @@
           <a:p>
             <a:pPr lvl="0"/>
             <a:r>
-              <a:rPr lang="en-US" dirty="0" smtClean="0"/>
+              <a:rPr lang="en-US" dirty="0"/>
               <a:t>(click to edit)  OBJECTIVES</a:t>
             </a:r>
-            <a:endParaRPr lang="en-US" dirty="0"/>
           </a:p>
         </p:txBody>
       </p:sp>
@@ -1818,10 +1796,9 @@
           <a:p>
             <a:pPr lvl="0"/>
             <a:r>
-              <a:rPr lang="en-US" dirty="0" smtClean="0"/>
+              <a:rPr lang="en-US" dirty="0"/>
               <a:t>(click to edit)  CONCLUSIONS</a:t>
             </a:r>
-            <a:endParaRPr lang="en-US" dirty="0"/>
           </a:p>
         </p:txBody>
       </p:sp>
@@ -1884,10 +1861,9 @@
           <a:p>
             <a:pPr lvl="0"/>
             <a:r>
-              <a:rPr lang="en-US" dirty="0" smtClean="0"/>
+              <a:rPr lang="en-US" dirty="0"/>
               <a:t>Type in or paste your text here</a:t>
             </a:r>
-            <a:endParaRPr lang="en-US" dirty="0"/>
           </a:p>
         </p:txBody>
       </p:sp>
@@ -1930,10 +1906,9 @@
           <a:p>
             <a:pPr lvl="0"/>
             <a:r>
-              <a:rPr lang="en-US" dirty="0" smtClean="0"/>
+              <a:rPr lang="en-US" dirty="0"/>
               <a:t>(click to edit)  REFERENCES</a:t>
             </a:r>
-            <a:endParaRPr lang="en-US" dirty="0"/>
           </a:p>
         </p:txBody>
       </p:sp>
@@ -1996,10 +1971,9 @@
           <a:p>
             <a:pPr lvl="0"/>
             <a:r>
-              <a:rPr lang="en-US" dirty="0" smtClean="0"/>
+              <a:rPr lang="en-US" dirty="0"/>
               <a:t>Type in or paste your text here</a:t>
             </a:r>
-            <a:endParaRPr lang="en-US" dirty="0"/>
           </a:p>
         </p:txBody>
       </p:sp>
@@ -2043,10 +2017,9 @@
           <a:p>
             <a:pPr lvl="0"/>
             <a:r>
-              <a:rPr lang="en-US" dirty="0" smtClean="0"/>
+              <a:rPr lang="en-US" dirty="0"/>
               <a:t>ACKNOWLEDGEMENTS</a:t>
             </a:r>
-            <a:endParaRPr lang="en-US" dirty="0"/>
           </a:p>
         </p:txBody>
       </p:sp>
@@ -2109,10 +2082,9 @@
           <a:p>
             <a:pPr lvl="0"/>
             <a:r>
-              <a:rPr lang="en-US" dirty="0" smtClean="0"/>
+              <a:rPr lang="en-US" dirty="0"/>
               <a:t>Type in or paste your text here</a:t>
             </a:r>
-            <a:endParaRPr lang="en-US" dirty="0"/>
           </a:p>
         </p:txBody>
       </p:sp>
@@ -2175,10 +2147,9 @@
           <a:p>
             <a:pPr lvl="0"/>
             <a:r>
-              <a:rPr lang="en-US" dirty="0" smtClean="0"/>
+              <a:rPr lang="en-US" dirty="0"/>
               <a:t>Type in or paste your text here</a:t>
             </a:r>
-            <a:endParaRPr lang="en-US" dirty="0"/>
           </a:p>
         </p:txBody>
       </p:sp>
@@ -2240,10 +2211,9 @@
           <a:p>
             <a:pPr lvl="0"/>
             <a:r>
-              <a:rPr lang="en-US" dirty="0" smtClean="0"/>
+              <a:rPr lang="en-US" dirty="0"/>
               <a:t>Click here to add affiliations</a:t>
             </a:r>
-            <a:endParaRPr lang="en-US" dirty="0"/>
           </a:p>
         </p:txBody>
       </p:sp>
@@ -2305,10 +2275,9 @@
           <a:p>
             <a:pPr lvl="0"/>
             <a:r>
-              <a:rPr lang="en-US" dirty="0" smtClean="0"/>
+              <a:rPr lang="en-US" dirty="0"/>
               <a:t>Click here to add authors</a:t>
             </a:r>
-            <a:endParaRPr lang="en-US" dirty="0"/>
           </a:p>
         </p:txBody>
       </p:sp>
@@ -2370,10 +2339,9 @@
           <a:p>
             <a:pPr lvl="0"/>
             <a:r>
-              <a:rPr lang="en-US" dirty="0" smtClean="0"/>
+              <a:rPr lang="en-US" dirty="0"/>
               <a:t>Click here to add title</a:t>
             </a:r>
-            <a:endParaRPr lang="en-US" dirty="0"/>
           </a:p>
         </p:txBody>
       </p:sp>
@@ -2416,10 +2384,9 @@
           <a:p>
             <a:pPr lvl="0"/>
             <a:r>
-              <a:rPr lang="en-US" dirty="0" smtClean="0"/>
+              <a:rPr lang="en-US" dirty="0"/>
               <a:t>(click to edit)  METHODOLOGY</a:t>
             </a:r>
-            <a:endParaRPr lang="en-US" dirty="0"/>
           </a:p>
         </p:txBody>
       </p:sp>
@@ -2482,10 +2449,9 @@
           <a:p>
             <a:pPr lvl="0"/>
             <a:r>
-              <a:rPr lang="en-US" dirty="0" smtClean="0"/>
+              <a:rPr lang="en-US" dirty="0"/>
               <a:t>Type in or paste your text here</a:t>
             </a:r>
-            <a:endParaRPr lang="en-US" dirty="0"/>
           </a:p>
         </p:txBody>
       </p:sp>
@@ -2499,13 +2465,6 @@
   <p:clrMapOvr>
     <a:masterClrMapping/>
   </p:clrMapOvr>
-  <p:timing>
-    <p:tnLst>
-      <p:par>
-        <p:cTn id="1" dur="indefinite" restart="never" nodeType="tmRoot"/>
-      </p:par>
-    </p:tnLst>
-  </p:timing>
 </p:sldLayout>
 </file>
 
@@ -2755,13 +2714,6 @@
   <p:sldLayoutIdLst>
     <p:sldLayoutId id="2147483659" r:id="rId1"/>
   </p:sldLayoutIdLst>
-  <p:timing>
-    <p:tnLst>
-      <p:par>
-        <p:cTn id="1" dur="indefinite" restart="never" nodeType="tmRoot"/>
-      </p:par>
-    </p:tnLst>
-  </p:timing>
   <p:txStyles>
     <p:titleStyle>
       <a:lvl1pPr algn="ctr" defTabSz="3765366" rtl="0" eaLnBrk="1" latinLnBrk="0" hangingPunct="1">
@@ -3209,13 +3161,6 @@
   <p:sldLayoutIdLst>
     <p:sldLayoutId id="2147483661" r:id="rId1"/>
   </p:sldLayoutIdLst>
-  <p:timing>
-    <p:tnLst>
-      <p:par>
-        <p:cTn id="1" dur="indefinite" restart="never" nodeType="tmRoot"/>
-      </p:par>
-    </p:tnLst>
-  </p:timing>
   <p:txStyles>
     <p:titleStyle>
       <a:lvl1pPr algn="ctr" defTabSz="3765366" rtl="0" eaLnBrk="1" latinLnBrk="0" hangingPunct="1">
@@ -3506,98 +3451,31 @@
         </p:nvSpPr>
         <p:spPr>
           <a:xfrm>
-            <a:off x="1594578" y="6795197"/>
-            <a:ext cx="14448720" cy="6551588"/>
+            <a:off x="1594578" y="7772400"/>
+            <a:ext cx="14448720" cy="3596933"/>
           </a:xfrm>
         </p:spPr>
         <p:txBody>
           <a:bodyPr/>
           <a:lstStyle/>
           <a:p>
-            <a:pPr algn="just"/>
+            <a:pPr marL="571500" indent="-571500" algn="just">
+              <a:buFont typeface="Arial" panose="020B0604020202020204" pitchFamily="34" charset="0"/>
+              <a:buChar char="•"/>
+            </a:pPr>
             <a:r>
               <a:rPr lang="en-US" dirty="0"/>
-              <a:t>In recent years, more and more industrial control systems, which were created before </a:t>
-            </a:r>
-            <a:r>
-              <a:rPr lang="en-US" dirty="0" smtClean="0"/>
-              <a:t>the Internet era, </a:t>
-            </a:r>
+              <a:t>Industrial control systems are connected to the network, and therefore they are venerable to cyber attacks. E.g. Stuxnet targets SCADA systems.  </a:t>
+            </a:r>
+          </a:p>
+          <a:p>
+            <a:pPr marL="571500" indent="-571500" algn="just">
+              <a:buFont typeface="Arial" panose="020B0604020202020204" pitchFamily="34" charset="0"/>
+              <a:buChar char="•"/>
+            </a:pPr>
             <a:r>
               <a:rPr lang="en-US" dirty="0"/>
-              <a:t>are connected to the network. </a:t>
-            </a:r>
-            <a:r>
-              <a:rPr lang="en-US" dirty="0" smtClean="0"/>
-              <a:t>Therefore, to understand, </a:t>
-            </a:r>
-            <a:r>
-              <a:rPr lang="en-US" dirty="0"/>
-              <a:t>analyze and improve the security of </a:t>
-            </a:r>
-            <a:r>
-              <a:rPr lang="en-US" dirty="0" smtClean="0"/>
-              <a:t>such systems in the Internet era is a crucial task. Programmable </a:t>
-            </a:r>
-            <a:r>
-              <a:rPr lang="en-US" dirty="0"/>
-              <a:t>logic controllers (PLCs) are </a:t>
-            </a:r>
-            <a:r>
-              <a:rPr lang="en-US" dirty="0" smtClean="0"/>
-              <a:t>one class of such devices mainly used for controlling </a:t>
-            </a:r>
-            <a:r>
-              <a:rPr lang="en-US" dirty="0"/>
-              <a:t>the industrial </a:t>
-            </a:r>
-            <a:r>
-              <a:rPr lang="en-US" dirty="0" smtClean="0"/>
-              <a:t>processes.</a:t>
-            </a:r>
-            <a:r>
-              <a:rPr lang="en-US" dirty="0"/>
-              <a:t> </a:t>
-            </a:r>
-            <a:r>
-              <a:rPr lang="en-US" dirty="0" smtClean="0"/>
-              <a:t>We </a:t>
-            </a:r>
-            <a:r>
-              <a:rPr lang="en-US" dirty="0"/>
-              <a:t>investigate </a:t>
-            </a:r>
-            <a:r>
-              <a:rPr lang="en-US" dirty="0" smtClean="0"/>
-              <a:t>an attack </a:t>
-            </a:r>
-            <a:r>
-              <a:rPr lang="en-US" dirty="0"/>
-              <a:t>scenario </a:t>
-            </a:r>
-            <a:r>
-              <a:rPr lang="en-US" dirty="0" smtClean="0"/>
-              <a:t>in which </a:t>
-            </a:r>
-            <a:r>
-              <a:rPr lang="en-US" dirty="0"/>
-              <a:t>the malicious adversaries </a:t>
-            </a:r>
-            <a:r>
-              <a:rPr lang="en-US" dirty="0" smtClean="0"/>
-              <a:t>have gained access to PLCs, </a:t>
-            </a:r>
-            <a:r>
-              <a:rPr lang="en-US" dirty="0"/>
-              <a:t>and submit any malicious logic to the PLCs to generate </a:t>
-            </a:r>
-            <a:r>
-              <a:rPr lang="en-US" dirty="0" smtClean="0"/>
-              <a:t>arbitrary </a:t>
-            </a:r>
-            <a:r>
-              <a:rPr lang="en-US" dirty="0"/>
-              <a:t>outputs from the PLCs to further hurt the industrial processes. </a:t>
+              <a:t>Programmable logic controllers (PLCs) are one class of such devices mainly used for controlling the industrial processes. </a:t>
             </a:r>
           </a:p>
         </p:txBody>
@@ -3614,7 +3492,7 @@
         </p:nvSpPr>
         <p:spPr>
           <a:xfrm>
-            <a:off x="2286000" y="5871102"/>
+            <a:off x="1600200" y="6442602"/>
             <a:ext cx="12601108" cy="1081754"/>
           </a:xfrm>
         </p:spPr>
@@ -3624,14 +3502,9 @@
           <a:p>
             <a:pPr algn="l"/>
             <a:r>
-              <a:rPr lang="en-US" sz="6000" dirty="0" smtClean="0"/>
-              <a:t>1. </a:t>
-            </a:r>
-            <a:r>
-              <a:rPr lang="en-US" sz="6000" dirty="0" smtClean="0"/>
-              <a:t>Motivation</a:t>
-            </a:r>
-            <a:endParaRPr lang="en-US" sz="6000" dirty="0"/>
+              <a:rPr lang="en-US" sz="6000" dirty="0"/>
+              <a:t>1. Motivation</a:t>
+            </a:r>
           </a:p>
         </p:txBody>
       </p:sp>
@@ -3647,7 +3520,7 @@
         </p:nvSpPr>
         <p:spPr>
           <a:xfrm>
-            <a:off x="16043298" y="37032119"/>
+            <a:off x="16333287" y="37756130"/>
             <a:ext cx="12571741" cy="1081754"/>
           </a:xfrm>
         </p:spPr>
@@ -3657,14 +3530,9 @@
           <a:p>
             <a:pPr algn="l"/>
             <a:r>
-              <a:rPr lang="en-US" sz="6000" dirty="0" smtClean="0"/>
-              <a:t>4. </a:t>
-            </a:r>
-            <a:r>
-              <a:rPr lang="en-US" sz="6000" dirty="0" smtClean="0"/>
-              <a:t>CONCLUSION</a:t>
-            </a:r>
-            <a:endParaRPr lang="en-US" sz="6000" dirty="0"/>
+              <a:rPr lang="en-US" sz="6000" dirty="0"/>
+              <a:t>7. CONCLUSION</a:t>
+            </a:r>
           </a:p>
         </p:txBody>
       </p:sp>
@@ -3690,10 +3558,9 @@
           <a:p>
             <a:pPr algn="l"/>
             <a:r>
-              <a:rPr lang="en-US" sz="6000" dirty="0" smtClean="0"/>
+              <a:rPr lang="en-US" sz="6000" dirty="0"/>
               <a:t>REFERENCES</a:t>
             </a:r>
-            <a:endParaRPr lang="en-US" sz="6000" dirty="0"/>
           </a:p>
         </p:txBody>
       </p:sp>
@@ -3724,15 +3591,7 @@
             </a:pPr>
             <a:r>
               <a:rPr lang="en-US" sz="2800" dirty="0"/>
-              <a:t>[1</a:t>
-            </a:r>
-            <a:r>
-              <a:rPr lang="en-US" sz="2800" dirty="0" smtClean="0"/>
-              <a:t>] </a:t>
-            </a:r>
-            <a:r>
-              <a:rPr lang="en-US" sz="2800" dirty="0"/>
-              <a:t>Bowers, Kevin D., et al. "</a:t>
+              <a:t>[1] Bowers, Kevin D., et al. "</a:t>
             </a:r>
             <a:r>
               <a:rPr lang="en-US" sz="2800" dirty="0" err="1"/>
@@ -3748,11 +3607,7 @@
             </a:r>
             <a:r>
               <a:rPr lang="en-US" sz="2800" dirty="0"/>
-              <a:t>. Springer, Cham, </a:t>
-            </a:r>
-            <a:r>
-              <a:rPr lang="en-US" sz="2800" dirty="0" smtClean="0"/>
-              <a:t>2014.</a:t>
+              <a:t>. Springer, Cham, 2014.</a:t>
             </a:r>
           </a:p>
         </p:txBody>
@@ -3769,7 +3624,7 @@
         </p:nvSpPr>
         <p:spPr>
           <a:xfrm>
-            <a:off x="1594577" y="20070337"/>
+            <a:off x="1594577" y="24803100"/>
             <a:ext cx="15301308" cy="1081754"/>
           </a:xfrm>
         </p:spPr>
@@ -3780,14 +3635,10 @@
             <a:pPr algn="l"/>
             <a:r>
               <a:rPr lang="en-US" sz="6000" dirty="0"/>
-              <a:t>3</a:t>
-            </a:r>
-            <a:r>
-              <a:rPr lang="en-US" sz="6000" dirty="0" smtClean="0"/>
-              <a:t>. </a:t>
-            </a:r>
-            <a:r>
-              <a:rPr lang="en-US" sz="6000" dirty="0" err="1" smtClean="0"/>
+              <a:t>3. </a:t>
+            </a:r>
+            <a:r>
+              <a:rPr lang="en-US" sz="6000" dirty="0" err="1"/>
               <a:t>SnapShotter</a:t>
             </a:r>
             <a:endParaRPr lang="en-US" sz="6000" dirty="0"/>
@@ -3806,57 +3657,33 @@
         </p:nvSpPr>
         <p:spPr>
           <a:xfrm>
-            <a:off x="1505996" y="21109776"/>
-            <a:ext cx="13586559" cy="9506243"/>
+            <a:off x="1505996" y="26289000"/>
+            <a:ext cx="13586559" cy="6305366"/>
           </a:xfrm>
         </p:spPr>
         <p:txBody>
           <a:bodyPr/>
           <a:lstStyle/>
           <a:p>
-            <a:pPr algn="just"/>
-            <a:r>
-              <a:rPr lang="en-US" dirty="0"/>
-              <a:t>Our defense mechanism can be summarized in security related information gathering and secure logging, sending the logs to a server for the purpose of analysis, incident identification and taking effective actions by the server to foil such </a:t>
-            </a:r>
-            <a:r>
-              <a:rPr lang="en-US" dirty="0" smtClean="0"/>
-              <a:t>incidents:</a:t>
-            </a:r>
-            <a:endParaRPr lang="en-US" dirty="0"/>
-          </a:p>
-          <a:p>
             <a:pPr marL="742950" indent="-742950" algn="just">
               <a:buFont typeface="Arial" panose="020B0604020202020204" pitchFamily="34" charset="0"/>
               <a:buChar char="•"/>
             </a:pPr>
             <a:r>
-              <a:rPr lang="en-US" dirty="0" smtClean="0"/>
-              <a:t>Each PLC device </a:t>
-            </a:r>
-            <a:r>
               <a:rPr lang="en-US" dirty="0"/>
-              <a:t>is required to run a light weight </a:t>
-            </a:r>
-            <a:r>
-              <a:rPr lang="en-US" i="1" dirty="0" err="1" smtClean="0"/>
+              <a:t>Each PLC device is required to run a light weight </a:t>
+            </a:r>
+            <a:r>
+              <a:rPr lang="en-US" i="1" dirty="0" err="1"/>
               <a:t>SnapShotter</a:t>
             </a:r>
             <a:r>
-              <a:rPr lang="en-US" i="1" dirty="0" smtClean="0"/>
-              <a:t> </a:t>
-            </a:r>
-            <a:r>
               <a:rPr lang="en-US" i="1" dirty="0"/>
-              <a:t>agent that</a:t>
+              <a:t> agent that</a:t>
             </a:r>
             <a:r>
               <a:rPr lang="en-US" dirty="0"/>
-              <a:t> periodically reports the device status back to the </a:t>
-            </a:r>
-            <a:r>
-              <a:rPr lang="en-US" dirty="0" smtClean="0"/>
-              <a:t>server</a:t>
+              <a:t> periodically reports the device status back to the server</a:t>
             </a:r>
           </a:p>
           <a:p>
@@ -3865,20 +3692,8 @@
               <a:buChar char="•"/>
             </a:pPr>
             <a:r>
-              <a:rPr lang="en-US" dirty="0" smtClean="0"/>
-              <a:t>The </a:t>
-            </a:r>
-            <a:r>
               <a:rPr lang="en-US" dirty="0"/>
-              <a:t>server verifies </a:t>
-            </a:r>
-            <a:r>
-              <a:rPr lang="en-US" dirty="0" smtClean="0"/>
-              <a:t>the received </a:t>
-            </a:r>
-            <a:r>
-              <a:rPr lang="en-US" dirty="0" smtClean="0"/>
-              <a:t>log and the operation integrity</a:t>
+              <a:t>The server verifies the received log and the operation integrity</a:t>
             </a:r>
           </a:p>
           <a:p>
@@ -3887,7 +3702,7 @@
               <a:buChar char="•"/>
             </a:pPr>
             <a:r>
-              <a:rPr lang="en-US" dirty="0" smtClean="0"/>
+              <a:rPr lang="en-US" dirty="0"/>
               <a:t>If the received log is tampered or the operation is not valid, the server raises an alarm</a:t>
             </a:r>
           </a:p>
@@ -3897,18 +3712,9 @@
               <a:buChar char="•"/>
             </a:pPr>
             <a:r>
-              <a:rPr lang="en-US" dirty="0" smtClean="0"/>
-              <a:t>In case of an </a:t>
-            </a:r>
-            <a:r>
-              <a:rPr lang="en-US" dirty="0" smtClean="0"/>
-              <a:t>intrusion</a:t>
-            </a:r>
-            <a:r>
-              <a:rPr lang="en-US" dirty="0" smtClean="0"/>
-              <a:t>, the PLC device will be reset to a safe/clean state by the server</a:t>
-            </a:r>
-            <a:endParaRPr lang="en-US" dirty="0"/>
+              <a:rPr lang="en-US" dirty="0"/>
+              <a:t>In case of an intrusion, the PLC device will be reset to a safe/clean state by the server</a:t>
+            </a:r>
           </a:p>
         </p:txBody>
       </p:sp>
@@ -3935,18 +3741,9 @@
           <a:lstStyle/>
           <a:p>
             <a:r>
-              <a:rPr lang="en-US" sz="4800" dirty="0" smtClean="0"/>
-              <a:t>University </a:t>
-            </a:r>
-            <a:r>
               <a:rPr lang="en-US" sz="4800" dirty="0"/>
-              <a:t>of </a:t>
-            </a:r>
-            <a:r>
-              <a:rPr lang="en-US" sz="4800" dirty="0" smtClean="0"/>
-              <a:t>Connecticut</a:t>
-            </a:r>
-            <a:endParaRPr lang="en-US" sz="4800" dirty="0"/>
+              <a:t>University of Connecticut</a:t>
+            </a:r>
           </a:p>
           <a:p>
             <a:endParaRPr lang="en-US" sz="4800" dirty="0"/>
@@ -3976,43 +3773,39 @@
           <a:lstStyle/>
           <a:p>
             <a:r>
-              <a:rPr lang="en-US" dirty="0" err="1" smtClean="0"/>
+              <a:rPr lang="en-US" dirty="0" err="1"/>
               <a:t>Chenglu</a:t>
             </a:r>
             <a:r>
-              <a:rPr lang="en-US" dirty="0" smtClean="0"/>
+              <a:rPr lang="en-US" dirty="0"/>
               <a:t> </a:t>
             </a:r>
             <a:r>
-              <a:rPr lang="en-US" dirty="0" err="1" smtClean="0"/>
+              <a:rPr lang="en-US" dirty="0" err="1"/>
               <a:t>Jin</a:t>
             </a:r>
             <a:r>
-              <a:rPr lang="en-US" dirty="0" smtClean="0"/>
+              <a:rPr lang="en-US" dirty="0"/>
               <a:t>, Saeed </a:t>
             </a:r>
             <a:r>
-              <a:rPr lang="en-US" dirty="0" err="1" smtClean="0"/>
+              <a:rPr lang="en-US" dirty="0" err="1"/>
               <a:t>Valizadeh</a:t>
             </a:r>
             <a:r>
-              <a:rPr lang="en-US" dirty="0" smtClean="0"/>
+              <a:rPr lang="en-US" dirty="0"/>
               <a:t>, Mason </a:t>
             </a:r>
             <a:r>
-              <a:rPr lang="en-US" dirty="0" err="1" smtClean="0"/>
+              <a:rPr lang="en-US" dirty="0" err="1"/>
               <a:t>Ginter</a:t>
             </a:r>
             <a:r>
-              <a:rPr lang="en-US" dirty="0" smtClean="0"/>
-              <a:t>, and Marten </a:t>
-            </a:r>
-            <a:r>
               <a:rPr lang="en-US" dirty="0"/>
-              <a:t>van </a:t>
-            </a:r>
-            <a:r>
-              <a:rPr lang="en-US" dirty="0" err="1" smtClean="0"/>
+              <a:t>, and Marten van </a:t>
+            </a:r>
+            <a:r>
+              <a:rPr lang="en-US" dirty="0" err="1"/>
               <a:t>Dijk</a:t>
             </a:r>
             <a:endParaRPr lang="en-US" dirty="0"/>
@@ -4042,14 +3835,13 @@
           <a:lstStyle/>
           <a:p>
             <a:r>
-              <a:rPr lang="en-US" sz="7600" dirty="0" err="1" smtClean="0"/>
+              <a:rPr lang="en-US" sz="7600" dirty="0" err="1"/>
               <a:t>SnapShotter</a:t>
             </a:r>
             <a:r>
-              <a:rPr lang="en-US" sz="7600" dirty="0" smtClean="0"/>
+              <a:rPr lang="en-US" sz="7600" dirty="0"/>
               <a:t>: A lightweight Intrusion Detection for PLCs</a:t>
             </a:r>
-            <a:endParaRPr lang="en-US" sz="7600" dirty="0"/>
           </a:p>
         </p:txBody>
       </p:sp>
@@ -4282,7 +4074,7 @@
         </p:nvSpPr>
         <p:spPr>
           <a:xfrm>
-            <a:off x="15954716" y="37989242"/>
+            <a:off x="16244705" y="38713253"/>
             <a:ext cx="15758342" cy="2242716"/>
           </a:xfrm>
         </p:spPr>
@@ -4292,32 +4084,8 @@
           <a:p>
             <a:pPr algn="just"/>
             <a:r>
-              <a:rPr lang="en-US" dirty="0" smtClean="0"/>
-              <a:t>We </a:t>
-            </a:r>
-            <a:r>
               <a:rPr lang="en-US" dirty="0"/>
-              <a:t>have implemented a </a:t>
-            </a:r>
-            <a:r>
-              <a:rPr lang="en-US" dirty="0" smtClean="0"/>
-              <a:t>lightweight intrusion detection system to secure PLC </a:t>
-            </a:r>
-            <a:r>
-              <a:rPr lang="en-US" dirty="0"/>
-              <a:t>systems </a:t>
-            </a:r>
-            <a:r>
-              <a:rPr lang="en-US" dirty="0" smtClean="0"/>
-              <a:t>by </a:t>
-            </a:r>
-            <a:r>
-              <a:rPr lang="en-US" dirty="0"/>
-              <a:t>using simple and practical </a:t>
-            </a:r>
-            <a:r>
-              <a:rPr lang="en-US" dirty="0" smtClean="0"/>
-              <a:t>techniques such as </a:t>
+              <a:t>We have implemented a lightweight intrusion detection system to secure PLC systems by using simple and practical techniques such as </a:t>
             </a:r>
             <a:r>
               <a:rPr lang="en-US" dirty="0" err="1"/>
@@ -4325,13 +4093,9 @@
             </a:r>
             <a:r>
               <a:rPr lang="en-US" dirty="0"/>
-              <a:t> </a:t>
-            </a:r>
-            <a:r>
-              <a:rPr lang="en-US" dirty="0" smtClean="0"/>
-              <a:t>[1] .</a:t>
-            </a:r>
-            <a:endParaRPr lang="en-US" sz="3600" b="1" dirty="0" smtClean="0"/>
+              <a:t> [1] .</a:t>
+            </a:r>
+            <a:endParaRPr lang="en-US" sz="3600" b="1" dirty="0"/>
           </a:p>
         </p:txBody>
       </p:sp>
@@ -4381,7 +4145,7 @@
         </p:blipFill>
         <p:spPr>
           <a:xfrm>
-            <a:off x="29917944" y="200217"/>
+            <a:off x="29917944" y="535578"/>
             <a:ext cx="1883696" cy="3693522"/>
           </a:xfrm>
           <a:prstGeom prst="rect">
@@ -4389,15 +4153,491 @@
           </a:prstGeom>
         </p:spPr>
       </p:pic>
+      <p:sp>
+        <p:nvSpPr>
+          <p:cNvPr id="27" name="Text Placeholder 1"/>
+          <p:cNvSpPr>
+            <a:spLocks noGrp="1"/>
+          </p:cNvSpPr>
+          <p:nvPr>
+            <p:ph type="body" sz="quarter" idx="10"/>
+          </p:nvPr>
+        </p:nvSpPr>
+        <p:spPr>
+          <a:xfrm>
+            <a:off x="1505996" y="12687300"/>
+            <a:ext cx="14448720" cy="11845344"/>
+          </a:xfrm>
+        </p:spPr>
+        <p:txBody>
+          <a:bodyPr/>
+          <a:lstStyle/>
+          <a:p>
+            <a:pPr algn="just"/>
+            <a:r>
+              <a:rPr lang="en-US" dirty="0">
+                <a:solidFill>
+                  <a:srgbClr val="FF0000"/>
+                </a:solidFill>
+              </a:rPr>
+              <a:t>Attack Scenario: </a:t>
+            </a:r>
+          </a:p>
+          <a:p>
+            <a:pPr algn="just"/>
+            <a:r>
+              <a:rPr lang="en-US" dirty="0"/>
+              <a:t>        Malicious adversaries have gained access to PLCs, and submitted any malicious logic to the PLCs to generate arbitrary outputs from the PLCs to further hurt the industrial processes. </a:t>
+            </a:r>
+          </a:p>
+          <a:p>
+            <a:pPr algn="just"/>
+            <a:endParaRPr lang="en-US" dirty="0"/>
+          </a:p>
+          <a:p>
+            <a:pPr algn="just"/>
+            <a:r>
+              <a:rPr lang="en-US" dirty="0">
+                <a:solidFill>
+                  <a:srgbClr val="00B050"/>
+                </a:solidFill>
+              </a:rPr>
+              <a:t>Our Solution:</a:t>
+            </a:r>
+          </a:p>
+          <a:p>
+            <a:pPr marL="571500" indent="-571500" algn="just">
+              <a:buFont typeface="Arial" panose="020B0604020202020204" pitchFamily="34" charset="0"/>
+              <a:buChar char="•"/>
+            </a:pPr>
+            <a:r>
+              <a:rPr lang="en-US" dirty="0">
+                <a:solidFill>
+                  <a:srgbClr val="00B050"/>
+                </a:solidFill>
+              </a:rPr>
+              <a:t>Stealthy logging mechanism, called </a:t>
+            </a:r>
+            <a:r>
+              <a:rPr lang="en-US" dirty="0" err="1">
+                <a:solidFill>
+                  <a:srgbClr val="00B050"/>
+                </a:solidFill>
+              </a:rPr>
+              <a:t>SnapShotter</a:t>
+            </a:r>
+            <a:r>
+              <a:rPr lang="en-US" dirty="0">
+                <a:solidFill>
+                  <a:srgbClr val="00B050"/>
+                </a:solidFill>
+              </a:rPr>
+              <a:t> Agent.</a:t>
+            </a:r>
+          </a:p>
+          <a:p>
+            <a:pPr marL="571500" indent="-571500" algn="just">
+              <a:buFont typeface="Arial" panose="020B0604020202020204" pitchFamily="34" charset="0"/>
+              <a:buChar char="•"/>
+            </a:pPr>
+            <a:r>
+              <a:rPr lang="en-US" dirty="0"/>
+              <a:t>The status of each PLC is logged and sent to a central monitoring server in a </a:t>
+            </a:r>
+            <a:r>
+              <a:rPr lang="en-US" b="1" dirty="0"/>
+              <a:t>secure</a:t>
+            </a:r>
+            <a:r>
+              <a:rPr lang="en-US" dirty="0"/>
+              <a:t> and </a:t>
+            </a:r>
+            <a:r>
+              <a:rPr lang="en-US" b="1" dirty="0"/>
+              <a:t>stealthy</a:t>
+            </a:r>
+            <a:r>
+              <a:rPr lang="en-US" dirty="0"/>
+              <a:t> way </a:t>
+            </a:r>
+            <a:r>
+              <a:rPr lang="en-US" b="1" dirty="0"/>
+              <a:t>periodically</a:t>
+            </a:r>
+            <a:r>
+              <a:rPr lang="en-US" dirty="0"/>
+              <a:t>. </a:t>
+            </a:r>
+          </a:p>
+          <a:p>
+            <a:pPr marL="571500" indent="-571500" algn="just">
+              <a:buFont typeface="Arial" panose="020B0604020202020204" pitchFamily="34" charset="0"/>
+              <a:buChar char="•"/>
+            </a:pPr>
+            <a:r>
+              <a:rPr lang="en-US" dirty="0"/>
+              <a:t>The integrity of the logs can be verified by the server. </a:t>
+            </a:r>
+          </a:p>
+          <a:p>
+            <a:pPr marL="571500" indent="-571500" algn="just">
+              <a:buFont typeface="Arial" panose="020B0604020202020204" pitchFamily="34" charset="0"/>
+              <a:buChar char="•"/>
+            </a:pPr>
+            <a:r>
+              <a:rPr lang="en-US" dirty="0"/>
+              <a:t>The adversary is not able to infer whether he gets caught or not. </a:t>
+            </a:r>
+          </a:p>
+          <a:p>
+            <a:pPr marL="571500" indent="-571500" algn="just">
+              <a:buFont typeface="Arial" panose="020B0604020202020204" pitchFamily="34" charset="0"/>
+              <a:buChar char="•"/>
+            </a:pPr>
+            <a:r>
+              <a:rPr lang="en-US" dirty="0"/>
+              <a:t>If an intrusion is detected, the server will restart the infected PLCs with a known clean state. This will carry on the normal operation of the industrial processes.`</a:t>
+            </a:r>
+          </a:p>
+        </p:txBody>
+      </p:sp>
+      <p:sp>
+        <p:nvSpPr>
+          <p:cNvPr id="28" name="Text Placeholder 2"/>
+          <p:cNvSpPr>
+            <a:spLocks noGrp="1"/>
+          </p:cNvSpPr>
+          <p:nvPr>
+            <p:ph type="body" sz="quarter" idx="11"/>
+          </p:nvPr>
+        </p:nvSpPr>
+        <p:spPr>
+          <a:xfrm>
+            <a:off x="1594578" y="11491246"/>
+            <a:ext cx="12601108" cy="1081754"/>
+          </a:xfrm>
+        </p:spPr>
+        <p:txBody>
+          <a:bodyPr/>
+          <a:lstStyle/>
+          <a:p>
+            <a:pPr algn="l"/>
+            <a:r>
+              <a:rPr lang="en-US" sz="6000" dirty="0"/>
+              <a:t>2. Proposal</a:t>
+            </a:r>
+          </a:p>
+        </p:txBody>
+      </p:sp>
+      <p:sp>
+        <p:nvSpPr>
+          <p:cNvPr id="29" name="Text Placeholder 4"/>
+          <p:cNvSpPr>
+            <a:spLocks noGrp="1"/>
+          </p:cNvSpPr>
+          <p:nvPr>
+            <p:ph type="body" sz="quarter" idx="25"/>
+          </p:nvPr>
+        </p:nvSpPr>
+        <p:spPr>
+          <a:xfrm>
+            <a:off x="16459200" y="32804100"/>
+            <a:ext cx="12571741" cy="1081754"/>
+          </a:xfrm>
+        </p:spPr>
+        <p:txBody>
+          <a:bodyPr/>
+          <a:lstStyle/>
+          <a:p>
+            <a:pPr algn="l"/>
+            <a:r>
+              <a:rPr lang="en-US" sz="6000" dirty="0"/>
+              <a:t>6. Performance Overhead</a:t>
+            </a:r>
+          </a:p>
+        </p:txBody>
+      </p:sp>
+      <p:pic>
+        <p:nvPicPr>
+          <p:cNvPr id="10" name="Picture 9"/>
+          <p:cNvPicPr>
+            <a:picLocks noChangeAspect="1"/>
+          </p:cNvPicPr>
+          <p:nvPr/>
+        </p:nvPicPr>
+        <p:blipFill>
+          <a:blip r:embed="rId4">
+            <a:extLst>
+              <a:ext uri="{28A0092B-C50C-407E-A947-70E740481C1C}">
+                <a14:useLocalDpi xmlns:a14="http://schemas.microsoft.com/office/drawing/2010/main" val="0"/>
+              </a:ext>
+            </a:extLst>
+          </a:blip>
+          <a:stretch>
+            <a:fillRect/>
+          </a:stretch>
+        </p:blipFill>
+        <p:spPr>
+          <a:xfrm>
+            <a:off x="16421100" y="21514215"/>
+            <a:ext cx="14575976" cy="5003385"/>
+          </a:xfrm>
+          <a:prstGeom prst="rect">
+            <a:avLst/>
+          </a:prstGeom>
+        </p:spPr>
+      </p:pic>
+      <p:sp>
+        <p:nvSpPr>
+          <p:cNvPr id="32" name="Text Placeholder 4"/>
+          <p:cNvSpPr>
+            <a:spLocks noGrp="1"/>
+          </p:cNvSpPr>
+          <p:nvPr>
+            <p:ph type="body" sz="quarter" idx="25"/>
+          </p:nvPr>
+        </p:nvSpPr>
+        <p:spPr>
+          <a:xfrm>
+            <a:off x="16462232" y="18173700"/>
+            <a:ext cx="12571741" cy="1081754"/>
+          </a:xfrm>
+        </p:spPr>
+        <p:txBody>
+          <a:bodyPr/>
+          <a:lstStyle/>
+          <a:p>
+            <a:pPr algn="l"/>
+            <a:r>
+              <a:rPr lang="en-US" sz="6000" dirty="0"/>
+              <a:t>5. Security Guarantees </a:t>
+            </a:r>
+          </a:p>
+        </p:txBody>
+      </p:sp>
+      <p:sp>
+        <p:nvSpPr>
+          <p:cNvPr id="33" name="Text Placeholder 15"/>
+          <p:cNvSpPr>
+            <a:spLocks noGrp="1"/>
+          </p:cNvSpPr>
+          <p:nvPr>
+            <p:ph type="body" sz="quarter" idx="155"/>
+          </p:nvPr>
+        </p:nvSpPr>
+        <p:spPr>
+          <a:xfrm>
+            <a:off x="16687800" y="19202400"/>
+            <a:ext cx="13586559" cy="13568893"/>
+          </a:xfrm>
+        </p:spPr>
+        <p:txBody>
+          <a:bodyPr/>
+          <a:lstStyle/>
+          <a:p>
+            <a:pPr algn="just"/>
+            <a:r>
+              <a:rPr lang="en-US" b="1" dirty="0">
+                <a:solidFill>
+                  <a:schemeClr val="accent1">
+                    <a:lumMod val="75000"/>
+                  </a:schemeClr>
+                </a:solidFill>
+              </a:rPr>
+              <a:t>Assumption</a:t>
+            </a:r>
+            <a:r>
+              <a:rPr lang="en-US" dirty="0"/>
+              <a:t>: there exists a time window between the starting point of compromise and the moment that the logging mechanism gets compromised.  </a:t>
+            </a:r>
+          </a:p>
+          <a:p>
+            <a:pPr marL="742950" indent="-742950" algn="just">
+              <a:buFont typeface="Arial" panose="020B0604020202020204" pitchFamily="34" charset="0"/>
+              <a:buChar char="•"/>
+            </a:pPr>
+            <a:endParaRPr lang="en-US" dirty="0"/>
+          </a:p>
+          <a:p>
+            <a:pPr marL="742950" indent="-742950" algn="just">
+              <a:buFont typeface="Arial" panose="020B0604020202020204" pitchFamily="34" charset="0"/>
+              <a:buChar char="•"/>
+            </a:pPr>
+            <a:endParaRPr lang="en-US" dirty="0"/>
+          </a:p>
+          <a:p>
+            <a:pPr marL="742950" indent="-742950" algn="just">
+              <a:buFont typeface="Arial" panose="020B0604020202020204" pitchFamily="34" charset="0"/>
+              <a:buChar char="•"/>
+            </a:pPr>
+            <a:endParaRPr lang="en-US" dirty="0"/>
+          </a:p>
+          <a:p>
+            <a:pPr marL="742950" indent="-742950" algn="just">
+              <a:buFont typeface="Arial" panose="020B0604020202020204" pitchFamily="34" charset="0"/>
+              <a:buChar char="•"/>
+            </a:pPr>
+            <a:endParaRPr lang="en-US" dirty="0"/>
+          </a:p>
+          <a:p>
+            <a:pPr marL="742950" indent="-742950" algn="just">
+              <a:buFont typeface="Arial" panose="020B0604020202020204" pitchFamily="34" charset="0"/>
+              <a:buChar char="•"/>
+            </a:pPr>
+            <a:endParaRPr lang="en-US" dirty="0"/>
+          </a:p>
+          <a:p>
+            <a:pPr marL="742950" indent="-742950" algn="just">
+              <a:buFont typeface="Arial" panose="020B0604020202020204" pitchFamily="34" charset="0"/>
+              <a:buChar char="•"/>
+            </a:pPr>
+            <a:endParaRPr lang="en-US" dirty="0"/>
+          </a:p>
+          <a:p>
+            <a:pPr algn="just"/>
+            <a:endParaRPr lang="en-US" dirty="0"/>
+          </a:p>
+          <a:p>
+            <a:pPr marL="742950" indent="-742950" algn="just">
+              <a:buFont typeface="Arial" panose="020B0604020202020204" pitchFamily="34" charset="0"/>
+              <a:buChar char="•"/>
+            </a:pPr>
+            <a:endParaRPr lang="en-US" dirty="0"/>
+          </a:p>
+          <a:p>
+            <a:pPr marL="742950" indent="-742950" algn="just">
+              <a:buFont typeface="Arial" panose="020B0604020202020204" pitchFamily="34" charset="0"/>
+              <a:buChar char="•"/>
+            </a:pPr>
+            <a:r>
+              <a:rPr lang="en-US" dirty="0"/>
+              <a:t>Obfuscated log of all events (normal or malicious) with forward secure key generation</a:t>
+            </a:r>
+          </a:p>
+          <a:p>
+            <a:pPr marL="742950" indent="-742950" algn="just">
+              <a:buFont typeface="Arial" panose="020B0604020202020204" pitchFamily="34" charset="0"/>
+              <a:buChar char="•"/>
+            </a:pPr>
+            <a:r>
+              <a:rPr lang="en-US" dirty="0"/>
+              <a:t>Integrity of the logs can be verified</a:t>
+            </a:r>
+          </a:p>
+          <a:p>
+            <a:pPr marL="742950" indent="-742950" algn="just">
+              <a:buFont typeface="Arial" panose="020B0604020202020204" pitchFamily="34" charset="0"/>
+              <a:buChar char="•"/>
+            </a:pPr>
+            <a:r>
+              <a:rPr lang="en-US" dirty="0"/>
+              <a:t>Hiding from an attacker with access to the device whether the log reports detection of malicious behavior.</a:t>
+            </a:r>
+          </a:p>
+          <a:p>
+            <a:pPr marL="742950" indent="-742950" algn="just">
+              <a:buFont typeface="Arial" panose="020B0604020202020204" pitchFamily="34" charset="0"/>
+              <a:buChar char="•"/>
+            </a:pPr>
+            <a:r>
+              <a:rPr lang="en-US" dirty="0"/>
+              <a:t>The communication cannot be blocked, since the log is reported back at pre-defined time intervals. </a:t>
+            </a:r>
+          </a:p>
+        </p:txBody>
+      </p:sp>
+      <p:sp>
+        <p:nvSpPr>
+          <p:cNvPr id="34" name="Text Placeholder 15"/>
+          <p:cNvSpPr>
+            <a:spLocks noGrp="1"/>
+          </p:cNvSpPr>
+          <p:nvPr>
+            <p:ph type="body" sz="quarter" idx="155"/>
+          </p:nvPr>
+        </p:nvSpPr>
+        <p:spPr>
+          <a:xfrm>
+            <a:off x="15915076" y="34290000"/>
+            <a:ext cx="15758342" cy="2981379"/>
+          </a:xfrm>
+        </p:spPr>
+        <p:txBody>
+          <a:bodyPr/>
+          <a:lstStyle/>
+          <a:p>
+            <a:pPr marL="571500" indent="-571500" algn="just">
+              <a:buFont typeface="Arial" panose="020B0604020202020204" pitchFamily="34" charset="0"/>
+              <a:buChar char="•"/>
+            </a:pPr>
+            <a:r>
+              <a:rPr lang="en-US" dirty="0"/>
+              <a:t>The measurement is done when the PLC is running simple HelloWorld logic. </a:t>
+            </a:r>
+          </a:p>
+          <a:p>
+            <a:pPr marL="571500" indent="-571500" algn="just">
+              <a:buFont typeface="Arial" panose="020B0604020202020204" pitchFamily="34" charset="0"/>
+              <a:buChar char="•"/>
+            </a:pPr>
+            <a:r>
+              <a:rPr lang="en-US" dirty="0"/>
+              <a:t>The average execution time of one scan cycle increases by 21.6%, comparing with the original </a:t>
+            </a:r>
+            <a:r>
+              <a:rPr lang="en-US" dirty="0" err="1"/>
+              <a:t>OpenPLC</a:t>
+            </a:r>
+            <a:r>
+              <a:rPr lang="en-US" dirty="0"/>
+              <a:t> design. </a:t>
+            </a:r>
+          </a:p>
+        </p:txBody>
+      </p:sp>
+      <p:sp>
+        <p:nvSpPr>
+          <p:cNvPr id="36" name="Text Placeholder 14"/>
+          <p:cNvSpPr>
+            <a:spLocks noGrp="1"/>
+          </p:cNvSpPr>
+          <p:nvPr>
+            <p:ph type="body" sz="quarter" idx="154"/>
+          </p:nvPr>
+        </p:nvSpPr>
+        <p:spPr>
+          <a:xfrm>
+            <a:off x="16500332" y="5965006"/>
+            <a:ext cx="15301308" cy="1081754"/>
+          </a:xfrm>
+        </p:spPr>
+        <p:txBody>
+          <a:bodyPr/>
+          <a:lstStyle/>
+          <a:p>
+            <a:pPr algn="l"/>
+            <a:r>
+              <a:rPr lang="en-US" sz="6000" dirty="0"/>
+              <a:t>4. Agents and logging mechanism</a:t>
+            </a:r>
+          </a:p>
+        </p:txBody>
+      </p:sp>
       <p:grpSp>
         <p:nvGrpSpPr>
-          <p:cNvPr id="9" name="Group 8"/>
+          <p:cNvPr id="35" name="Group 34">
+            <a:extLst>
+              <a:ext uri="{FF2B5EF4-FFF2-40B4-BE49-F238E27FC236}">
+                <a16:creationId xmlns:a16="http://schemas.microsoft.com/office/drawing/2014/main" id="{280E40FD-117C-4375-AAF8-07E36BCE65B1}"/>
+              </a:ext>
+            </a:extLst>
+          </p:cNvPr>
           <p:cNvGrpSpPr/>
           <p:nvPr/>
         </p:nvGrpSpPr>
         <p:grpSpPr>
           <a:xfrm>
-            <a:off x="16734720" y="6001407"/>
+            <a:off x="952009" y="33032700"/>
             <a:ext cx="14735235" cy="6010730"/>
             <a:chOff x="16718391" y="6649752"/>
             <a:chExt cx="14735235" cy="6010730"/>
@@ -4405,14 +4645,20 @@
         </p:grpSpPr>
         <p:pic>
           <p:nvPicPr>
-            <p:cNvPr id="21" name="Picture 20"/>
+            <p:cNvPr id="38" name="Picture 37">
+              <a:extLst>
+                <a:ext uri="{FF2B5EF4-FFF2-40B4-BE49-F238E27FC236}">
+                  <a16:creationId xmlns:a16="http://schemas.microsoft.com/office/drawing/2014/main" id="{B8DD9E71-B261-44EB-9813-3BAF85D5B905}"/>
+                </a:ext>
+              </a:extLst>
+            </p:cNvPr>
             <p:cNvPicPr>
               <a:picLocks noChangeAspect="1"/>
             </p:cNvPicPr>
             <p:nvPr/>
           </p:nvPicPr>
           <p:blipFill>
-            <a:blip r:embed="rId4"/>
+            <a:blip r:embed="rId5"/>
             <a:stretch>
               <a:fillRect/>
             </a:stretch>
@@ -4437,7 +4683,13 @@
         </p:pic>
         <p:grpSp>
           <p:nvGrpSpPr>
-            <p:cNvPr id="98" name="Group 97"/>
+            <p:cNvPr id="39" name="Group 38">
+              <a:extLst>
+                <a:ext uri="{FF2B5EF4-FFF2-40B4-BE49-F238E27FC236}">
+                  <a16:creationId xmlns:a16="http://schemas.microsoft.com/office/drawing/2014/main" id="{1B03B169-3F06-456A-9E5A-E19D0EA07AD1}"/>
+                </a:ext>
+              </a:extLst>
+            </p:cNvPr>
             <p:cNvGrpSpPr/>
             <p:nvPr/>
           </p:nvGrpSpPr>
@@ -4451,7 +4703,13 @@
           </p:grpSpPr>
           <p:sp>
             <p:nvSpPr>
-              <p:cNvPr id="99" name="Left-Right Arrow 98"/>
+              <p:cNvPr id="40" name="Left-Right Arrow 98">
+                <a:extLst>
+                  <a:ext uri="{FF2B5EF4-FFF2-40B4-BE49-F238E27FC236}">
+                    <a16:creationId xmlns:a16="http://schemas.microsoft.com/office/drawing/2014/main" id="{96C88B3F-5A59-4FD1-BA35-B6E53944C1AC}"/>
+                  </a:ext>
+                </a:extLst>
+              </p:cNvPr>
               <p:cNvSpPr/>
               <p:nvPr/>
             </p:nvSpPr>
@@ -4496,7 +4754,7 @@
                   <a:tabLst/>
                   <a:defRPr/>
                 </a:pPr>
-                <a:endParaRPr kumimoji="0" lang="en-US" sz="1800" b="0" i="0" u="none" strike="noStrike" kern="0" cap="none" spc="0" normalizeH="0" baseline="0" noProof="0" smtClean="0">
+                <a:endParaRPr kumimoji="0" lang="en-US" sz="1800" b="0" i="0" u="none" strike="noStrike" kern="0" cap="none" spc="0" normalizeH="0" baseline="0" noProof="0">
                   <a:ln>
                     <a:noFill/>
                   </a:ln>
@@ -4515,14 +4773,20 @@
           </p:sp>
           <p:pic>
             <p:nvPicPr>
-              <p:cNvPr id="100" name="Picture 99"/>
+              <p:cNvPr id="41" name="Picture 40">
+                <a:extLst>
+                  <a:ext uri="{FF2B5EF4-FFF2-40B4-BE49-F238E27FC236}">
+                    <a16:creationId xmlns:a16="http://schemas.microsoft.com/office/drawing/2014/main" id="{95BDE0FC-B9D5-4FED-8A47-14D40A7806E7}"/>
+                  </a:ext>
+                </a:extLst>
+              </p:cNvPr>
               <p:cNvPicPr>
                 <a:picLocks noChangeAspect="1"/>
               </p:cNvPicPr>
               <p:nvPr/>
             </p:nvPicPr>
             <p:blipFill>
-              <a:blip r:embed="rId5"/>
+              <a:blip r:embed="rId6"/>
               <a:stretch>
                 <a:fillRect/>
               </a:stretch>
@@ -4546,7 +4810,13 @@
           </p:pic>
           <p:sp>
             <p:nvSpPr>
-              <p:cNvPr id="102" name="Rectangle 101"/>
+              <p:cNvPr id="42" name="Rectangle 41">
+                <a:extLst>
+                  <a:ext uri="{FF2B5EF4-FFF2-40B4-BE49-F238E27FC236}">
+                    <a16:creationId xmlns:a16="http://schemas.microsoft.com/office/drawing/2014/main" id="{EDE9FC2C-65EC-42E3-8EFE-5EE42D49D2D7}"/>
+                  </a:ext>
+                </a:extLst>
+              </p:cNvPr>
               <p:cNvSpPr/>
               <p:nvPr/>
             </p:nvSpPr>
@@ -4592,7 +4862,7 @@
                   <a:defRPr/>
                 </a:pPr>
                 <a:r>
-                  <a:rPr kumimoji="0" lang="en-US" sz="5400" b="0" i="0" u="none" strike="noStrike" kern="0" cap="none" spc="0" normalizeH="0" baseline="0" noProof="0" dirty="0" err="1" smtClean="0">
+                  <a:rPr kumimoji="0" lang="en-US" sz="5400" b="0" i="0" u="none" strike="noStrike" kern="0" cap="none" spc="0" normalizeH="0" baseline="0" noProof="0" dirty="0" err="1">
                     <a:ln>
                       <a:noFill/>
                     </a:ln>
@@ -4609,7 +4879,7 @@
                   <a:t>SnapShotter</a:t>
                 </a:r>
                 <a:r>
-                  <a:rPr kumimoji="0" lang="en-US" sz="5400" b="0" i="0" u="none" strike="noStrike" kern="0" cap="none" spc="0" normalizeH="0" baseline="0" noProof="0" dirty="0" smtClean="0">
+                  <a:rPr kumimoji="0" lang="en-US" sz="5400" b="0" i="0" u="none" strike="noStrike" kern="0" cap="none" spc="0" normalizeH="0" baseline="0" noProof="0" dirty="0">
                     <a:ln>
                       <a:noFill/>
                     </a:ln>
@@ -4630,7 +4900,13 @@
           </p:sp>
           <p:sp>
             <p:nvSpPr>
-              <p:cNvPr id="105" name="TextBox 104"/>
+              <p:cNvPr id="44" name="TextBox 43">
+                <a:extLst>
+                  <a:ext uri="{FF2B5EF4-FFF2-40B4-BE49-F238E27FC236}">
+                    <a16:creationId xmlns:a16="http://schemas.microsoft.com/office/drawing/2014/main" id="{ADEEB0E1-7B64-4EC4-A712-AE61492B0068}"/>
+                  </a:ext>
+                </a:extLst>
+              </p:cNvPr>
               <p:cNvSpPr txBox="1"/>
               <p:nvPr/>
             </p:nvSpPr>
@@ -4668,7 +4944,7 @@
                   <a:defRPr/>
                 </a:pPr>
                 <a:r>
-                  <a:rPr kumimoji="0" lang="en-US" sz="4400" b="0" i="0" u="none" strike="noStrike" kern="0" cap="none" spc="0" normalizeH="0" baseline="0" noProof="0" dirty="0" smtClean="0">
+                  <a:rPr kumimoji="0" lang="en-US" sz="4400" b="0" i="0" u="none" strike="noStrike" kern="0" cap="none" spc="0" normalizeH="0" baseline="0" noProof="0" dirty="0">
                     <a:ln>
                       <a:noFill/>
                     </a:ln>
@@ -4683,7 +4959,7 @@
                   </a:rPr>
                   <a:t>PLC</a:t>
                 </a:r>
-                <a:endParaRPr kumimoji="0" lang="en-US" sz="3600" b="0" i="0" u="none" strike="noStrike" kern="0" cap="none" spc="0" normalizeH="0" baseline="0" noProof="0" dirty="0" smtClean="0">
+                <a:endParaRPr kumimoji="0" lang="en-US" sz="3600" b="0" i="0" u="none" strike="noStrike" kern="0" cap="none" spc="0" normalizeH="0" baseline="0" noProof="0" dirty="0">
                   <a:ln>
                     <a:noFill/>
                   </a:ln>
@@ -4701,7 +4977,13 @@
           </p:sp>
           <p:cxnSp>
             <p:nvCxnSpPr>
-              <p:cNvPr id="106" name="Straight Connector 105"/>
+              <p:cNvPr id="45" name="Straight Connector 44">
+                <a:extLst>
+                  <a:ext uri="{FF2B5EF4-FFF2-40B4-BE49-F238E27FC236}">
+                    <a16:creationId xmlns:a16="http://schemas.microsoft.com/office/drawing/2014/main" id="{082644AE-F381-498F-8A46-260216CFCA03}"/>
+                  </a:ext>
+                </a:extLst>
+              </p:cNvPr>
               <p:cNvCxnSpPr/>
               <p:nvPr/>
             </p:nvCxnSpPr>
@@ -4726,7 +5008,13 @@
           </p:cxnSp>
           <p:cxnSp>
             <p:nvCxnSpPr>
-              <p:cNvPr id="107" name="Straight Connector 106"/>
+              <p:cNvPr id="46" name="Straight Connector 45">
+                <a:extLst>
+                  <a:ext uri="{FF2B5EF4-FFF2-40B4-BE49-F238E27FC236}">
+                    <a16:creationId xmlns:a16="http://schemas.microsoft.com/office/drawing/2014/main" id="{E89FF421-6E91-4BB2-934A-EDB6EA4C6938}"/>
+                  </a:ext>
+                </a:extLst>
+              </p:cNvPr>
               <p:cNvCxnSpPr/>
               <p:nvPr/>
             </p:nvCxnSpPr>
@@ -4751,7 +5039,13 @@
           </p:cxnSp>
           <p:sp>
             <p:nvSpPr>
-              <p:cNvPr id="104" name="TextBox 103"/>
+              <p:cNvPr id="47" name="TextBox 46">
+                <a:extLst>
+                  <a:ext uri="{FF2B5EF4-FFF2-40B4-BE49-F238E27FC236}">
+                    <a16:creationId xmlns:a16="http://schemas.microsoft.com/office/drawing/2014/main" id="{0646F4EC-E8DB-40D2-AE08-E5045F5B0EFF}"/>
+                  </a:ext>
+                </a:extLst>
+              </p:cNvPr>
               <p:cNvSpPr txBox="1"/>
               <p:nvPr/>
             </p:nvSpPr>
@@ -4789,7 +5083,7 @@
                   <a:defRPr/>
                 </a:pPr>
                 <a:r>
-                  <a:rPr kumimoji="0" lang="en-US" sz="4000" b="0" i="0" u="none" strike="noStrike" kern="0" cap="none" spc="0" normalizeH="0" baseline="0" noProof="0" dirty="0" smtClean="0">
+                  <a:rPr kumimoji="0" lang="en-US" sz="4000" b="0" i="0" u="none" strike="noStrike" kern="0" cap="none" spc="0" normalizeH="0" baseline="0" noProof="0" dirty="0">
                     <a:ln>
                       <a:noFill/>
                     </a:ln>
@@ -4824,7 +5118,7 @@
                   <a:defRPr/>
                 </a:pPr>
                 <a:r>
-                  <a:rPr kumimoji="0" lang="en-US" sz="4000" b="0" i="0" u="none" strike="noStrike" kern="0" cap="none" spc="0" normalizeH="0" baseline="0" noProof="0" dirty="0" smtClean="0">
+                  <a:rPr kumimoji="0" lang="en-US" sz="4000" b="0" i="0" u="none" strike="noStrike" kern="0" cap="none" spc="0" normalizeH="0" baseline="0" noProof="0" dirty="0">
                     <a:ln>
                       <a:noFill/>
                     </a:ln>
@@ -4839,7 +5133,7 @@
                   </a:rPr>
                   <a:t>Server</a:t>
                 </a:r>
-                <a:endParaRPr kumimoji="0" lang="en-US" sz="2000" b="0" i="0" u="none" strike="noStrike" kern="0" cap="none" spc="0" normalizeH="0" baseline="0" noProof="0" dirty="0" smtClean="0">
+                <a:endParaRPr kumimoji="0" lang="en-US" sz="2000" b="0" i="0" u="none" strike="noStrike" kern="0" cap="none" spc="0" normalizeH="0" baseline="0" noProof="0" dirty="0">
                   <a:ln>
                     <a:noFill/>
                   </a:ln>
@@ -4857,498 +5151,1217 @@
           </p:sp>
         </p:grpSp>
       </p:grpSp>
-      <p:sp>
-        <p:nvSpPr>
-          <p:cNvPr id="27" name="Text Placeholder 1"/>
-          <p:cNvSpPr>
-            <a:spLocks noGrp="1"/>
-          </p:cNvSpPr>
-          <p:nvPr>
-            <p:ph type="body" sz="quarter" idx="10"/>
-          </p:nvPr>
-        </p:nvSpPr>
-        <p:spPr>
-          <a:xfrm>
-            <a:off x="1505996" y="14318474"/>
-            <a:ext cx="14448720" cy="5936034"/>
-          </a:xfrm>
-        </p:spPr>
-        <p:txBody>
-          <a:bodyPr/>
-          <a:lstStyle/>
-          <a:p>
-            <a:pPr algn="just"/>
-            <a:r>
-              <a:rPr lang="en-US" dirty="0"/>
-              <a:t>We </a:t>
-            </a:r>
-            <a:r>
-              <a:rPr lang="en-US" dirty="0" smtClean="0"/>
-              <a:t>propose an </a:t>
-            </a:r>
-            <a:r>
-              <a:rPr lang="en-US" dirty="0"/>
-              <a:t>stealthy logging mechanism </a:t>
-            </a:r>
-            <a:r>
-              <a:rPr lang="en-US" dirty="0" smtClean="0"/>
-              <a:t>to protect PLCs in such adversarial environments. The </a:t>
-            </a:r>
-            <a:r>
-              <a:rPr lang="en-US" dirty="0"/>
-              <a:t>status of </a:t>
-            </a:r>
-            <a:r>
-              <a:rPr lang="en-US" dirty="0" smtClean="0"/>
-              <a:t>each PLC is logged and sent </a:t>
-            </a:r>
-            <a:r>
-              <a:rPr lang="en-US" dirty="0"/>
-              <a:t>to a central monitoring server in a secure and stealthy way periodically. </a:t>
-            </a:r>
-            <a:r>
-              <a:rPr lang="en-US" dirty="0" smtClean="0"/>
-              <a:t>By means of the proposed scheme, the </a:t>
-            </a:r>
-            <a:r>
-              <a:rPr lang="en-US" dirty="0"/>
-              <a:t>integrity of the </a:t>
-            </a:r>
-            <a:r>
-              <a:rPr lang="en-US" dirty="0" smtClean="0"/>
-              <a:t>logs can be verified by the server. In addition, </a:t>
-            </a:r>
-            <a:r>
-              <a:rPr lang="en-US" dirty="0"/>
-              <a:t>and the adversary is not able </a:t>
-            </a:r>
-            <a:r>
-              <a:rPr lang="en-US" dirty="0" smtClean="0"/>
-              <a:t>to infer </a:t>
-            </a:r>
-            <a:r>
-              <a:rPr lang="en-US" dirty="0"/>
-              <a:t>whether he gets caught or not. After an intrusion is detected, the server will restart the infected PLCs with a known clean state. This will carry on the normal operation of the industrial processes.</a:t>
-            </a:r>
-            <a:endParaRPr lang="en-US" dirty="0"/>
-          </a:p>
-        </p:txBody>
-      </p:sp>
-      <p:sp>
-        <p:nvSpPr>
-          <p:cNvPr id="28" name="Text Placeholder 2"/>
-          <p:cNvSpPr>
-            <a:spLocks noGrp="1"/>
-          </p:cNvSpPr>
-          <p:nvPr>
-            <p:ph type="body" sz="quarter" idx="11"/>
-          </p:nvPr>
-        </p:nvSpPr>
-        <p:spPr>
-          <a:xfrm>
-            <a:off x="1594578" y="13119581"/>
-            <a:ext cx="12601108" cy="1081754"/>
-          </a:xfrm>
-        </p:spPr>
-        <p:txBody>
-          <a:bodyPr/>
-          <a:lstStyle/>
-          <a:p>
-            <a:pPr algn="l"/>
-            <a:r>
-              <a:rPr lang="en-US" sz="6000" dirty="0" smtClean="0"/>
-              <a:t>2. Proposal</a:t>
-            </a:r>
-            <a:endParaRPr lang="en-US" sz="6000" dirty="0"/>
-          </a:p>
-        </p:txBody>
-      </p:sp>
-      <p:sp>
-        <p:nvSpPr>
-          <p:cNvPr id="29" name="Text Placeholder 4"/>
-          <p:cNvSpPr>
-            <a:spLocks noGrp="1"/>
-          </p:cNvSpPr>
-          <p:nvPr>
-            <p:ph type="body" sz="quarter" idx="25"/>
-          </p:nvPr>
-        </p:nvSpPr>
-        <p:spPr>
-          <a:xfrm>
-            <a:off x="16587422" y="12540807"/>
-            <a:ext cx="12571741" cy="1081754"/>
-          </a:xfrm>
-        </p:spPr>
-        <p:txBody>
-          <a:bodyPr/>
-          <a:lstStyle/>
-          <a:p>
-            <a:pPr algn="l"/>
-            <a:r>
-              <a:rPr lang="en-US" sz="6000" dirty="0" smtClean="0"/>
-              <a:t>5. Performance Overhead</a:t>
-            </a:r>
-            <a:endParaRPr lang="en-US" sz="6000" dirty="0"/>
-          </a:p>
-        </p:txBody>
-      </p:sp>
-      <p:pic>
-        <p:nvPicPr>
-          <p:cNvPr id="10" name="Picture 9"/>
-          <p:cNvPicPr>
-            <a:picLocks noChangeAspect="1"/>
-          </p:cNvPicPr>
-          <p:nvPr/>
-        </p:nvPicPr>
-        <p:blipFill>
-          <a:blip r:embed="rId6">
+      <p:grpSp>
+        <p:nvGrpSpPr>
+          <p:cNvPr id="12" name="Group 11">
             <a:extLst>
-              <a:ext uri="{28A0092B-C50C-407E-A947-70E740481C1C}">
-                <a14:useLocalDpi xmlns:a14="http://schemas.microsoft.com/office/drawing/2010/main" val="0"/>
+              <a:ext uri="{FF2B5EF4-FFF2-40B4-BE49-F238E27FC236}">
+                <a16:creationId xmlns:a16="http://schemas.microsoft.com/office/drawing/2014/main" id="{8CAA7595-DF4D-4A31-B8B6-1EE1F1CACD38}"/>
               </a:ext>
             </a:extLst>
-          </a:blip>
-          <a:stretch>
-            <a:fillRect/>
-          </a:stretch>
-        </p:blipFill>
-        <p:spPr>
+          </p:cNvPr>
+          <p:cNvGrpSpPr/>
+          <p:nvPr/>
+        </p:nvGrpSpPr>
+        <p:grpSpPr>
           <a:xfrm>
-            <a:off x="16315160" y="20814479"/>
-            <a:ext cx="14575976" cy="5003385"/>
+            <a:off x="17431156" y="7429500"/>
+            <a:ext cx="12858344" cy="10211728"/>
+            <a:chOff x="17431156" y="7886700"/>
+            <a:chExt cx="12858344" cy="10211728"/>
           </a:xfrm>
-          <a:prstGeom prst="rect">
-            <a:avLst/>
-          </a:prstGeom>
-        </p:spPr>
-      </p:pic>
-      <p:sp>
-        <p:nvSpPr>
-          <p:cNvPr id="32" name="Text Placeholder 4"/>
-          <p:cNvSpPr>
-            <a:spLocks noGrp="1"/>
-          </p:cNvSpPr>
-          <p:nvPr>
-            <p:ph type="body" sz="quarter" idx="25"/>
-          </p:nvPr>
-        </p:nvSpPr>
-        <p:spPr>
-          <a:xfrm>
-            <a:off x="15954716" y="26265092"/>
-            <a:ext cx="12571741" cy="1081754"/>
-          </a:xfrm>
-        </p:spPr>
-        <p:txBody>
-          <a:bodyPr/>
-          <a:lstStyle/>
-          <a:p>
-            <a:pPr algn="l"/>
-            <a:r>
-              <a:rPr lang="en-US" sz="6000" dirty="0" smtClean="0"/>
-              <a:t>6. </a:t>
-            </a:r>
-            <a:r>
-              <a:rPr lang="en-US" sz="6000" dirty="0"/>
-              <a:t>Security </a:t>
-            </a:r>
-            <a:r>
-              <a:rPr lang="en-US" sz="6000" dirty="0" smtClean="0"/>
-              <a:t>Guarantees </a:t>
-            </a:r>
-            <a:endParaRPr lang="en-US" sz="6000" dirty="0"/>
-          </a:p>
-        </p:txBody>
-      </p:sp>
-      <p:sp>
-        <p:nvSpPr>
-          <p:cNvPr id="33" name="Text Placeholder 15"/>
-          <p:cNvSpPr>
-            <a:spLocks noGrp="1"/>
-          </p:cNvSpPr>
-          <p:nvPr>
-            <p:ph type="body" sz="quarter" idx="155"/>
-          </p:nvPr>
-        </p:nvSpPr>
-        <p:spPr>
-          <a:xfrm>
-            <a:off x="15687244" y="27223345"/>
-            <a:ext cx="13586559" cy="9938769"/>
-          </a:xfrm>
-        </p:spPr>
-        <p:txBody>
-          <a:bodyPr/>
-          <a:lstStyle/>
-          <a:p>
-            <a:pPr algn="just"/>
-            <a:r>
-              <a:rPr lang="en-US" dirty="0" smtClean="0"/>
-              <a:t>The implemented defense mechanism can guarantee detection of malicious incidents with very small false positives through:</a:t>
-            </a:r>
-            <a:endParaRPr lang="en-US" dirty="0"/>
-          </a:p>
-          <a:p>
-            <a:pPr marL="742950" indent="-742950" algn="just">
-              <a:buFont typeface="Arial" panose="020B0604020202020204" pitchFamily="34" charset="0"/>
-              <a:buChar char="•"/>
-            </a:pPr>
-            <a:r>
-              <a:rPr lang="en-US" dirty="0" smtClean="0"/>
-              <a:t>Keeping </a:t>
-            </a:r>
-            <a:r>
-              <a:rPr lang="en-US" dirty="0"/>
-              <a:t>an obfuscated log of all events (normal or malicious) taking place at the device </a:t>
-            </a:r>
-            <a:endParaRPr lang="en-US" dirty="0" smtClean="0"/>
-          </a:p>
-          <a:p>
-            <a:pPr marL="742950" indent="-742950" algn="just">
-              <a:buFont typeface="Arial" panose="020B0604020202020204" pitchFamily="34" charset="0"/>
-              <a:buChar char="•"/>
-            </a:pPr>
-            <a:r>
-              <a:rPr lang="en-US" dirty="0" smtClean="0"/>
-              <a:t>Exploiting the concept of forward secure key generation [1], integrity of the logs can be verified, i.e., </a:t>
-            </a:r>
-            <a:r>
-              <a:rPr lang="en-US" dirty="0"/>
-              <a:t>whether the logs at the device have been tampered with by an adversary who is in control of the device </a:t>
-            </a:r>
-            <a:endParaRPr lang="en-US" dirty="0" smtClean="0"/>
-          </a:p>
-          <a:p>
-            <a:pPr marL="742950" indent="-742950" algn="just">
-              <a:buFont typeface="Arial" panose="020B0604020202020204" pitchFamily="34" charset="0"/>
-              <a:buChar char="•"/>
-            </a:pPr>
-            <a:r>
-              <a:rPr lang="en-US" dirty="0" smtClean="0"/>
-              <a:t>Hiding </a:t>
-            </a:r>
-            <a:r>
-              <a:rPr lang="en-US" dirty="0"/>
-              <a:t>from an attacker with access to the device whether the log reports detection of malicious behavior</a:t>
-            </a:r>
-          </a:p>
-          <a:p>
-            <a:pPr marL="742950" indent="-742950" algn="just">
-              <a:buFont typeface="Arial" panose="020B0604020202020204" pitchFamily="34" charset="0"/>
-              <a:buChar char="•"/>
-            </a:pPr>
-            <a:r>
-              <a:rPr lang="en-US" dirty="0" smtClean="0"/>
-              <a:t>The </a:t>
-            </a:r>
-            <a:r>
-              <a:rPr lang="en-US" dirty="0"/>
-              <a:t>log is reported back to the server at pre-defined time </a:t>
-            </a:r>
-            <a:r>
-              <a:rPr lang="en-US" dirty="0" smtClean="0"/>
-              <a:t>intervals </a:t>
-            </a:r>
-            <a:r>
-              <a:rPr lang="en-US" dirty="0"/>
-              <a:t>This enables </a:t>
-            </a:r>
-            <a:r>
-              <a:rPr lang="en-US" dirty="0" smtClean="0"/>
-              <a:t>the server </a:t>
-            </a:r>
-            <a:r>
-              <a:rPr lang="en-US" dirty="0"/>
-              <a:t>to act accordingly by either revoking the device from the network or by restoring it to a safe state. </a:t>
-            </a:r>
-          </a:p>
-          <a:p>
-            <a:pPr marL="742950" indent="-742950" algn="just">
-              <a:buFont typeface="Arial" panose="020B0604020202020204" pitchFamily="34" charset="0"/>
-              <a:buChar char="•"/>
-            </a:pPr>
-            <a:endParaRPr lang="en-US" dirty="0"/>
-          </a:p>
-          <a:p>
-            <a:pPr marL="742950" indent="-742950" algn="just">
-              <a:buFont typeface="Arial" panose="020B0604020202020204" pitchFamily="34" charset="0"/>
-              <a:buChar char="•"/>
-            </a:pPr>
-            <a:endParaRPr lang="en-US" dirty="0" smtClean="0"/>
-          </a:p>
-        </p:txBody>
-      </p:sp>
-      <p:sp>
-        <p:nvSpPr>
-          <p:cNvPr id="34" name="Text Placeholder 15"/>
-          <p:cNvSpPr>
-            <a:spLocks noGrp="1"/>
-          </p:cNvSpPr>
-          <p:nvPr>
-            <p:ph type="body" sz="quarter" idx="155"/>
-          </p:nvPr>
-        </p:nvSpPr>
-        <p:spPr>
-          <a:xfrm>
-            <a:off x="16043298" y="13744373"/>
-            <a:ext cx="15758342" cy="7044030"/>
-          </a:xfrm>
-        </p:spPr>
-        <p:txBody>
-          <a:bodyPr/>
-          <a:lstStyle/>
-          <a:p>
-            <a:pPr algn="just"/>
-            <a:r>
-              <a:rPr lang="en-US" dirty="0" smtClean="0"/>
-              <a:t>We </a:t>
-            </a:r>
-            <a:r>
-              <a:rPr lang="en-US" dirty="0"/>
-              <a:t>have implemented a </a:t>
-            </a:r>
-            <a:r>
-              <a:rPr lang="en-US" dirty="0" smtClean="0"/>
-              <a:t>lightweight intrusion detection system to secure PLC </a:t>
-            </a:r>
-            <a:r>
-              <a:rPr lang="en-US" dirty="0"/>
-              <a:t>systems </a:t>
-            </a:r>
-            <a:r>
-              <a:rPr lang="en-US" dirty="0" smtClean="0"/>
-              <a:t>by </a:t>
-            </a:r>
-            <a:r>
-              <a:rPr lang="en-US" dirty="0"/>
-              <a:t>using simple and practical </a:t>
-            </a:r>
-            <a:r>
-              <a:rPr lang="en-US" dirty="0" smtClean="0"/>
-              <a:t>techniques such as </a:t>
-            </a:r>
-            <a:r>
-              <a:rPr lang="en-US" dirty="0" err="1"/>
-              <a:t>PillarBox</a:t>
-            </a:r>
-            <a:r>
-              <a:rPr lang="en-US" dirty="0"/>
-              <a:t> </a:t>
-            </a:r>
-            <a:r>
-              <a:rPr lang="en-US" dirty="0" smtClean="0"/>
-              <a:t>[1] .</a:t>
-            </a:r>
-            <a:endParaRPr lang="en-US" sz="3600" b="1" dirty="0" smtClean="0"/>
-          </a:p>
-          <a:p>
-            <a:pPr marL="571500" indent="-571500" algn="just">
-              <a:buFont typeface="Arial" panose="020B0604020202020204" pitchFamily="34" charset="0"/>
-              <a:buChar char="•"/>
-            </a:pPr>
-            <a:r>
-              <a:rPr lang="en-US" dirty="0" smtClean="0"/>
-              <a:t>Lower complexity and performance overhead can be reached with comparison to techniques which require software injection to the device firmware</a:t>
-            </a:r>
-          </a:p>
-          <a:p>
-            <a:pPr marL="571500" indent="-571500" algn="just">
-              <a:buFont typeface="Arial" panose="020B0604020202020204" pitchFamily="34" charset="0"/>
-              <a:buChar char="•"/>
-            </a:pPr>
-            <a:r>
-              <a:rPr lang="en-US" dirty="0" smtClean="0"/>
-              <a:t>IDS agents Merely forward the device status to the server </a:t>
-            </a:r>
-            <a:endParaRPr lang="en-US" dirty="0" smtClean="0"/>
-          </a:p>
-          <a:p>
-            <a:pPr marL="571500" indent="-571500" algn="just">
-              <a:buFont typeface="Arial" panose="020B0604020202020204" pitchFamily="34" charset="0"/>
-              <a:buChar char="•"/>
-            </a:pPr>
-            <a:r>
-              <a:rPr lang="en-US" dirty="0" smtClean="0"/>
-              <a:t>All the related heavy computations are offloaded to the server</a:t>
-            </a:r>
-          </a:p>
-          <a:p>
-            <a:pPr marL="571500" indent="-571500" algn="just">
-              <a:buFont typeface="Arial" panose="020B0604020202020204" pitchFamily="34" charset="0"/>
-              <a:buChar char="•"/>
-            </a:pPr>
-            <a:r>
-              <a:rPr lang="en-US" dirty="0" smtClean="0"/>
-              <a:t>Very small computational overhead in gathering and reporting critical device status messages to server</a:t>
-            </a:r>
-            <a:endParaRPr lang="en-US" dirty="0"/>
-          </a:p>
-        </p:txBody>
-      </p:sp>
-      <p:sp>
-        <p:nvSpPr>
-          <p:cNvPr id="36" name="Text Placeholder 14"/>
-          <p:cNvSpPr>
-            <a:spLocks noGrp="1"/>
-          </p:cNvSpPr>
-          <p:nvPr>
-            <p:ph type="body" sz="quarter" idx="154"/>
-          </p:nvPr>
-        </p:nvSpPr>
-        <p:spPr>
-          <a:xfrm>
-            <a:off x="1505996" y="30679098"/>
-            <a:ext cx="15301308" cy="1081754"/>
-          </a:xfrm>
-        </p:spPr>
-        <p:txBody>
-          <a:bodyPr/>
-          <a:lstStyle/>
-          <a:p>
-            <a:pPr algn="l"/>
-            <a:r>
-              <a:rPr lang="en-US" sz="6000" dirty="0" smtClean="0"/>
-              <a:t>4</a:t>
-            </a:r>
-            <a:r>
-              <a:rPr lang="en-US" sz="6000" dirty="0" smtClean="0"/>
-              <a:t>. Agents and logging mechanism</a:t>
-            </a:r>
-            <a:endParaRPr lang="en-US" sz="6000" dirty="0"/>
-          </a:p>
-        </p:txBody>
-      </p:sp>
-      <p:sp>
-        <p:nvSpPr>
-          <p:cNvPr id="37" name="Text Placeholder 15"/>
-          <p:cNvSpPr>
-            <a:spLocks noGrp="1"/>
-          </p:cNvSpPr>
-          <p:nvPr>
-            <p:ph type="body" sz="quarter" idx="155"/>
-          </p:nvPr>
-        </p:nvSpPr>
-        <p:spPr>
-          <a:xfrm>
-            <a:off x="1282000" y="31760852"/>
-            <a:ext cx="13586559" cy="1627163"/>
-          </a:xfrm>
-        </p:spPr>
-        <p:txBody>
-          <a:bodyPr/>
-          <a:lstStyle/>
-          <a:p>
-            <a:pPr algn="just"/>
-            <a:r>
-              <a:rPr lang="en-US" dirty="0" smtClean="0"/>
-              <a:t>Here we should explain more what the agent is doing </a:t>
-            </a:r>
-            <a:r>
-              <a:rPr lang="en-US" smtClean="0"/>
-              <a:t>and possibly a figure would be nice</a:t>
-            </a:r>
-            <a:endParaRPr lang="en-US" dirty="0"/>
-          </a:p>
-        </p:txBody>
-      </p:sp>
+        </p:grpSpPr>
+        <p:sp>
+          <p:nvSpPr>
+            <p:cNvPr id="6" name="Diamond 5">
+              <a:extLst>
+                <a:ext uri="{FF2B5EF4-FFF2-40B4-BE49-F238E27FC236}">
+                  <a16:creationId xmlns:a16="http://schemas.microsoft.com/office/drawing/2014/main" id="{FF0A7776-D918-41BB-8CCA-FAB417FA1CD8}"/>
+                </a:ext>
+              </a:extLst>
+            </p:cNvPr>
+            <p:cNvSpPr/>
+            <p:nvPr/>
+          </p:nvSpPr>
+          <p:spPr>
+            <a:xfrm>
+              <a:off x="18859500" y="7886700"/>
+              <a:ext cx="4000500" cy="1943100"/>
+            </a:xfrm>
+            <a:prstGeom prst="diamond">
+              <a:avLst/>
+            </a:prstGeom>
+          </p:spPr>
+          <p:style>
+            <a:lnRef idx="2">
+              <a:schemeClr val="accent1">
+                <a:shade val="50000"/>
+              </a:schemeClr>
+            </a:lnRef>
+            <a:fillRef idx="1">
+              <a:schemeClr val="accent1"/>
+            </a:fillRef>
+            <a:effectRef idx="0">
+              <a:schemeClr val="accent1"/>
+            </a:effectRef>
+            <a:fontRef idx="minor">
+              <a:schemeClr val="lt1"/>
+            </a:fontRef>
+          </p:style>
+          <p:txBody>
+            <a:bodyPr rtlCol="0" anchor="ctr"/>
+            <a:lstStyle/>
+            <a:p>
+              <a:pPr algn="ctr"/>
+              <a:r>
+                <a:rPr lang="en-US" sz="4000" dirty="0"/>
+                <a:t>Events?</a:t>
+              </a:r>
+            </a:p>
+          </p:txBody>
+        </p:sp>
+        <p:sp>
+          <p:nvSpPr>
+            <p:cNvPr id="11" name="Rectangle 10">
+              <a:extLst>
+                <a:ext uri="{FF2B5EF4-FFF2-40B4-BE49-F238E27FC236}">
+                  <a16:creationId xmlns:a16="http://schemas.microsoft.com/office/drawing/2014/main" id="{4AC3886D-B179-4E4A-8C73-53D4ECF04645}"/>
+                </a:ext>
+              </a:extLst>
+            </p:cNvPr>
+            <p:cNvSpPr/>
+            <p:nvPr/>
+          </p:nvSpPr>
+          <p:spPr>
+            <a:xfrm>
+              <a:off x="24345900" y="7886700"/>
+              <a:ext cx="5943600" cy="1828800"/>
+            </a:xfrm>
+            <a:prstGeom prst="rect">
+              <a:avLst/>
+            </a:prstGeom>
+          </p:spPr>
+          <p:style>
+            <a:lnRef idx="2">
+              <a:schemeClr val="accent1">
+                <a:shade val="50000"/>
+              </a:schemeClr>
+            </a:lnRef>
+            <a:fillRef idx="1">
+              <a:schemeClr val="accent1"/>
+            </a:fillRef>
+            <a:effectRef idx="0">
+              <a:schemeClr val="accent1"/>
+            </a:effectRef>
+            <a:fontRef idx="minor">
+              <a:schemeClr val="lt1"/>
+            </a:fontRef>
+          </p:style>
+          <p:txBody>
+            <a:bodyPr rtlCol="0" anchor="ctr"/>
+            <a:lstStyle/>
+            <a:p>
+              <a:pPr algn="ctr"/>
+              <a:r>
+                <a:rPr lang="en-US" sz="4000" dirty="0"/>
+                <a:t>Log(Time, Input, Output)</a:t>
+              </a:r>
+            </a:p>
+          </p:txBody>
+        </p:sp>
+        <p:sp>
+          <p:nvSpPr>
+            <p:cNvPr id="58" name="Rectangle 57">
+              <a:extLst>
+                <a:ext uri="{FF2B5EF4-FFF2-40B4-BE49-F238E27FC236}">
+                  <a16:creationId xmlns:a16="http://schemas.microsoft.com/office/drawing/2014/main" id="{9B29DC34-696C-43A4-91D9-3AF3F9EDCCCB}"/>
+                </a:ext>
+              </a:extLst>
+            </p:cNvPr>
+            <p:cNvSpPr/>
+            <p:nvPr/>
+          </p:nvSpPr>
+          <p:spPr>
+            <a:xfrm>
+              <a:off x="24345900" y="10401300"/>
+              <a:ext cx="5943600" cy="1828800"/>
+            </a:xfrm>
+            <a:prstGeom prst="rect">
+              <a:avLst/>
+            </a:prstGeom>
+          </p:spPr>
+          <p:style>
+            <a:lnRef idx="2">
+              <a:schemeClr val="accent1">
+                <a:shade val="50000"/>
+              </a:schemeClr>
+            </a:lnRef>
+            <a:fillRef idx="1">
+              <a:schemeClr val="accent1"/>
+            </a:fillRef>
+            <a:effectRef idx="0">
+              <a:schemeClr val="accent1"/>
+            </a:effectRef>
+            <a:fontRef idx="minor">
+              <a:schemeClr val="lt1"/>
+            </a:fontRef>
+          </p:style>
+          <p:txBody>
+            <a:bodyPr rtlCol="0" anchor="ctr"/>
+            <a:lstStyle/>
+            <a:p>
+              <a:pPr algn="ctr"/>
+              <a:r>
+                <a:rPr lang="en-US" sz="4000" dirty="0"/>
+                <a:t>Encrypt Log by AES-128</a:t>
+              </a:r>
+            </a:p>
+          </p:txBody>
+        </p:sp>
+        <p:sp>
+          <p:nvSpPr>
+            <p:cNvPr id="59" name="Rectangle 58">
+              <a:extLst>
+                <a:ext uri="{FF2B5EF4-FFF2-40B4-BE49-F238E27FC236}">
+                  <a16:creationId xmlns:a16="http://schemas.microsoft.com/office/drawing/2014/main" id="{DC2B4749-DB2E-4D40-B7B5-55DEB714CB4B}"/>
+                </a:ext>
+              </a:extLst>
+            </p:cNvPr>
+            <p:cNvSpPr/>
+            <p:nvPr/>
+          </p:nvSpPr>
+          <p:spPr>
+            <a:xfrm>
+              <a:off x="24345900" y="13030200"/>
+              <a:ext cx="5943600" cy="1828800"/>
+            </a:xfrm>
+            <a:prstGeom prst="rect">
+              <a:avLst/>
+            </a:prstGeom>
+          </p:spPr>
+          <p:style>
+            <a:lnRef idx="2">
+              <a:schemeClr val="accent1">
+                <a:shade val="50000"/>
+              </a:schemeClr>
+            </a:lnRef>
+            <a:fillRef idx="1">
+              <a:schemeClr val="accent1"/>
+            </a:fillRef>
+            <a:effectRef idx="0">
+              <a:schemeClr val="accent1"/>
+            </a:effectRef>
+            <a:fontRef idx="minor">
+              <a:schemeClr val="lt1"/>
+            </a:fontRef>
+          </p:style>
+          <p:txBody>
+            <a:bodyPr rtlCol="0" anchor="ctr"/>
+            <a:lstStyle/>
+            <a:p>
+              <a:pPr algn="ctr"/>
+              <a:r>
+                <a:rPr lang="en-US" sz="4000" dirty="0"/>
+                <a:t>Update Key by SHA-256</a:t>
+              </a:r>
+            </a:p>
+          </p:txBody>
+        </p:sp>
+        <p:sp>
+          <p:nvSpPr>
+            <p:cNvPr id="61" name="Diamond 60">
+              <a:extLst>
+                <a:ext uri="{FF2B5EF4-FFF2-40B4-BE49-F238E27FC236}">
+                  <a16:creationId xmlns:a16="http://schemas.microsoft.com/office/drawing/2014/main" id="{0370EB99-1B2B-477C-9FE8-4E020591F61A}"/>
+                </a:ext>
+              </a:extLst>
+            </p:cNvPr>
+            <p:cNvSpPr/>
+            <p:nvPr/>
+          </p:nvSpPr>
+          <p:spPr>
+            <a:xfrm>
+              <a:off x="18859500" y="13081684"/>
+              <a:ext cx="4000500" cy="1943100"/>
+            </a:xfrm>
+            <a:prstGeom prst="diamond">
+              <a:avLst/>
+            </a:prstGeom>
+          </p:spPr>
+          <p:style>
+            <a:lnRef idx="2">
+              <a:schemeClr val="accent1">
+                <a:shade val="50000"/>
+              </a:schemeClr>
+            </a:lnRef>
+            <a:fillRef idx="1">
+              <a:schemeClr val="accent1"/>
+            </a:fillRef>
+            <a:effectRef idx="0">
+              <a:schemeClr val="accent1"/>
+            </a:effectRef>
+            <a:fontRef idx="minor">
+              <a:schemeClr val="lt1"/>
+            </a:fontRef>
+          </p:style>
+          <p:txBody>
+            <a:bodyPr rtlCol="0" anchor="ctr"/>
+            <a:lstStyle/>
+            <a:p>
+              <a:pPr algn="ctr"/>
+              <a:r>
+                <a:rPr lang="en-US" sz="4000" dirty="0"/>
+                <a:t>Period End?</a:t>
+              </a:r>
+            </a:p>
+          </p:txBody>
+        </p:sp>
+        <p:sp>
+          <p:nvSpPr>
+            <p:cNvPr id="62" name="Rectangle 61">
+              <a:extLst>
+                <a:ext uri="{FF2B5EF4-FFF2-40B4-BE49-F238E27FC236}">
+                  <a16:creationId xmlns:a16="http://schemas.microsoft.com/office/drawing/2014/main" id="{0567F503-E4DE-4AE1-9305-7AF3B0BB762C}"/>
+                </a:ext>
+              </a:extLst>
+            </p:cNvPr>
+            <p:cNvSpPr/>
+            <p:nvPr/>
+          </p:nvSpPr>
+          <p:spPr>
+            <a:xfrm>
+              <a:off x="17945100" y="16269628"/>
+              <a:ext cx="5943600" cy="1828800"/>
+            </a:xfrm>
+            <a:prstGeom prst="rect">
+              <a:avLst/>
+            </a:prstGeom>
+          </p:spPr>
+          <p:style>
+            <a:lnRef idx="2">
+              <a:schemeClr val="accent1">
+                <a:shade val="50000"/>
+              </a:schemeClr>
+            </a:lnRef>
+            <a:fillRef idx="1">
+              <a:schemeClr val="accent1"/>
+            </a:fillRef>
+            <a:effectRef idx="0">
+              <a:schemeClr val="accent1"/>
+            </a:effectRef>
+            <a:fontRef idx="minor">
+              <a:schemeClr val="lt1"/>
+            </a:fontRef>
+          </p:style>
+          <p:txBody>
+            <a:bodyPr rtlCol="0" anchor="ctr"/>
+            <a:lstStyle/>
+            <a:p>
+              <a:pPr algn="ctr"/>
+              <a:r>
+                <a:rPr lang="en-US" sz="4000" dirty="0"/>
+                <a:t>Send Encrypted Logs to Server</a:t>
+              </a:r>
+            </a:p>
+          </p:txBody>
+        </p:sp>
+        <p:sp>
+          <p:nvSpPr>
+            <p:cNvPr id="14" name="Arrow: Right 13">
+              <a:extLst>
+                <a:ext uri="{FF2B5EF4-FFF2-40B4-BE49-F238E27FC236}">
+                  <a16:creationId xmlns:a16="http://schemas.microsoft.com/office/drawing/2014/main" id="{1DE9D6EE-2DE7-4BF4-B9B9-E0B25C9E92FC}"/>
+                </a:ext>
+              </a:extLst>
+            </p:cNvPr>
+            <p:cNvSpPr/>
+            <p:nvPr/>
+          </p:nvSpPr>
+          <p:spPr>
+            <a:xfrm flipV="1">
+              <a:off x="22860000" y="8686800"/>
+              <a:ext cx="1485900" cy="237234"/>
+            </a:xfrm>
+            <a:prstGeom prst="rightArrow">
+              <a:avLst/>
+            </a:prstGeom>
+            <a:solidFill>
+              <a:schemeClr val="tx1"/>
+            </a:solidFill>
+            <a:ln>
+              <a:solidFill>
+                <a:schemeClr val="tx1"/>
+              </a:solidFill>
+            </a:ln>
+          </p:spPr>
+          <p:style>
+            <a:lnRef idx="2">
+              <a:schemeClr val="accent1">
+                <a:shade val="50000"/>
+              </a:schemeClr>
+            </a:lnRef>
+            <a:fillRef idx="1">
+              <a:schemeClr val="accent1"/>
+            </a:fillRef>
+            <a:effectRef idx="0">
+              <a:schemeClr val="accent1"/>
+            </a:effectRef>
+            <a:fontRef idx="minor">
+              <a:schemeClr val="lt1"/>
+            </a:fontRef>
+          </p:style>
+          <p:txBody>
+            <a:bodyPr rtlCol="0" anchor="ctr"/>
+            <a:lstStyle/>
+            <a:p>
+              <a:pPr algn="ctr"/>
+              <a:endParaRPr lang="en-US"/>
+            </a:p>
+          </p:txBody>
+        </p:sp>
+        <p:sp>
+          <p:nvSpPr>
+            <p:cNvPr id="65" name="Arrow: Right 64">
+              <a:extLst>
+                <a:ext uri="{FF2B5EF4-FFF2-40B4-BE49-F238E27FC236}">
+                  <a16:creationId xmlns:a16="http://schemas.microsoft.com/office/drawing/2014/main" id="{14D6D85F-53EB-48DA-A836-91F5EBAE31F3}"/>
+                </a:ext>
+              </a:extLst>
+            </p:cNvPr>
+            <p:cNvSpPr/>
+            <p:nvPr/>
+          </p:nvSpPr>
+          <p:spPr>
+            <a:xfrm rot="5400000" flipV="1">
+              <a:off x="27007002" y="9939783"/>
+              <a:ext cx="685800" cy="237234"/>
+            </a:xfrm>
+            <a:prstGeom prst="rightArrow">
+              <a:avLst/>
+            </a:prstGeom>
+            <a:solidFill>
+              <a:schemeClr val="tx1"/>
+            </a:solidFill>
+            <a:ln>
+              <a:solidFill>
+                <a:schemeClr val="tx1"/>
+              </a:solidFill>
+            </a:ln>
+          </p:spPr>
+          <p:style>
+            <a:lnRef idx="2">
+              <a:schemeClr val="accent1">
+                <a:shade val="50000"/>
+              </a:schemeClr>
+            </a:lnRef>
+            <a:fillRef idx="1">
+              <a:schemeClr val="accent1"/>
+            </a:fillRef>
+            <a:effectRef idx="0">
+              <a:schemeClr val="accent1"/>
+            </a:effectRef>
+            <a:fontRef idx="minor">
+              <a:schemeClr val="lt1"/>
+            </a:fontRef>
+          </p:style>
+          <p:txBody>
+            <a:bodyPr rtlCol="0" anchor="ctr"/>
+            <a:lstStyle/>
+            <a:p>
+              <a:pPr algn="ctr"/>
+              <a:endParaRPr lang="en-US"/>
+            </a:p>
+          </p:txBody>
+        </p:sp>
+        <p:sp>
+          <p:nvSpPr>
+            <p:cNvPr id="66" name="Arrow: Right 65">
+              <a:extLst>
+                <a:ext uri="{FF2B5EF4-FFF2-40B4-BE49-F238E27FC236}">
+                  <a16:creationId xmlns:a16="http://schemas.microsoft.com/office/drawing/2014/main" id="{33B7F66F-7492-4EDF-8036-868E1CCC5F3E}"/>
+                </a:ext>
+              </a:extLst>
+            </p:cNvPr>
+            <p:cNvSpPr/>
+            <p:nvPr/>
+          </p:nvSpPr>
+          <p:spPr>
+            <a:xfrm rot="5400000" flipV="1">
+              <a:off x="26875011" y="12511533"/>
+              <a:ext cx="800100" cy="237234"/>
+            </a:xfrm>
+            <a:prstGeom prst="rightArrow">
+              <a:avLst/>
+            </a:prstGeom>
+            <a:solidFill>
+              <a:schemeClr val="tx1"/>
+            </a:solidFill>
+            <a:ln>
+              <a:solidFill>
+                <a:schemeClr val="tx1"/>
+              </a:solidFill>
+            </a:ln>
+          </p:spPr>
+          <p:style>
+            <a:lnRef idx="2">
+              <a:schemeClr val="accent1">
+                <a:shade val="50000"/>
+              </a:schemeClr>
+            </a:lnRef>
+            <a:fillRef idx="1">
+              <a:schemeClr val="accent1"/>
+            </a:fillRef>
+            <a:effectRef idx="0">
+              <a:schemeClr val="accent1"/>
+            </a:effectRef>
+            <a:fontRef idx="minor">
+              <a:schemeClr val="lt1"/>
+            </a:fontRef>
+          </p:style>
+          <p:txBody>
+            <a:bodyPr rtlCol="0" anchor="ctr"/>
+            <a:lstStyle/>
+            <a:p>
+              <a:pPr algn="ctr"/>
+              <a:endParaRPr lang="en-US"/>
+            </a:p>
+          </p:txBody>
+        </p:sp>
+        <p:sp>
+          <p:nvSpPr>
+            <p:cNvPr id="68" name="Arrow: Right 67">
+              <a:extLst>
+                <a:ext uri="{FF2B5EF4-FFF2-40B4-BE49-F238E27FC236}">
+                  <a16:creationId xmlns:a16="http://schemas.microsoft.com/office/drawing/2014/main" id="{91A5CFAC-2978-4F9B-AFC4-D4CD08C042FF}"/>
+                </a:ext>
+              </a:extLst>
+            </p:cNvPr>
+            <p:cNvSpPr/>
+            <p:nvPr/>
+          </p:nvSpPr>
+          <p:spPr>
+            <a:xfrm rot="5400000" flipV="1">
+              <a:off x="20225979" y="15487106"/>
+              <a:ext cx="1258017" cy="333375"/>
+            </a:xfrm>
+            <a:prstGeom prst="rightArrow">
+              <a:avLst/>
+            </a:prstGeom>
+            <a:solidFill>
+              <a:schemeClr val="tx1"/>
+            </a:solidFill>
+            <a:ln>
+              <a:solidFill>
+                <a:schemeClr val="tx1"/>
+              </a:solidFill>
+            </a:ln>
+          </p:spPr>
+          <p:style>
+            <a:lnRef idx="2">
+              <a:schemeClr val="accent1">
+                <a:shade val="50000"/>
+              </a:schemeClr>
+            </a:lnRef>
+            <a:fillRef idx="1">
+              <a:schemeClr val="accent1"/>
+            </a:fillRef>
+            <a:effectRef idx="0">
+              <a:schemeClr val="accent1"/>
+            </a:effectRef>
+            <a:fontRef idx="minor">
+              <a:schemeClr val="lt1"/>
+            </a:fontRef>
+          </p:style>
+          <p:txBody>
+            <a:bodyPr rtlCol="0" anchor="ctr"/>
+            <a:lstStyle/>
+            <a:p>
+              <a:pPr algn="ctr"/>
+              <a:endParaRPr lang="en-US"/>
+            </a:p>
+          </p:txBody>
+        </p:sp>
+        <p:sp>
+          <p:nvSpPr>
+            <p:cNvPr id="69" name="Arrow: Right 68">
+              <a:extLst>
+                <a:ext uri="{FF2B5EF4-FFF2-40B4-BE49-F238E27FC236}">
+                  <a16:creationId xmlns:a16="http://schemas.microsoft.com/office/drawing/2014/main" id="{2080FA1D-CAA5-4DB7-BFE7-9A646ABFEA96}"/>
+                </a:ext>
+              </a:extLst>
+            </p:cNvPr>
+            <p:cNvSpPr/>
+            <p:nvPr/>
+          </p:nvSpPr>
+          <p:spPr>
+            <a:xfrm rot="10800000" flipV="1">
+              <a:off x="22860000" y="13934617"/>
+              <a:ext cx="1485900" cy="237234"/>
+            </a:xfrm>
+            <a:prstGeom prst="rightArrow">
+              <a:avLst/>
+            </a:prstGeom>
+            <a:solidFill>
+              <a:schemeClr val="tx1"/>
+            </a:solidFill>
+            <a:ln>
+              <a:solidFill>
+                <a:schemeClr val="tx1"/>
+              </a:solidFill>
+            </a:ln>
+          </p:spPr>
+          <p:style>
+            <a:lnRef idx="2">
+              <a:schemeClr val="accent1">
+                <a:shade val="50000"/>
+              </a:schemeClr>
+            </a:lnRef>
+            <a:fillRef idx="1">
+              <a:schemeClr val="accent1"/>
+            </a:fillRef>
+            <a:effectRef idx="0">
+              <a:schemeClr val="accent1"/>
+            </a:effectRef>
+            <a:fontRef idx="minor">
+              <a:schemeClr val="lt1"/>
+            </a:fontRef>
+          </p:style>
+          <p:txBody>
+            <a:bodyPr rtlCol="0" anchor="ctr"/>
+            <a:lstStyle/>
+            <a:p>
+              <a:pPr algn="ctr"/>
+              <a:endParaRPr lang="en-US"/>
+            </a:p>
+          </p:txBody>
+        </p:sp>
+        <p:sp>
+          <p:nvSpPr>
+            <p:cNvPr id="22" name="Rectangle 21">
+              <a:extLst>
+                <a:ext uri="{FF2B5EF4-FFF2-40B4-BE49-F238E27FC236}">
+                  <a16:creationId xmlns:a16="http://schemas.microsoft.com/office/drawing/2014/main" id="{9F610CC1-A8F6-4E55-9DE0-AF304E1759F8}"/>
+                </a:ext>
+              </a:extLst>
+            </p:cNvPr>
+            <p:cNvSpPr/>
+            <p:nvPr/>
+          </p:nvSpPr>
+          <p:spPr>
+            <a:xfrm>
+              <a:off x="20802600" y="9829799"/>
+              <a:ext cx="166688" cy="852489"/>
+            </a:xfrm>
+            <a:prstGeom prst="rect">
+              <a:avLst/>
+            </a:prstGeom>
+            <a:solidFill>
+              <a:schemeClr val="tx1"/>
+            </a:solidFill>
+            <a:ln>
+              <a:solidFill>
+                <a:schemeClr val="tx1"/>
+              </a:solidFill>
+            </a:ln>
+          </p:spPr>
+          <p:style>
+            <a:lnRef idx="2">
+              <a:schemeClr val="accent1">
+                <a:shade val="50000"/>
+              </a:schemeClr>
+            </a:lnRef>
+            <a:fillRef idx="1">
+              <a:schemeClr val="accent1"/>
+            </a:fillRef>
+            <a:effectRef idx="0">
+              <a:schemeClr val="accent1"/>
+            </a:effectRef>
+            <a:fontRef idx="minor">
+              <a:schemeClr val="lt1"/>
+            </a:fontRef>
+          </p:style>
+          <p:txBody>
+            <a:bodyPr rtlCol="0" anchor="ctr"/>
+            <a:lstStyle/>
+            <a:p>
+              <a:pPr algn="ctr"/>
+              <a:endParaRPr lang="en-US"/>
+            </a:p>
+          </p:txBody>
+        </p:sp>
+        <p:sp>
+          <p:nvSpPr>
+            <p:cNvPr id="71" name="Rectangle 70">
+              <a:extLst>
+                <a:ext uri="{FF2B5EF4-FFF2-40B4-BE49-F238E27FC236}">
+                  <a16:creationId xmlns:a16="http://schemas.microsoft.com/office/drawing/2014/main" id="{0DF19076-6001-47EC-B5C0-9644CD86273A}"/>
+                </a:ext>
+              </a:extLst>
+            </p:cNvPr>
+            <p:cNvSpPr/>
+            <p:nvPr/>
+          </p:nvSpPr>
+          <p:spPr>
+            <a:xfrm rot="16200000">
+              <a:off x="19404806" y="9284494"/>
+              <a:ext cx="166688" cy="2628900"/>
+            </a:xfrm>
+            <a:prstGeom prst="rect">
+              <a:avLst/>
+            </a:prstGeom>
+            <a:solidFill>
+              <a:schemeClr val="tx1"/>
+            </a:solidFill>
+            <a:ln>
+              <a:solidFill>
+                <a:schemeClr val="tx1"/>
+              </a:solidFill>
+            </a:ln>
+          </p:spPr>
+          <p:style>
+            <a:lnRef idx="2">
+              <a:schemeClr val="accent1">
+                <a:shade val="50000"/>
+              </a:schemeClr>
+            </a:lnRef>
+            <a:fillRef idx="1">
+              <a:schemeClr val="accent1"/>
+            </a:fillRef>
+            <a:effectRef idx="0">
+              <a:schemeClr val="accent1"/>
+            </a:effectRef>
+            <a:fontRef idx="minor">
+              <a:schemeClr val="lt1"/>
+            </a:fontRef>
+          </p:style>
+          <p:txBody>
+            <a:bodyPr rtlCol="0" anchor="ctr"/>
+            <a:lstStyle/>
+            <a:p>
+              <a:pPr algn="ctr"/>
+              <a:endParaRPr lang="en-US"/>
+            </a:p>
+          </p:txBody>
+        </p:sp>
+        <p:sp>
+          <p:nvSpPr>
+            <p:cNvPr id="72" name="Rectangle 71">
+              <a:extLst>
+                <a:ext uri="{FF2B5EF4-FFF2-40B4-BE49-F238E27FC236}">
+                  <a16:creationId xmlns:a16="http://schemas.microsoft.com/office/drawing/2014/main" id="{BFC596BC-8B6D-4528-835C-251363C44AFC}"/>
+                </a:ext>
+              </a:extLst>
+            </p:cNvPr>
+            <p:cNvSpPr/>
+            <p:nvPr/>
+          </p:nvSpPr>
+          <p:spPr>
+            <a:xfrm>
+              <a:off x="18173701" y="8782666"/>
+              <a:ext cx="166688" cy="1733292"/>
+            </a:xfrm>
+            <a:prstGeom prst="rect">
+              <a:avLst/>
+            </a:prstGeom>
+            <a:solidFill>
+              <a:schemeClr val="tx1"/>
+            </a:solidFill>
+            <a:ln>
+              <a:solidFill>
+                <a:schemeClr val="tx1"/>
+              </a:solidFill>
+            </a:ln>
+          </p:spPr>
+          <p:style>
+            <a:lnRef idx="2">
+              <a:schemeClr val="accent1">
+                <a:shade val="50000"/>
+              </a:schemeClr>
+            </a:lnRef>
+            <a:fillRef idx="1">
+              <a:schemeClr val="accent1"/>
+            </a:fillRef>
+            <a:effectRef idx="0">
+              <a:schemeClr val="accent1"/>
+            </a:effectRef>
+            <a:fontRef idx="minor">
+              <a:schemeClr val="lt1"/>
+            </a:fontRef>
+          </p:style>
+          <p:txBody>
+            <a:bodyPr rtlCol="0" anchor="ctr"/>
+            <a:lstStyle/>
+            <a:p>
+              <a:pPr algn="ctr"/>
+              <a:endParaRPr lang="en-US"/>
+            </a:p>
+          </p:txBody>
+        </p:sp>
+        <p:sp>
+          <p:nvSpPr>
+            <p:cNvPr id="73" name="Arrow: Right 72">
+              <a:extLst>
+                <a:ext uri="{FF2B5EF4-FFF2-40B4-BE49-F238E27FC236}">
+                  <a16:creationId xmlns:a16="http://schemas.microsoft.com/office/drawing/2014/main" id="{18E9A18B-1970-429E-A990-B9EB8431D6DF}"/>
+                </a:ext>
+              </a:extLst>
+            </p:cNvPr>
+            <p:cNvSpPr/>
+            <p:nvPr/>
+          </p:nvSpPr>
+          <p:spPr>
+            <a:xfrm flipV="1">
+              <a:off x="18169890" y="8718058"/>
+              <a:ext cx="689610" cy="237234"/>
+            </a:xfrm>
+            <a:prstGeom prst="rightArrow">
+              <a:avLst/>
+            </a:prstGeom>
+            <a:solidFill>
+              <a:schemeClr val="tx1"/>
+            </a:solidFill>
+            <a:ln>
+              <a:solidFill>
+                <a:schemeClr val="tx1"/>
+              </a:solidFill>
+            </a:ln>
+          </p:spPr>
+          <p:style>
+            <a:lnRef idx="2">
+              <a:schemeClr val="accent1">
+                <a:shade val="50000"/>
+              </a:schemeClr>
+            </a:lnRef>
+            <a:fillRef idx="1">
+              <a:schemeClr val="accent1"/>
+            </a:fillRef>
+            <a:effectRef idx="0">
+              <a:schemeClr val="accent1"/>
+            </a:effectRef>
+            <a:fontRef idx="minor">
+              <a:schemeClr val="lt1"/>
+            </a:fontRef>
+          </p:style>
+          <p:txBody>
+            <a:bodyPr rtlCol="0" anchor="ctr"/>
+            <a:lstStyle/>
+            <a:p>
+              <a:pPr algn="ctr"/>
+              <a:endParaRPr lang="en-US"/>
+            </a:p>
+          </p:txBody>
+        </p:sp>
+        <p:sp>
+          <p:nvSpPr>
+            <p:cNvPr id="24" name="Rectangle 23">
+              <a:extLst>
+                <a:ext uri="{FF2B5EF4-FFF2-40B4-BE49-F238E27FC236}">
+                  <a16:creationId xmlns:a16="http://schemas.microsoft.com/office/drawing/2014/main" id="{190F80CE-B762-4D95-A3D1-C2C2449E7C22}"/>
+                </a:ext>
+              </a:extLst>
+            </p:cNvPr>
+            <p:cNvSpPr/>
+            <p:nvPr/>
+          </p:nvSpPr>
+          <p:spPr>
+            <a:xfrm>
+              <a:off x="17492217" y="14006511"/>
+              <a:ext cx="1367283" cy="166690"/>
+            </a:xfrm>
+            <a:prstGeom prst="rect">
+              <a:avLst/>
+            </a:prstGeom>
+            <a:solidFill>
+              <a:schemeClr val="tx1"/>
+            </a:solidFill>
+            <a:ln>
+              <a:solidFill>
+                <a:schemeClr val="tx1"/>
+              </a:solidFill>
+            </a:ln>
+          </p:spPr>
+          <p:style>
+            <a:lnRef idx="2">
+              <a:schemeClr val="accent1">
+                <a:shade val="50000"/>
+              </a:schemeClr>
+            </a:lnRef>
+            <a:fillRef idx="1">
+              <a:schemeClr val="accent1"/>
+            </a:fillRef>
+            <a:effectRef idx="0">
+              <a:schemeClr val="accent1"/>
+            </a:effectRef>
+            <a:fontRef idx="minor">
+              <a:schemeClr val="lt1"/>
+            </a:fontRef>
+          </p:style>
+          <p:txBody>
+            <a:bodyPr rtlCol="0" anchor="ctr"/>
+            <a:lstStyle/>
+            <a:p>
+              <a:pPr algn="ctr"/>
+              <a:endParaRPr lang="en-US"/>
+            </a:p>
+          </p:txBody>
+        </p:sp>
+        <p:sp>
+          <p:nvSpPr>
+            <p:cNvPr id="78" name="Rectangle 77">
+              <a:extLst>
+                <a:ext uri="{FF2B5EF4-FFF2-40B4-BE49-F238E27FC236}">
+                  <a16:creationId xmlns:a16="http://schemas.microsoft.com/office/drawing/2014/main" id="{1D4A30FC-8B7A-4850-AE72-9E5FDBEF71C5}"/>
+                </a:ext>
+              </a:extLst>
+            </p:cNvPr>
+            <p:cNvSpPr/>
+            <p:nvPr/>
+          </p:nvSpPr>
+          <p:spPr>
+            <a:xfrm rot="5400000">
+              <a:off x="14830630" y="11401630"/>
+              <a:ext cx="5372098" cy="171043"/>
+            </a:xfrm>
+            <a:prstGeom prst="rect">
+              <a:avLst/>
+            </a:prstGeom>
+            <a:solidFill>
+              <a:schemeClr val="tx1"/>
+            </a:solidFill>
+            <a:ln>
+              <a:solidFill>
+                <a:schemeClr val="tx1"/>
+              </a:solidFill>
+            </a:ln>
+          </p:spPr>
+          <p:style>
+            <a:lnRef idx="2">
+              <a:schemeClr val="accent1">
+                <a:shade val="50000"/>
+              </a:schemeClr>
+            </a:lnRef>
+            <a:fillRef idx="1">
+              <a:schemeClr val="accent1"/>
+            </a:fillRef>
+            <a:effectRef idx="0">
+              <a:schemeClr val="accent1"/>
+            </a:effectRef>
+            <a:fontRef idx="minor">
+              <a:schemeClr val="lt1"/>
+            </a:fontRef>
+          </p:style>
+          <p:txBody>
+            <a:bodyPr rtlCol="0" anchor="ctr"/>
+            <a:lstStyle/>
+            <a:p>
+              <a:pPr algn="ctr"/>
+              <a:endParaRPr lang="en-US"/>
+            </a:p>
+          </p:txBody>
+        </p:sp>
+        <p:sp>
+          <p:nvSpPr>
+            <p:cNvPr id="79" name="Rectangle 78">
+              <a:extLst>
+                <a:ext uri="{FF2B5EF4-FFF2-40B4-BE49-F238E27FC236}">
+                  <a16:creationId xmlns:a16="http://schemas.microsoft.com/office/drawing/2014/main" id="{ED2F99C2-EC08-4082-91A3-FABFAC4F95BF}"/>
+                </a:ext>
+              </a:extLst>
+            </p:cNvPr>
+            <p:cNvSpPr/>
+            <p:nvPr/>
+          </p:nvSpPr>
+          <p:spPr>
+            <a:xfrm>
+              <a:off x="17487900" y="8782666"/>
+              <a:ext cx="1257300" cy="132734"/>
+            </a:xfrm>
+            <a:prstGeom prst="rect">
+              <a:avLst/>
+            </a:prstGeom>
+            <a:solidFill>
+              <a:schemeClr val="tx1"/>
+            </a:solidFill>
+            <a:ln>
+              <a:solidFill>
+                <a:schemeClr val="tx1"/>
+              </a:solidFill>
+            </a:ln>
+          </p:spPr>
+          <p:style>
+            <a:lnRef idx="2">
+              <a:schemeClr val="accent1">
+                <a:shade val="50000"/>
+              </a:schemeClr>
+            </a:lnRef>
+            <a:fillRef idx="1">
+              <a:schemeClr val="accent1"/>
+            </a:fillRef>
+            <a:effectRef idx="0">
+              <a:schemeClr val="accent1"/>
+            </a:effectRef>
+            <a:fontRef idx="minor">
+              <a:schemeClr val="lt1"/>
+            </a:fontRef>
+          </p:style>
+          <p:txBody>
+            <a:bodyPr rtlCol="0" anchor="ctr"/>
+            <a:lstStyle/>
+            <a:p>
+              <a:pPr algn="ctr"/>
+              <a:endParaRPr lang="en-US"/>
+            </a:p>
+          </p:txBody>
+        </p:sp>
+        <p:sp>
+          <p:nvSpPr>
+            <p:cNvPr id="52" name="Rectangle 51">
+              <a:extLst>
+                <a:ext uri="{FF2B5EF4-FFF2-40B4-BE49-F238E27FC236}">
+                  <a16:creationId xmlns:a16="http://schemas.microsoft.com/office/drawing/2014/main" id="{6A06D906-BDAD-4120-98DD-E60B4714D573}"/>
+                </a:ext>
+              </a:extLst>
+            </p:cNvPr>
+            <p:cNvSpPr/>
+            <p:nvPr/>
+          </p:nvSpPr>
+          <p:spPr>
+            <a:xfrm>
+              <a:off x="17431156" y="17038191"/>
+              <a:ext cx="519207" cy="166690"/>
+            </a:xfrm>
+            <a:prstGeom prst="rect">
+              <a:avLst/>
+            </a:prstGeom>
+            <a:solidFill>
+              <a:schemeClr val="tx1"/>
+            </a:solidFill>
+            <a:ln>
+              <a:solidFill>
+                <a:schemeClr val="tx1"/>
+              </a:solidFill>
+            </a:ln>
+          </p:spPr>
+          <p:style>
+            <a:lnRef idx="2">
+              <a:schemeClr val="accent1">
+                <a:shade val="50000"/>
+              </a:schemeClr>
+            </a:lnRef>
+            <a:fillRef idx="1">
+              <a:schemeClr val="accent1"/>
+            </a:fillRef>
+            <a:effectRef idx="0">
+              <a:schemeClr val="accent1"/>
+            </a:effectRef>
+            <a:fontRef idx="minor">
+              <a:schemeClr val="lt1"/>
+            </a:fontRef>
+          </p:style>
+          <p:txBody>
+            <a:bodyPr rtlCol="0" anchor="ctr"/>
+            <a:lstStyle/>
+            <a:p>
+              <a:pPr algn="ctr"/>
+              <a:endParaRPr lang="en-US"/>
+            </a:p>
+          </p:txBody>
+        </p:sp>
+        <p:sp>
+          <p:nvSpPr>
+            <p:cNvPr id="53" name="Rectangle 52">
+              <a:extLst>
+                <a:ext uri="{FF2B5EF4-FFF2-40B4-BE49-F238E27FC236}">
+                  <a16:creationId xmlns:a16="http://schemas.microsoft.com/office/drawing/2014/main" id="{F5365AD5-8F6A-4CEA-97EC-DE8CBAF6F290}"/>
+                </a:ext>
+              </a:extLst>
+            </p:cNvPr>
+            <p:cNvSpPr/>
+            <p:nvPr/>
+          </p:nvSpPr>
+          <p:spPr>
+            <a:xfrm rot="5400000">
+              <a:off x="14830630" y="14380918"/>
+              <a:ext cx="5372098" cy="171043"/>
+            </a:xfrm>
+            <a:prstGeom prst="rect">
+              <a:avLst/>
+            </a:prstGeom>
+            <a:solidFill>
+              <a:schemeClr val="tx1"/>
+            </a:solidFill>
+            <a:ln>
+              <a:solidFill>
+                <a:schemeClr val="tx1"/>
+              </a:solidFill>
+            </a:ln>
+          </p:spPr>
+          <p:style>
+            <a:lnRef idx="2">
+              <a:schemeClr val="accent1">
+                <a:shade val="50000"/>
+              </a:schemeClr>
+            </a:lnRef>
+            <a:fillRef idx="1">
+              <a:schemeClr val="accent1"/>
+            </a:fillRef>
+            <a:effectRef idx="0">
+              <a:schemeClr val="accent1"/>
+            </a:effectRef>
+            <a:fontRef idx="minor">
+              <a:schemeClr val="lt1"/>
+            </a:fontRef>
+          </p:style>
+          <p:txBody>
+            <a:bodyPr rtlCol="0" anchor="ctr"/>
+            <a:lstStyle/>
+            <a:p>
+              <a:pPr algn="ctr"/>
+              <a:endParaRPr lang="en-US"/>
+            </a:p>
+          </p:txBody>
+        </p:sp>
+        <p:sp>
+          <p:nvSpPr>
+            <p:cNvPr id="9" name="TextBox 8">
+              <a:extLst>
+                <a:ext uri="{FF2B5EF4-FFF2-40B4-BE49-F238E27FC236}">
+                  <a16:creationId xmlns:a16="http://schemas.microsoft.com/office/drawing/2014/main" id="{8D39B0B2-C4C2-4BCC-B122-98508D82EDDD}"/>
+                </a:ext>
+              </a:extLst>
+            </p:cNvPr>
+            <p:cNvSpPr txBox="1"/>
+            <p:nvPr/>
+          </p:nvSpPr>
+          <p:spPr>
+            <a:xfrm>
+              <a:off x="22974300" y="8001000"/>
+              <a:ext cx="1028700" cy="707886"/>
+            </a:xfrm>
+            <a:prstGeom prst="rect">
+              <a:avLst/>
+            </a:prstGeom>
+            <a:noFill/>
+          </p:spPr>
+          <p:txBody>
+            <a:bodyPr wrap="square" rtlCol="0">
+              <a:spAutoFit/>
+            </a:bodyPr>
+            <a:lstStyle/>
+            <a:p>
+              <a:r>
+                <a:rPr lang="en-US" sz="4000" dirty="0"/>
+                <a:t>Yes</a:t>
+              </a:r>
+            </a:p>
+          </p:txBody>
+        </p:sp>
+        <p:sp>
+          <p:nvSpPr>
+            <p:cNvPr id="55" name="TextBox 54">
+              <a:extLst>
+                <a:ext uri="{FF2B5EF4-FFF2-40B4-BE49-F238E27FC236}">
+                  <a16:creationId xmlns:a16="http://schemas.microsoft.com/office/drawing/2014/main" id="{B2357E0C-DB72-4305-B487-F7FA81AD2D29}"/>
+                </a:ext>
+              </a:extLst>
+            </p:cNvPr>
+            <p:cNvSpPr txBox="1"/>
+            <p:nvPr/>
+          </p:nvSpPr>
+          <p:spPr>
+            <a:xfrm>
+              <a:off x="21032786" y="15163514"/>
+              <a:ext cx="1028700" cy="707886"/>
+            </a:xfrm>
+            <a:prstGeom prst="rect">
+              <a:avLst/>
+            </a:prstGeom>
+            <a:noFill/>
+          </p:spPr>
+          <p:txBody>
+            <a:bodyPr wrap="square" rtlCol="0">
+              <a:spAutoFit/>
+            </a:bodyPr>
+            <a:lstStyle/>
+            <a:p>
+              <a:r>
+                <a:rPr lang="en-US" sz="4000" dirty="0"/>
+                <a:t>Yes</a:t>
+              </a:r>
+            </a:p>
+          </p:txBody>
+        </p:sp>
+        <p:sp>
+          <p:nvSpPr>
+            <p:cNvPr id="56" name="TextBox 55">
+              <a:extLst>
+                <a:ext uri="{FF2B5EF4-FFF2-40B4-BE49-F238E27FC236}">
+                  <a16:creationId xmlns:a16="http://schemas.microsoft.com/office/drawing/2014/main" id="{CD0F35BC-B2A6-4CEB-AFD2-ACBDB227EEEB}"/>
+                </a:ext>
+              </a:extLst>
+            </p:cNvPr>
+            <p:cNvSpPr txBox="1"/>
+            <p:nvPr/>
+          </p:nvSpPr>
+          <p:spPr>
+            <a:xfrm>
+              <a:off x="19035712" y="9789870"/>
+              <a:ext cx="1028700" cy="707886"/>
+            </a:xfrm>
+            <a:prstGeom prst="rect">
+              <a:avLst/>
+            </a:prstGeom>
+            <a:noFill/>
+          </p:spPr>
+          <p:txBody>
+            <a:bodyPr wrap="square" rtlCol="0">
+              <a:spAutoFit/>
+            </a:bodyPr>
+            <a:lstStyle/>
+            <a:p>
+              <a:r>
+                <a:rPr lang="en-US" sz="4000" dirty="0"/>
+                <a:t>No</a:t>
+              </a:r>
+            </a:p>
+          </p:txBody>
+        </p:sp>
+        <p:sp>
+          <p:nvSpPr>
+            <p:cNvPr id="57" name="TextBox 56">
+              <a:extLst>
+                <a:ext uri="{FF2B5EF4-FFF2-40B4-BE49-F238E27FC236}">
+                  <a16:creationId xmlns:a16="http://schemas.microsoft.com/office/drawing/2014/main" id="{77ABDFB6-E3D9-4D2A-8E6A-7982AE5BF945}"/>
+                </a:ext>
+              </a:extLst>
+            </p:cNvPr>
+            <p:cNvSpPr txBox="1"/>
+            <p:nvPr/>
+          </p:nvSpPr>
+          <p:spPr>
+            <a:xfrm>
+              <a:off x="17847880" y="14213025"/>
+              <a:ext cx="1028700" cy="707886"/>
+            </a:xfrm>
+            <a:prstGeom prst="rect">
+              <a:avLst/>
+            </a:prstGeom>
+            <a:noFill/>
+          </p:spPr>
+          <p:txBody>
+            <a:bodyPr wrap="square" rtlCol="0">
+              <a:spAutoFit/>
+            </a:bodyPr>
+            <a:lstStyle/>
+            <a:p>
+              <a:r>
+                <a:rPr lang="en-US" sz="4000" dirty="0"/>
+                <a:t>No</a:t>
+              </a:r>
+            </a:p>
+          </p:txBody>
+        </p:sp>
+      </p:grpSp>
     </p:spTree>
     <p:extLst>
       <p:ext uri="{BB962C8B-B14F-4D97-AF65-F5344CB8AC3E}">

--- a/presentation/Poster_Template.pptx
+++ b/presentation/Poster_Template.pptx
@@ -4199,7 +4199,7 @@
             <a:r>
               <a:rPr lang="en-US" dirty="0">
                 <a:solidFill>
-                  <a:srgbClr val="00B050"/>
+                  <a:srgbClr val="0070C0"/>
                 </a:solidFill>
               </a:rPr>
               <a:t>Our Solution:</a:t>
@@ -4213,7 +4213,7 @@
             <a:r>
               <a:rPr lang="en-US" dirty="0">
                 <a:solidFill>
-                  <a:srgbClr val="00B050"/>
+                  <a:srgbClr val="0070C0"/>
                 </a:solidFill>
               </a:rPr>
               <a:t>Stealthy logging mechanism, called </a:t>
@@ -4221,7 +4221,7 @@
             <a:r>
               <a:rPr lang="en-US" dirty="0" err="1">
                 <a:solidFill>
-                  <a:srgbClr val="00B050"/>
+                  <a:srgbClr val="0070C0"/>
                 </a:solidFill>
               </a:rPr>
               <a:t>SnapShotter</a:t>
@@ -4229,7 +4229,7 @@
             <a:r>
               <a:rPr lang="en-US" dirty="0">
                 <a:solidFill>
-                  <a:srgbClr val="00B050"/>
+                  <a:srgbClr val="0070C0"/>
                 </a:solidFill>
               </a:rPr>
               <a:t> Agent.</a:t>
